--- a/Dynamic Graphs/Dynamic Graphs.pptx
+++ b/Dynamic Graphs/Dynamic Graphs.pptx
@@ -5,43 +5,29 @@
     <p:sldMasterId id="2147483648" r:id="rId1"/>
   </p:sldMasterIdLst>
   <p:notesMasterIdLst>
-    <p:notesMasterId r:id="rId14"/>
+    <p:notesMasterId r:id="rId9"/>
   </p:notesMasterIdLst>
   <p:sldIdLst>
     <p:sldId id="266" r:id="rId2"/>
     <p:sldId id="269" r:id="rId3"/>
-    <p:sldId id="279" r:id="rId4"/>
-    <p:sldId id="281" r:id="rId5"/>
-    <p:sldId id="270" r:id="rId6"/>
-    <p:sldId id="271" r:id="rId7"/>
-    <p:sldId id="272" r:id="rId8"/>
-    <p:sldId id="273" r:id="rId9"/>
-    <p:sldId id="278" r:id="rId10"/>
-    <p:sldId id="275" r:id="rId11"/>
-    <p:sldId id="276" r:id="rId12"/>
-    <p:sldId id="267" r:id="rId13"/>
+    <p:sldId id="282" r:id="rId4"/>
+    <p:sldId id="279" r:id="rId5"/>
+    <p:sldId id="284" r:id="rId6"/>
+    <p:sldId id="283" r:id="rId7"/>
+    <p:sldId id="276" r:id="rId8"/>
   </p:sldIdLst>
   <p:sldSz cx="9144000" cy="6858000" type="screen4x3"/>
   <p:notesSz cx="6858000" cy="9144000"/>
   <p:embeddedFontLst>
     <p:embeddedFont>
-      <p:font typeface="맑은 고딕" panose="020B0503020000020004" pitchFamily="50" charset="-127"/>
-      <p:regular r:id="rId15"/>
-      <p:bold r:id="rId16"/>
+      <p:font typeface="Ebrima" panose="02000000000000000000" pitchFamily="2" charset="0"/>
+      <p:regular r:id="rId10"/>
+      <p:bold r:id="rId11"/>
     </p:embeddedFont>
     <p:embeddedFont>
-      <p:font typeface="-윤고딕330" panose="020B0600000101010101" charset="-127"/>
-      <p:regular r:id="rId17"/>
-    </p:embeddedFont>
-    <p:embeddedFont>
-      <p:font typeface="Ahellya" panose="020B0600000101010101" charset="0"/>
-      <p:regular r:id="rId18"/>
-      <p:italic r:id="rId19"/>
-    </p:embeddedFont>
-    <p:embeddedFont>
-      <p:font typeface="Ebrima" panose="02000000000000000000" pitchFamily="2" charset="0"/>
-      <p:regular r:id="rId20"/>
-      <p:bold r:id="rId21"/>
+      <p:font typeface="맑은 고딕" panose="020B0503020000020004" pitchFamily="50" charset="-127"/>
+      <p:regular r:id="rId12"/>
+      <p:bold r:id="rId13"/>
     </p:embeddedFont>
   </p:embeddedFontLst>
   <p:defaultTextStyle>
@@ -679,19 +665,61 @@
           <a:p>
             <a:r>
               <a:rPr lang="ko-KR" altLang="en-US" dirty="0"/>
-              <a:t>위의 사진은 경찰청에서 얻을 수 있는 집회</a:t>
+              <a:t>위의 자료는 경찰청 홈페이지에서 얻을 수 있는 오늘의 주요 집회 자료</a:t>
             </a:r>
             <a:r>
               <a:rPr lang="en-US" altLang="ko-KR" dirty="0"/>
-              <a:t>/</a:t>
+              <a:t>(</a:t>
             </a:r>
             <a:r>
               <a:rPr lang="ko-KR" altLang="en-US" dirty="0"/>
-              <a:t>행진 </a:t>
-            </a:r>
-            <a:r>
-              <a:rPr lang="ko-KR" altLang="en-US" dirty="0" err="1"/>
-              <a:t>요도표</a:t>
+              <a:t>매일 업데이트</a:t>
+            </a:r>
+            <a:r>
+              <a:rPr lang="en-US" altLang="ko-KR" dirty="0"/>
+              <a:t>)</a:t>
+            </a:r>
+          </a:p>
+          <a:p>
+            <a:r>
+              <a:rPr lang="en-US" altLang="ko-KR" dirty="0"/>
+              <a:t>Graphing </a:t>
+            </a:r>
+            <a:r>
+              <a:rPr lang="ko-KR" altLang="en-US" dirty="0"/>
+              <a:t>하고 싶은 시위대의 집회 일시</a:t>
+            </a:r>
+            <a:r>
+              <a:rPr lang="en-US" altLang="ko-KR" dirty="0"/>
+              <a:t>, </a:t>
+            </a:r>
+            <a:r>
+              <a:rPr lang="ko-KR" altLang="en-US" dirty="0"/>
+              <a:t>행진 경로</a:t>
+            </a:r>
+            <a:r>
+              <a:rPr lang="en-US" altLang="ko-KR" dirty="0"/>
+              <a:t>(</a:t>
+            </a:r>
+            <a:r>
+              <a:rPr lang="ko-KR" altLang="en-US" dirty="0"/>
+              <a:t>교차로별</a:t>
+            </a:r>
+            <a:r>
+              <a:rPr lang="en-US" altLang="ko-KR" dirty="0"/>
+              <a:t>), </a:t>
+            </a:r>
+            <a:r>
+              <a:rPr lang="ko-KR" altLang="en-US" dirty="0"/>
+              <a:t>시위대 인원</a:t>
+            </a:r>
+            <a:r>
+              <a:rPr lang="en-US" altLang="ko-KR" dirty="0"/>
+              <a:t>, </a:t>
+            </a:r>
+            <a:r>
+              <a:rPr lang="ko-KR" altLang="en-US" dirty="0"/>
+              <a:t>관할서 등이 표시되어 있음</a:t>
             </a:r>
             <a:r>
               <a:rPr lang="en-US" altLang="ko-KR" dirty="0"/>
@@ -701,17 +729,40 @@
           <a:p>
             <a:r>
               <a:rPr lang="ko-KR" altLang="en-US" dirty="0"/>
-              <a:t>색깔이 다른 방향선으로 표시된 것이 각 시위대의 행진 경로</a:t>
+              <a:t>이번 프로젝트에서는 아래와 같이 그래프를 구성할 예정</a:t>
             </a:r>
             <a:r>
               <a:rPr lang="en-US" altLang="ko-KR" dirty="0"/>
-              <a:t>.</a:t>
-            </a:r>
-          </a:p>
-          <a:p>
+              <a:t>:</a:t>
+            </a:r>
+          </a:p>
+          <a:p>
+            <a:r>
+              <a:rPr lang="en-US" altLang="ko-KR" dirty="0"/>
+              <a:t>Node – </a:t>
+            </a:r>
             <a:r>
               <a:rPr lang="ko-KR" altLang="en-US" dirty="0"/>
-              <a:t>보다 동적인 것을 살리기 위해 시위대가 지나간 주요 교차로</a:t>
+              <a:t>교차로</a:t>
+            </a:r>
+            <a:endParaRPr lang="en-US" altLang="ko-KR" dirty="0"/>
+          </a:p>
+          <a:p>
+            <a:r>
+              <a:rPr lang="en-US" altLang="ko-KR" dirty="0"/>
+              <a:t>Edge – </a:t>
+            </a:r>
+            <a:r>
+              <a:rPr lang="ko-KR" altLang="en-US" dirty="0"/>
+              <a:t>교차로 사이의 도로</a:t>
+            </a:r>
+            <a:r>
+              <a:rPr lang="en-US" altLang="ko-KR" dirty="0"/>
+              <a:t>(Weight – </a:t>
+            </a:r>
+            <a:r>
+              <a:rPr lang="ko-KR" altLang="en-US" dirty="0"/>
+              <a:t>도로의 길이</a:t>
             </a:r>
             <a:r>
               <a:rPr lang="en-US" altLang="ko-KR" dirty="0"/>
@@ -719,7 +770,37 @@
             </a:r>
             <a:r>
               <a:rPr lang="ko-KR" altLang="en-US" dirty="0"/>
-              <a:t>삼거리</a:t>
+              <a:t>거리</a:t>
+            </a:r>
+            <a:r>
+              <a:rPr lang="en-US" altLang="ko-KR" dirty="0"/>
+              <a:t>), </a:t>
+            </a:r>
+            <a:r>
+              <a:rPr lang="ko-KR" altLang="en-US" dirty="0"/>
+              <a:t>해당 도로를 지나는 시위대 인원 수</a:t>
+            </a:r>
+            <a:r>
+              <a:rPr lang="en-US" altLang="ko-KR" dirty="0"/>
+              <a:t>)</a:t>
+            </a:r>
+          </a:p>
+          <a:p>
+            <a:r>
+              <a:rPr lang="en-US" altLang="ko-KR" dirty="0"/>
+              <a:t>Directed Edge – </a:t>
+            </a:r>
+            <a:r>
+              <a:rPr lang="ko-KR" altLang="en-US" dirty="0"/>
+              <a:t>시위대의 행진 방향이 </a:t>
+            </a:r>
+            <a:r>
+              <a:rPr lang="en-US" altLang="ko-KR" dirty="0"/>
+              <a:t>Edge</a:t>
+            </a:r>
+            <a:r>
+              <a:rPr lang="ko-KR" altLang="en-US" dirty="0"/>
+              <a:t>의 방향 결정</a:t>
             </a:r>
             <a:r>
               <a:rPr lang="en-US" altLang="ko-KR" dirty="0"/>
@@ -727,98 +808,21 @@
             </a:r>
             <a:r>
               <a:rPr lang="ko-KR" altLang="en-US" dirty="0"/>
-              <a:t>사거리 등</a:t>
-            </a:r>
-            <a:r>
-              <a:rPr lang="en-US" altLang="ko-KR" dirty="0"/>
-              <a:t>)</a:t>
-            </a:r>
+              <a:t>왕복하는 경우도 있어 양방향도 가능</a:t>
+            </a:r>
+            <a:endParaRPr lang="en-US" altLang="ko-KR" dirty="0"/>
+          </a:p>
+          <a:p>
+            <a:endParaRPr lang="en-US" altLang="ko-KR" dirty="0"/>
+          </a:p>
+          <a:p>
+            <a:endParaRPr lang="en-US" altLang="ko-KR" dirty="0"/>
+          </a:p>
+          <a:p>
             <a:r>
               <a:rPr lang="ko-KR" altLang="en-US" dirty="0"/>
-              <a:t>를 </a:t>
-            </a:r>
-            <a:r>
-              <a:rPr lang="en-US" altLang="ko-KR" dirty="0"/>
-              <a:t>Node</a:t>
-            </a:r>
-            <a:r>
-              <a:rPr lang="ko-KR" altLang="en-US" dirty="0"/>
-              <a:t>로 삼아 추가하는 방식</a:t>
-            </a:r>
-            <a:r>
-              <a:rPr lang="en-US" altLang="ko-KR" dirty="0"/>
-              <a:t>.</a:t>
-            </a:r>
-          </a:p>
-          <a:p>
-            <a:r>
-              <a:rPr lang="ko-KR" altLang="en-US" dirty="0"/>
-              <a:t>교차로 사이의 도로는 </a:t>
-            </a:r>
-            <a:r>
-              <a:rPr lang="en-US" altLang="ko-KR" dirty="0"/>
-              <a:t>Edge</a:t>
-            </a:r>
-            <a:r>
-              <a:rPr lang="ko-KR" altLang="en-US" dirty="0"/>
-              <a:t>로 표현 가능하며 도로의 길이</a:t>
-            </a:r>
-            <a:r>
-              <a:rPr lang="en-US" altLang="ko-KR" dirty="0"/>
-              <a:t>(</a:t>
-            </a:r>
-            <a:r>
-              <a:rPr lang="ko-KR" altLang="en-US" dirty="0"/>
-              <a:t>거리</a:t>
-            </a:r>
-            <a:r>
-              <a:rPr lang="en-US" altLang="ko-KR" dirty="0"/>
-              <a:t>)</a:t>
-            </a:r>
-            <a:r>
-              <a:rPr lang="ko-KR" altLang="en-US" dirty="0"/>
-              <a:t>는 </a:t>
-            </a:r>
-            <a:r>
-              <a:rPr lang="en-US" altLang="ko-KR" dirty="0"/>
-              <a:t>Weight</a:t>
-            </a:r>
-            <a:r>
-              <a:rPr lang="ko-KR" altLang="en-US" dirty="0"/>
-              <a:t>로도 활용 가능</a:t>
-            </a:r>
-            <a:r>
-              <a:rPr lang="en-US" altLang="ko-KR" dirty="0"/>
-              <a:t>.</a:t>
-            </a:r>
-          </a:p>
-          <a:p>
-            <a:r>
-              <a:rPr lang="ko-KR" altLang="en-US" dirty="0"/>
-              <a:t>또한 시위대의 행진 경로는</a:t>
-            </a:r>
-            <a:r>
-              <a:rPr lang="en-US" altLang="ko-KR" dirty="0"/>
               <a:t> </a:t>
             </a:r>
-            <a:r>
-              <a:rPr lang="ko-KR" altLang="en-US" dirty="0"/>
-              <a:t>방향이 존재하여 </a:t>
-            </a:r>
-            <a:r>
-              <a:rPr lang="en-US" altLang="ko-KR" dirty="0"/>
-              <a:t>Directed</a:t>
-            </a:r>
-            <a:r>
-              <a:rPr lang="ko-KR" altLang="en-US" dirty="0"/>
-              <a:t>이고 왕복 경로의 경우도 있어 양방향성도 가능</a:t>
-            </a:r>
-            <a:r>
-              <a:rPr lang="en-US" altLang="ko-KR" dirty="0"/>
-              <a:t>.</a:t>
-            </a:r>
-          </a:p>
-          <a:p>
             <a:endParaRPr lang="en-US" altLang="ko-KR" dirty="0"/>
           </a:p>
         </p:txBody>
@@ -849,7 +853,7 @@
     </p:spTree>
     <p:extLst>
       <p:ext uri="{BB962C8B-B14F-4D97-AF65-F5344CB8AC3E}">
-        <p14:creationId xmlns:p14="http://schemas.microsoft.com/office/powerpoint/2010/main" val="144569621"/>
+        <p14:creationId xmlns:p14="http://schemas.microsoft.com/office/powerpoint/2010/main" val="1718177849"/>
       </p:ext>
     </p:extLst>
   </p:cSld>
@@ -905,15 +909,7 @@
           <a:p>
             <a:r>
               <a:rPr lang="ko-KR" altLang="en-US" dirty="0"/>
-              <a:t>위의 자료도 경찰청에서 </a:t>
-            </a:r>
-            <a:r>
-              <a:rPr lang="ko-KR" altLang="en-US" dirty="0" err="1"/>
-              <a:t>얻을수</a:t>
-            </a:r>
-            <a:r>
-              <a:rPr lang="ko-KR" altLang="en-US" dirty="0"/>
-              <a:t> 있는 주요 집회</a:t>
+              <a:t>위의 자료도 경찰청 홈페이지에서 얻을 수 있는 집회</a:t>
             </a:r>
             <a:r>
               <a:rPr lang="en-US" altLang="ko-KR" dirty="0"/>
@@ -921,7 +917,11 @@
             </a:r>
             <a:r>
               <a:rPr lang="ko-KR" altLang="en-US" dirty="0"/>
-              <a:t>행진 자료</a:t>
+              <a:t>행진 요도</a:t>
+            </a:r>
+            <a:r>
+              <a:rPr lang="en-US" altLang="ko-KR" dirty="0"/>
+              <a:t>.</a:t>
             </a:r>
           </a:p>
         </p:txBody>
@@ -952,7 +952,321 @@
     </p:spTree>
     <p:extLst>
       <p:ext uri="{BB962C8B-B14F-4D97-AF65-F5344CB8AC3E}">
-        <p14:creationId xmlns:p14="http://schemas.microsoft.com/office/powerpoint/2010/main" val="1929748050"/>
+        <p14:creationId xmlns:p14="http://schemas.microsoft.com/office/powerpoint/2010/main" val="144569621"/>
+      </p:ext>
+    </p:extLst>
+  </p:cSld>
+  <p:clrMapOvr>
+    <a:masterClrMapping/>
+  </p:clrMapOvr>
+</p:notes>
+</file>
+
+<file path=ppt/notesSlides/notesSlide4.xml><?xml version="1.0" encoding="utf-8"?>
+<p:notes xmlns:a="http://schemas.openxmlformats.org/drawingml/2006/main" xmlns:r="http://schemas.openxmlformats.org/officeDocument/2006/relationships" xmlns:p="http://schemas.openxmlformats.org/presentationml/2006/main">
+  <p:cSld>
+    <p:spTree>
+      <p:nvGrpSpPr>
+        <p:cNvPr id="1" name=""/>
+        <p:cNvGrpSpPr/>
+        <p:nvPr/>
+      </p:nvGrpSpPr>
+      <p:grpSpPr>
+        <a:xfrm>
+          <a:off x="0" y="0"/>
+          <a:ext cx="0" cy="0"/>
+          <a:chOff x="0" y="0"/>
+          <a:chExt cx="0" cy="0"/>
+        </a:xfrm>
+      </p:grpSpPr>
+      <p:sp>
+        <p:nvSpPr>
+          <p:cNvPr id="2" name="슬라이드 이미지 개체 틀 1"/>
+          <p:cNvSpPr>
+            <a:spLocks noGrp="1" noRot="1" noChangeAspect="1"/>
+          </p:cNvSpPr>
+          <p:nvPr>
+            <p:ph type="sldImg"/>
+          </p:nvPr>
+        </p:nvSpPr>
+        <p:spPr/>
+      </p:sp>
+      <p:sp>
+        <p:nvSpPr>
+          <p:cNvPr id="3" name="슬라이드 노트 개체 틀 2"/>
+          <p:cNvSpPr>
+            <a:spLocks noGrp="1"/>
+          </p:cNvSpPr>
+          <p:nvPr>
+            <p:ph type="body" idx="1"/>
+          </p:nvPr>
+        </p:nvSpPr>
+        <p:spPr/>
+        <p:txBody>
+          <a:bodyPr/>
+          <a:lstStyle/>
+          <a:p>
+            <a:r>
+              <a:rPr lang="ko-KR" altLang="en-US" dirty="0"/>
+              <a:t>위의 자료도 경찰청 홈페이지에서 얻을 수 있는 주요 집회</a:t>
+            </a:r>
+            <a:r>
+              <a:rPr lang="en-US" altLang="ko-KR" dirty="0"/>
+              <a:t>/</a:t>
+            </a:r>
+            <a:r>
+              <a:rPr lang="ko-KR" altLang="en-US" dirty="0"/>
+              <a:t>행진 자료</a:t>
+            </a:r>
+            <a:r>
+              <a:rPr lang="en-US" altLang="ko-KR" dirty="0"/>
+              <a:t>(</a:t>
+            </a:r>
+            <a:r>
+              <a:rPr lang="ko-KR" altLang="en-US" dirty="0"/>
+              <a:t>매일 업데이트</a:t>
+            </a:r>
+            <a:r>
+              <a:rPr lang="en-US" altLang="ko-KR" dirty="0"/>
+              <a:t>)</a:t>
+            </a:r>
+          </a:p>
+          <a:p>
+            <a:r>
+              <a:rPr lang="ko-KR" altLang="en-US" dirty="0"/>
+              <a:t>전 슬라이드에서 보여준 요도표는 </a:t>
+            </a:r>
+            <a:r>
+              <a:rPr lang="en-US" altLang="ko-KR" dirty="0"/>
+              <a:t>Processed Data</a:t>
+            </a:r>
+            <a:r>
+              <a:rPr lang="ko-KR" altLang="en-US" dirty="0"/>
+              <a:t>이고 이건 </a:t>
+            </a:r>
+            <a:r>
+              <a:rPr lang="en-US" altLang="ko-KR" dirty="0"/>
+              <a:t>Raw Data.</a:t>
+            </a:r>
+          </a:p>
+          <a:p>
+            <a:r>
+              <a:rPr lang="en-US" altLang="ko-KR" dirty="0"/>
+              <a:t>Processed Data</a:t>
+            </a:r>
+            <a:r>
+              <a:rPr lang="ko-KR" altLang="en-US" dirty="0"/>
+              <a:t>가 항상 존재하는 것은 아니어서 </a:t>
+            </a:r>
+            <a:r>
+              <a:rPr lang="en-US" altLang="ko-KR" dirty="0"/>
+              <a:t>Raw Data</a:t>
+            </a:r>
+            <a:r>
+              <a:rPr lang="ko-KR" altLang="en-US" dirty="0"/>
+              <a:t>를 직접 활용할 수도 있음</a:t>
+            </a:r>
+            <a:r>
+              <a:rPr lang="en-US" altLang="ko-KR" dirty="0"/>
+              <a:t>.</a:t>
+            </a:r>
+          </a:p>
+          <a:p>
+            <a:r>
+              <a:rPr lang="ko-KR" altLang="en-US" dirty="0"/>
+              <a:t>행진의 경로가 교차로별로 표기 되어있어 데이터 내용은 동일</a:t>
+            </a:r>
+            <a:r>
+              <a:rPr lang="en-US" altLang="ko-KR" dirty="0"/>
+              <a:t>.</a:t>
+            </a:r>
+          </a:p>
+        </p:txBody>
+      </p:sp>
+      <p:sp>
+        <p:nvSpPr>
+          <p:cNvPr id="4" name="슬라이드 번호 개체 틀 3"/>
+          <p:cNvSpPr>
+            <a:spLocks noGrp="1"/>
+          </p:cNvSpPr>
+          <p:nvPr>
+            <p:ph type="sldNum" sz="quarter" idx="10"/>
+          </p:nvPr>
+        </p:nvSpPr>
+        <p:spPr/>
+        <p:txBody>
+          <a:bodyPr/>
+          <a:lstStyle/>
+          <a:p>
+            <a:fld id="{0DC1DE66-3386-48AC-A7D3-217B93C56141}" type="slidenum">
+              <a:rPr lang="ko-KR" altLang="en-US" smtClean="0"/>
+              <a:t>5</a:t>
+            </a:fld>
+            <a:endParaRPr lang="ko-KR" altLang="en-US"/>
+          </a:p>
+        </p:txBody>
+      </p:sp>
+    </p:spTree>
+    <p:extLst>
+      <p:ext uri="{BB962C8B-B14F-4D97-AF65-F5344CB8AC3E}">
+        <p14:creationId xmlns:p14="http://schemas.microsoft.com/office/powerpoint/2010/main" val="3226845997"/>
+      </p:ext>
+    </p:extLst>
+  </p:cSld>
+  <p:clrMapOvr>
+    <a:masterClrMapping/>
+  </p:clrMapOvr>
+</p:notes>
+</file>
+
+<file path=ppt/notesSlides/notesSlide5.xml><?xml version="1.0" encoding="utf-8"?>
+<p:notes xmlns:a="http://schemas.openxmlformats.org/drawingml/2006/main" xmlns:r="http://schemas.openxmlformats.org/officeDocument/2006/relationships" xmlns:p="http://schemas.openxmlformats.org/presentationml/2006/main">
+  <p:cSld>
+    <p:spTree>
+      <p:nvGrpSpPr>
+        <p:cNvPr id="1" name=""/>
+        <p:cNvGrpSpPr/>
+        <p:nvPr/>
+      </p:nvGrpSpPr>
+      <p:grpSpPr>
+        <a:xfrm>
+          <a:off x="0" y="0"/>
+          <a:ext cx="0" cy="0"/>
+          <a:chOff x="0" y="0"/>
+          <a:chExt cx="0" cy="0"/>
+        </a:xfrm>
+      </p:grpSpPr>
+      <p:sp>
+        <p:nvSpPr>
+          <p:cNvPr id="2" name="슬라이드 이미지 개체 틀 1"/>
+          <p:cNvSpPr>
+            <a:spLocks noGrp="1" noRot="1" noChangeAspect="1"/>
+          </p:cNvSpPr>
+          <p:nvPr>
+            <p:ph type="sldImg"/>
+          </p:nvPr>
+        </p:nvSpPr>
+        <p:spPr/>
+      </p:sp>
+      <p:sp>
+        <p:nvSpPr>
+          <p:cNvPr id="3" name="슬라이드 노트 개체 틀 2"/>
+          <p:cNvSpPr>
+            <a:spLocks noGrp="1"/>
+          </p:cNvSpPr>
+          <p:nvPr>
+            <p:ph type="body" idx="1"/>
+          </p:nvPr>
+        </p:nvSpPr>
+        <p:spPr/>
+        <p:txBody>
+          <a:bodyPr/>
+          <a:lstStyle/>
+          <a:p>
+            <a:r>
+              <a:rPr lang="ko-KR" altLang="en-US" dirty="0"/>
+              <a:t>위의 자료도 경찰청 홈페이지에서 얻을 수 있는 주요 집회</a:t>
+            </a:r>
+            <a:r>
+              <a:rPr lang="en-US" altLang="ko-KR" dirty="0"/>
+              <a:t>/</a:t>
+            </a:r>
+            <a:r>
+              <a:rPr lang="ko-KR" altLang="en-US" dirty="0"/>
+              <a:t>행진 자료</a:t>
+            </a:r>
+            <a:r>
+              <a:rPr lang="en-US" altLang="ko-KR" dirty="0"/>
+              <a:t>(</a:t>
+            </a:r>
+            <a:r>
+              <a:rPr lang="ko-KR" altLang="en-US" dirty="0"/>
+              <a:t>매일 업데이트</a:t>
+            </a:r>
+            <a:r>
+              <a:rPr lang="en-US" altLang="ko-KR" dirty="0"/>
+              <a:t>)</a:t>
+            </a:r>
+          </a:p>
+          <a:p>
+            <a:r>
+              <a:rPr lang="ko-KR" altLang="en-US" dirty="0"/>
+              <a:t>전 슬라이드에서 보여준 요도표는 </a:t>
+            </a:r>
+            <a:r>
+              <a:rPr lang="en-US" altLang="ko-KR" dirty="0"/>
+              <a:t>Processed Data</a:t>
+            </a:r>
+            <a:r>
+              <a:rPr lang="ko-KR" altLang="en-US" dirty="0"/>
+              <a:t>이고 이건 </a:t>
+            </a:r>
+            <a:r>
+              <a:rPr lang="en-US" altLang="ko-KR" dirty="0"/>
+              <a:t>Raw Data.</a:t>
+            </a:r>
+          </a:p>
+          <a:p>
+            <a:r>
+              <a:rPr lang="en-US" altLang="ko-KR" dirty="0"/>
+              <a:t>Processed Data</a:t>
+            </a:r>
+            <a:r>
+              <a:rPr lang="ko-KR" altLang="en-US" dirty="0"/>
+              <a:t>가 항상 존재하는 것은 아니어서 </a:t>
+            </a:r>
+            <a:r>
+              <a:rPr lang="en-US" altLang="ko-KR" dirty="0"/>
+              <a:t>Raw Data</a:t>
+            </a:r>
+            <a:r>
+              <a:rPr lang="ko-KR" altLang="en-US" dirty="0"/>
+              <a:t>를 직접 활용할 수도 있음</a:t>
+            </a:r>
+            <a:r>
+              <a:rPr lang="en-US" altLang="ko-KR" dirty="0"/>
+              <a:t>.</a:t>
+            </a:r>
+          </a:p>
+          <a:p>
+            <a:r>
+              <a:rPr lang="ko-KR" altLang="en-US" dirty="0"/>
+              <a:t>행진의 경로가 교차로별로 표기 되어있어 데이터 내용은 동일</a:t>
+            </a:r>
+            <a:r>
+              <a:rPr lang="en-US" altLang="ko-KR" dirty="0"/>
+              <a:t>.</a:t>
+            </a:r>
+          </a:p>
+        </p:txBody>
+      </p:sp>
+      <p:sp>
+        <p:nvSpPr>
+          <p:cNvPr id="4" name="슬라이드 번호 개체 틀 3"/>
+          <p:cNvSpPr>
+            <a:spLocks noGrp="1"/>
+          </p:cNvSpPr>
+          <p:nvPr>
+            <p:ph type="sldNum" sz="quarter" idx="10"/>
+          </p:nvPr>
+        </p:nvSpPr>
+        <p:spPr/>
+        <p:txBody>
+          <a:bodyPr/>
+          <a:lstStyle/>
+          <a:p>
+            <a:fld id="{0DC1DE66-3386-48AC-A7D3-217B93C56141}" type="slidenum">
+              <a:rPr lang="ko-KR" altLang="en-US" smtClean="0"/>
+              <a:t>6</a:t>
+            </a:fld>
+            <a:endParaRPr lang="ko-KR" altLang="en-US"/>
+          </a:p>
+        </p:txBody>
+      </p:sp>
+    </p:spTree>
+    <p:extLst>
+      <p:ext uri="{BB962C8B-B14F-4D97-AF65-F5344CB8AC3E}">
+        <p14:creationId xmlns:p14="http://schemas.microsoft.com/office/powerpoint/2010/main" val="1671482937"/>
       </p:ext>
     </p:extLst>
   </p:cSld>
@@ -4261,7 +4575,7 @@
 </p:sld>
 </file>
 
-<file path=ppt/slides/slide10.xml><?xml version="1.0" encoding="utf-8"?>
+<file path=ppt/slides/slide2.xml><?xml version="1.0" encoding="utf-8"?>
 <p:sld xmlns:a="http://schemas.openxmlformats.org/drawingml/2006/main" xmlns:r="http://schemas.openxmlformats.org/officeDocument/2006/relationships" xmlns:p="http://schemas.openxmlformats.org/presentationml/2006/main">
   <p:cSld>
     <p:bg>
@@ -4295,7 +4609,7 @@
           <p:nvPr/>
         </p:nvPicPr>
         <p:blipFill>
-          <a:blip r:embed="rId2" cstate="print"/>
+          <a:blip r:embed="rId3" cstate="print"/>
           <a:srcRect/>
           <a:stretch>
             <a:fillRect/>
@@ -4303,7 +4617,7 @@
         </p:blipFill>
         <p:spPr bwMode="auto">
           <a:xfrm>
-            <a:off x="-36512" y="-27384"/>
+            <a:off x="-36512" y="-45374"/>
             <a:ext cx="9180512" cy="6930758"/>
           </a:xfrm>
           <a:prstGeom prst="rect">
@@ -4320,561 +4634,71 @@
           </a:ln>
         </p:spPr>
       </p:pic>
-      <p:sp>
-        <p:nvSpPr>
-          <p:cNvPr id="22" name="TextBox 21"/>
-          <p:cNvSpPr txBox="1"/>
+      <p:pic>
+        <p:nvPicPr>
+          <p:cNvPr id="8" name="Picture 2"/>
+          <p:cNvPicPr>
+            <a:picLocks noChangeAspect="1" noChangeArrowheads="1"/>
+          </p:cNvPicPr>
           <p:nvPr/>
-        </p:nvSpPr>
-        <p:spPr>
+        </p:nvPicPr>
+        <p:blipFill>
+          <a:blip r:embed="rId3" cstate="print"/>
+          <a:srcRect/>
+          <a:stretch>
+            <a:fillRect/>
+          </a:stretch>
+        </p:blipFill>
+        <p:spPr bwMode="auto">
           <a:xfrm>
-            <a:off x="973415" y="4932457"/>
-            <a:ext cx="2808312" cy="584775"/>
+            <a:off x="-5210" y="0"/>
+            <a:ext cx="9144000" cy="6930758"/>
           </a:xfrm>
           <a:prstGeom prst="rect">
             <a:avLst/>
           </a:prstGeom>
           <a:noFill/>
+          <a:ln w="9525">
+            <a:noFill/>
+            <a:miter lim="800000"/>
+            <a:headEnd/>
+            <a:tailEnd/>
+          </a:ln>
         </p:spPr>
-        <p:txBody>
-          <a:bodyPr wrap="square" rtlCol="0">
-            <a:spAutoFit/>
-            <a:scene3d>
-              <a:camera prst="perspectiveFront"/>
-              <a:lightRig rig="threePt" dir="t"/>
-            </a:scene3d>
-          </a:bodyPr>
-          <a:lstStyle/>
-          <a:p>
-            <a:pPr algn="ctr"/>
-            <a:r>
-              <a:rPr lang="en-US" altLang="ko-KR" sz="3200" dirty="0">
-                <a:solidFill>
-                  <a:schemeClr val="bg1">
-                    <a:lumMod val="85000"/>
-                  </a:schemeClr>
-                </a:solidFill>
-                <a:latin typeface="Bebas Neue" pitchFamily="34" charset="0"/>
-              </a:rPr>
-              <a:t>“ Something new ”</a:t>
-            </a:r>
-            <a:endParaRPr lang="ko-KR" altLang="en-US" sz="3200" dirty="0">
-              <a:solidFill>
-                <a:schemeClr val="bg1">
-                  <a:lumMod val="85000"/>
-                </a:schemeClr>
-              </a:solidFill>
-              <a:latin typeface="Bebas Neue" pitchFamily="34" charset="0"/>
-            </a:endParaRPr>
-          </a:p>
-        </p:txBody>
-      </p:sp>
+      </p:pic>
       <p:grpSp>
         <p:nvGrpSpPr>
-          <p:cNvPr id="5" name="그룹 4"/>
+          <p:cNvPr id="2" name="그룹 1"/>
           <p:cNvGrpSpPr/>
           <p:nvPr/>
         </p:nvGrpSpPr>
         <p:grpSpPr>
           <a:xfrm>
-            <a:off x="4860032" y="2008187"/>
-            <a:ext cx="3456384" cy="3149005"/>
-            <a:chOff x="4751792" y="1792619"/>
-            <a:chExt cx="3456384" cy="3149005"/>
-          </a:xfrm>
-        </p:grpSpPr>
-        <p:sp>
-          <p:nvSpPr>
-            <p:cNvPr id="23" name="TextBox 22"/>
-            <p:cNvSpPr txBox="1"/>
-            <p:nvPr/>
-          </p:nvSpPr>
-          <p:spPr>
-            <a:xfrm>
-              <a:off x="4967816" y="1792619"/>
-              <a:ext cx="3240360" cy="461665"/>
-            </a:xfrm>
-            <a:prstGeom prst="rect">
-              <a:avLst/>
-            </a:prstGeom>
-            <a:noFill/>
-          </p:spPr>
-          <p:txBody>
-            <a:bodyPr wrap="square" rtlCol="0">
-              <a:spAutoFit/>
-              <a:scene3d>
-                <a:camera prst="perspectiveFront"/>
-                <a:lightRig rig="threePt" dir="t"/>
-              </a:scene3d>
-            </a:bodyPr>
-            <a:lstStyle/>
-            <a:p>
-              <a:r>
-                <a:rPr lang="en-US" altLang="ko-KR" sz="2400" dirty="0">
-                  <a:solidFill>
-                    <a:schemeClr val="bg1">
-                      <a:lumMod val="75000"/>
-                    </a:schemeClr>
-                  </a:solidFill>
-                  <a:latin typeface="Bebas Neue" pitchFamily="34" charset="0"/>
-                </a:rPr>
-                <a:t>Service and clients</a:t>
-              </a:r>
-            </a:p>
-          </p:txBody>
-        </p:sp>
-        <p:sp>
-          <p:nvSpPr>
-            <p:cNvPr id="24" name="타원 23"/>
-            <p:cNvSpPr/>
-            <p:nvPr/>
-          </p:nvSpPr>
-          <p:spPr>
-            <a:xfrm>
-              <a:off x="4751792" y="2038260"/>
-              <a:ext cx="72008" cy="72008"/>
-            </a:xfrm>
-            <a:prstGeom prst="ellipse">
-              <a:avLst/>
-            </a:prstGeom>
-            <a:solidFill>
-              <a:srgbClr val="FFCC66"/>
-            </a:solidFill>
-            <a:ln>
-              <a:noFill/>
-            </a:ln>
-            <a:scene3d>
-              <a:camera prst="perspectiveFront"/>
-              <a:lightRig rig="threePt" dir="t"/>
-            </a:scene3d>
-          </p:spPr>
-          <p:style>
-            <a:lnRef idx="2">
-              <a:schemeClr val="accent1">
-                <a:shade val="50000"/>
-              </a:schemeClr>
-            </a:lnRef>
-            <a:fillRef idx="1">
-              <a:schemeClr val="accent1"/>
-            </a:fillRef>
-            <a:effectRef idx="0">
-              <a:schemeClr val="accent1"/>
-            </a:effectRef>
-            <a:fontRef idx="minor">
-              <a:schemeClr val="lt1"/>
-            </a:fontRef>
-          </p:style>
-          <p:txBody>
-            <a:bodyPr rtlCol="0" anchor="ctr"/>
-            <a:lstStyle/>
-            <a:p>
-              <a:pPr algn="ctr"/>
-              <a:endParaRPr lang="ko-KR" altLang="en-US"/>
-            </a:p>
-          </p:txBody>
-        </p:sp>
-        <p:sp>
-          <p:nvSpPr>
-            <p:cNvPr id="25" name="타원 24"/>
-            <p:cNvSpPr/>
-            <p:nvPr/>
-          </p:nvSpPr>
-          <p:spPr>
-            <a:xfrm>
-              <a:off x="4751792" y="2668444"/>
-              <a:ext cx="72008" cy="72008"/>
-            </a:xfrm>
-            <a:prstGeom prst="ellipse">
-              <a:avLst/>
-            </a:prstGeom>
-            <a:solidFill>
-              <a:srgbClr val="FFCC66"/>
-            </a:solidFill>
-            <a:ln>
-              <a:noFill/>
-            </a:ln>
-            <a:scene3d>
-              <a:camera prst="perspectiveFront"/>
-              <a:lightRig rig="threePt" dir="t"/>
-            </a:scene3d>
-          </p:spPr>
-          <p:style>
-            <a:lnRef idx="2">
-              <a:schemeClr val="accent1">
-                <a:shade val="50000"/>
-              </a:schemeClr>
-            </a:lnRef>
-            <a:fillRef idx="1">
-              <a:schemeClr val="accent1"/>
-            </a:fillRef>
-            <a:effectRef idx="0">
-              <a:schemeClr val="accent1"/>
-            </a:effectRef>
-            <a:fontRef idx="minor">
-              <a:schemeClr val="lt1"/>
-            </a:fontRef>
-          </p:style>
-          <p:txBody>
-            <a:bodyPr rtlCol="0" anchor="ctr"/>
-            <a:lstStyle/>
-            <a:p>
-              <a:pPr algn="ctr"/>
-              <a:endParaRPr lang="ko-KR" altLang="en-US"/>
-            </a:p>
-          </p:txBody>
-        </p:sp>
-        <p:sp>
-          <p:nvSpPr>
-            <p:cNvPr id="26" name="타원 25"/>
-            <p:cNvSpPr/>
-            <p:nvPr/>
-          </p:nvSpPr>
-          <p:spPr>
-            <a:xfrm>
-              <a:off x="4751792" y="3298628"/>
-              <a:ext cx="72008" cy="72008"/>
-            </a:xfrm>
-            <a:prstGeom prst="ellipse">
-              <a:avLst/>
-            </a:prstGeom>
-            <a:solidFill>
-              <a:srgbClr val="FFCC66"/>
-            </a:solidFill>
-            <a:ln>
-              <a:noFill/>
-            </a:ln>
-            <a:scene3d>
-              <a:camera prst="perspectiveFront"/>
-              <a:lightRig rig="threePt" dir="t"/>
-            </a:scene3d>
-          </p:spPr>
-          <p:style>
-            <a:lnRef idx="2">
-              <a:schemeClr val="accent1">
-                <a:shade val="50000"/>
-              </a:schemeClr>
-            </a:lnRef>
-            <a:fillRef idx="1">
-              <a:schemeClr val="accent1"/>
-            </a:fillRef>
-            <a:effectRef idx="0">
-              <a:schemeClr val="accent1"/>
-            </a:effectRef>
-            <a:fontRef idx="minor">
-              <a:schemeClr val="lt1"/>
-            </a:fontRef>
-          </p:style>
-          <p:txBody>
-            <a:bodyPr rtlCol="0" anchor="ctr"/>
-            <a:lstStyle/>
-            <a:p>
-              <a:pPr algn="ctr"/>
-              <a:endParaRPr lang="ko-KR" altLang="en-US"/>
-            </a:p>
-          </p:txBody>
-        </p:sp>
-        <p:sp>
-          <p:nvSpPr>
-            <p:cNvPr id="27" name="타원 26"/>
-            <p:cNvSpPr/>
-            <p:nvPr/>
-          </p:nvSpPr>
-          <p:spPr>
-            <a:xfrm>
-              <a:off x="4751792" y="3976110"/>
-              <a:ext cx="72008" cy="72008"/>
-            </a:xfrm>
-            <a:prstGeom prst="ellipse">
-              <a:avLst/>
-            </a:prstGeom>
-            <a:solidFill>
-              <a:srgbClr val="FFCC66"/>
-            </a:solidFill>
-            <a:ln>
-              <a:noFill/>
-            </a:ln>
-            <a:scene3d>
-              <a:camera prst="perspectiveFront"/>
-              <a:lightRig rig="threePt" dir="t"/>
-            </a:scene3d>
-          </p:spPr>
-          <p:style>
-            <a:lnRef idx="2">
-              <a:schemeClr val="accent1">
-                <a:shade val="50000"/>
-              </a:schemeClr>
-            </a:lnRef>
-            <a:fillRef idx="1">
-              <a:schemeClr val="accent1"/>
-            </a:fillRef>
-            <a:effectRef idx="0">
-              <a:schemeClr val="accent1"/>
-            </a:effectRef>
-            <a:fontRef idx="minor">
-              <a:schemeClr val="lt1"/>
-            </a:fontRef>
-          </p:style>
-          <p:txBody>
-            <a:bodyPr rtlCol="0" anchor="ctr"/>
-            <a:lstStyle/>
-            <a:p>
-              <a:pPr algn="ctr"/>
-              <a:endParaRPr lang="ko-KR" altLang="en-US"/>
-            </a:p>
-          </p:txBody>
-        </p:sp>
-        <p:sp>
-          <p:nvSpPr>
-            <p:cNvPr id="28" name="타원 27"/>
-            <p:cNvSpPr/>
-            <p:nvPr/>
-          </p:nvSpPr>
-          <p:spPr>
-            <a:xfrm>
-              <a:off x="4751792" y="4653592"/>
-              <a:ext cx="72008" cy="72008"/>
-            </a:xfrm>
-            <a:prstGeom prst="ellipse">
-              <a:avLst/>
-            </a:prstGeom>
-            <a:solidFill>
-              <a:srgbClr val="FFCC66"/>
-            </a:solidFill>
-            <a:ln>
-              <a:noFill/>
-            </a:ln>
-            <a:scene3d>
-              <a:camera prst="perspectiveFront"/>
-              <a:lightRig rig="threePt" dir="t"/>
-            </a:scene3d>
-          </p:spPr>
-          <p:style>
-            <a:lnRef idx="2">
-              <a:schemeClr val="accent1">
-                <a:shade val="50000"/>
-              </a:schemeClr>
-            </a:lnRef>
-            <a:fillRef idx="1">
-              <a:schemeClr val="accent1"/>
-            </a:fillRef>
-            <a:effectRef idx="0">
-              <a:schemeClr val="accent1"/>
-            </a:effectRef>
-            <a:fontRef idx="minor">
-              <a:schemeClr val="lt1"/>
-            </a:fontRef>
-          </p:style>
-          <p:txBody>
-            <a:bodyPr rtlCol="0" anchor="ctr"/>
-            <a:lstStyle/>
-            <a:p>
-              <a:pPr algn="ctr"/>
-              <a:endParaRPr lang="ko-KR" altLang="en-US"/>
-            </a:p>
-          </p:txBody>
-        </p:sp>
-        <p:sp>
-          <p:nvSpPr>
-            <p:cNvPr id="29" name="TextBox 28"/>
-            <p:cNvSpPr txBox="1"/>
-            <p:nvPr/>
-          </p:nvSpPr>
-          <p:spPr>
-            <a:xfrm>
-              <a:off x="4967816" y="3802477"/>
-              <a:ext cx="3096344" cy="461665"/>
-            </a:xfrm>
-            <a:prstGeom prst="rect">
-              <a:avLst/>
-            </a:prstGeom>
-            <a:noFill/>
-          </p:spPr>
-          <p:txBody>
-            <a:bodyPr wrap="square" rtlCol="0">
-              <a:spAutoFit/>
-              <a:scene3d>
-                <a:camera prst="perspectiveFront"/>
-                <a:lightRig rig="threePt" dir="t"/>
-              </a:scene3d>
-            </a:bodyPr>
-            <a:lstStyle/>
-            <a:p>
-              <a:r>
-                <a:rPr lang="en-US" altLang="ko-KR" sz="2400" dirty="0">
-                  <a:solidFill>
-                    <a:schemeClr val="bg1">
-                      <a:lumMod val="75000"/>
-                    </a:schemeClr>
-                  </a:solidFill>
-                  <a:latin typeface="Bebas Neue" pitchFamily="34" charset="0"/>
-                </a:rPr>
-                <a:t>The process</a:t>
-              </a:r>
-            </a:p>
-          </p:txBody>
-        </p:sp>
-        <p:sp>
-          <p:nvSpPr>
-            <p:cNvPr id="30" name="TextBox 29"/>
-            <p:cNvSpPr txBox="1"/>
-            <p:nvPr/>
-          </p:nvSpPr>
-          <p:spPr>
-            <a:xfrm>
-              <a:off x="4967816" y="2452420"/>
-              <a:ext cx="3096344" cy="461665"/>
-            </a:xfrm>
-            <a:prstGeom prst="rect">
-              <a:avLst/>
-            </a:prstGeom>
-            <a:noFill/>
-          </p:spPr>
-          <p:txBody>
-            <a:bodyPr wrap="square" rtlCol="0">
-              <a:spAutoFit/>
-              <a:scene3d>
-                <a:camera prst="perspectiveFront"/>
-                <a:lightRig rig="threePt" dir="t"/>
-              </a:scene3d>
-            </a:bodyPr>
-            <a:lstStyle/>
-            <a:p>
-              <a:r>
-                <a:rPr lang="en-US" altLang="ko-KR" sz="2400" dirty="0">
-                  <a:solidFill>
-                    <a:schemeClr val="bg1">
-                      <a:lumMod val="75000"/>
-                    </a:schemeClr>
-                  </a:solidFill>
-                  <a:latin typeface="Bebas Neue" pitchFamily="34" charset="0"/>
-                </a:rPr>
-                <a:t>Investment &amp; partnership</a:t>
-              </a:r>
-            </a:p>
-          </p:txBody>
-        </p:sp>
-        <p:sp>
-          <p:nvSpPr>
-            <p:cNvPr id="31" name="TextBox 30"/>
-            <p:cNvSpPr txBox="1"/>
-            <p:nvPr/>
-          </p:nvSpPr>
-          <p:spPr>
-            <a:xfrm>
-              <a:off x="4967816" y="4479959"/>
-              <a:ext cx="3096344" cy="461665"/>
-            </a:xfrm>
-            <a:prstGeom prst="rect">
-              <a:avLst/>
-            </a:prstGeom>
-            <a:noFill/>
-          </p:spPr>
-          <p:txBody>
-            <a:bodyPr wrap="square" rtlCol="0">
-              <a:spAutoFit/>
-              <a:scene3d>
-                <a:camera prst="perspectiveFront"/>
-                <a:lightRig rig="threePt" dir="t"/>
-              </a:scene3d>
-            </a:bodyPr>
-            <a:lstStyle/>
-            <a:p>
-              <a:r>
-                <a:rPr lang="en-US" altLang="ko-KR" sz="2400" dirty="0">
-                  <a:solidFill>
-                    <a:schemeClr val="bg1">
-                      <a:lumMod val="75000"/>
-                    </a:schemeClr>
-                  </a:solidFill>
-                  <a:latin typeface="Bebas Neue" pitchFamily="34" charset="0"/>
-                </a:rPr>
-                <a:t>Analyzing and reporting</a:t>
-              </a:r>
-              <a:endParaRPr lang="ko-KR" altLang="en-US" sz="2400" dirty="0">
-                <a:solidFill>
-                  <a:schemeClr val="bg1">
-                    <a:lumMod val="75000"/>
-                  </a:schemeClr>
-                </a:solidFill>
-                <a:latin typeface="Bebas Neue" pitchFamily="34" charset="0"/>
-              </a:endParaRPr>
-            </a:p>
-          </p:txBody>
-        </p:sp>
-        <p:sp>
-          <p:nvSpPr>
-            <p:cNvPr id="32" name="TextBox 31"/>
-            <p:cNvSpPr txBox="1"/>
-            <p:nvPr/>
-          </p:nvSpPr>
-          <p:spPr>
-            <a:xfrm>
-              <a:off x="4967816" y="3124995"/>
-              <a:ext cx="3096344" cy="461665"/>
-            </a:xfrm>
-            <a:prstGeom prst="rect">
-              <a:avLst/>
-            </a:prstGeom>
-            <a:noFill/>
-          </p:spPr>
-          <p:txBody>
-            <a:bodyPr wrap="square" rtlCol="0">
-              <a:spAutoFit/>
-              <a:scene3d>
-                <a:camera prst="perspectiveFront"/>
-                <a:lightRig rig="threePt" dir="t"/>
-              </a:scene3d>
-            </a:bodyPr>
-            <a:lstStyle/>
-            <a:p>
-              <a:r>
-                <a:rPr lang="en-US" altLang="ko-KR" sz="2400" dirty="0">
-                  <a:solidFill>
-                    <a:schemeClr val="bg1">
-                      <a:lumMod val="75000"/>
-                    </a:schemeClr>
-                  </a:solidFill>
-                  <a:latin typeface="Bebas Neue" pitchFamily="34" charset="0"/>
-                </a:rPr>
-                <a:t>Integrated impact</a:t>
-              </a:r>
-            </a:p>
-          </p:txBody>
-        </p:sp>
-      </p:grpSp>
-      <p:grpSp>
-        <p:nvGrpSpPr>
-          <p:cNvPr id="19" name="그룹 18"/>
-          <p:cNvGrpSpPr/>
-          <p:nvPr/>
-        </p:nvGrpSpPr>
-        <p:grpSpPr>
-          <a:xfrm>
-            <a:off x="107504" y="116632"/>
-            <a:ext cx="8784008" cy="369332"/>
-            <a:chOff x="107504" y="116632"/>
-            <a:chExt cx="8784008" cy="369332"/>
+            <a:off x="1038398" y="780718"/>
+            <a:ext cx="7056784" cy="841449"/>
+            <a:chOff x="3347864" y="787351"/>
+            <a:chExt cx="2448272" cy="841449"/>
           </a:xfrm>
         </p:grpSpPr>
         <p:cxnSp>
           <p:nvCxnSpPr>
-            <p:cNvPr id="20" name="직선 연결선 19"/>
+            <p:cNvPr id="13" name="직선 연결선 12"/>
             <p:cNvCxnSpPr/>
             <p:nvPr/>
           </p:nvCxnSpPr>
           <p:spPr>
             <a:xfrm>
-              <a:off x="179512" y="476672"/>
-              <a:ext cx="8712000" cy="0"/>
+              <a:off x="3347864" y="1628800"/>
+              <a:ext cx="2448272" cy="0"/>
             </a:xfrm>
             <a:prstGeom prst="line">
               <a:avLst/>
             </a:prstGeom>
-            <a:ln w="19050">
+            <a:ln w="25400">
               <a:solidFill>
                 <a:schemeClr val="tx1">
-                  <a:lumMod val="75000"/>
-                  <a:lumOff val="25000"/>
+                  <a:lumMod val="65000"/>
+                  <a:lumOff val="35000"/>
                 </a:schemeClr>
               </a:solidFill>
             </a:ln>
@@ -4900,14 +4724,14 @@
         </p:cxnSp>
         <p:sp>
           <p:nvSpPr>
-            <p:cNvPr id="21" name="TextBox 20"/>
+            <p:cNvPr id="14" name="TextBox 13"/>
             <p:cNvSpPr txBox="1"/>
             <p:nvPr/>
           </p:nvSpPr>
           <p:spPr>
             <a:xfrm>
-              <a:off x="107504" y="116632"/>
-              <a:ext cx="3456384" cy="369332"/>
+              <a:off x="3491880" y="787351"/>
+              <a:ext cx="2160240" cy="646331"/>
             </a:xfrm>
             <a:prstGeom prst="rect">
               <a:avLst/>
@@ -4924,35 +4748,120 @@
             </a:bodyPr>
             <a:lstStyle/>
             <a:p>
+              <a:pPr algn="ctr"/>
               <a:r>
-                <a:rPr lang="en-US" altLang="ko-KR" dirty="0">
+                <a:rPr lang="en-US" altLang="ko-KR" sz="3600" dirty="0">
                   <a:solidFill>
-                    <a:schemeClr val="bg1">
-                      <a:lumMod val="50000"/>
-                    </a:schemeClr>
+                    <a:schemeClr val="bg1"/>
                   </a:solidFill>
-                  <a:latin typeface="Bebas Neue" pitchFamily="34" charset="0"/>
-                  <a:ea typeface="-윤고딕330" pitchFamily="18" charset="-127"/>
+                  <a:latin typeface="+mj-lt"/>
                 </a:rPr>
-                <a:t>PARTICIPATIORY TALK</a:t>
+                <a:t>Demonstration Parade Route</a:t>
               </a:r>
-              <a:endParaRPr lang="ko-KR" altLang="en-US" dirty="0">
+              <a:endParaRPr lang="ko-KR" altLang="en-US" sz="3600" dirty="0">
                 <a:solidFill>
-                  <a:schemeClr val="bg1">
-                    <a:lumMod val="50000"/>
-                  </a:schemeClr>
+                  <a:schemeClr val="bg1"/>
                 </a:solidFill>
-                <a:latin typeface="Bebas Neue" pitchFamily="34" charset="0"/>
-                <a:ea typeface="-윤고딕330" pitchFamily="18" charset="-127"/>
+                <a:latin typeface="+mj-lt"/>
               </a:endParaRPr>
             </a:p>
           </p:txBody>
         </p:sp>
       </p:grpSp>
+      <p:pic>
+        <p:nvPicPr>
+          <p:cNvPr id="6" name="그림 5">
+            <a:extLst>
+              <a:ext uri="{FF2B5EF4-FFF2-40B4-BE49-F238E27FC236}">
+                <a16:creationId xmlns:a16="http://schemas.microsoft.com/office/drawing/2014/main" id="{B993BA3E-90BE-41FE-81A6-F00FFBCA5309}"/>
+              </a:ext>
+            </a:extLst>
+          </p:cNvPr>
+          <p:cNvPicPr>
+            <a:picLocks noChangeAspect="1"/>
+          </p:cNvPicPr>
+          <p:nvPr/>
+        </p:nvPicPr>
+        <p:blipFill>
+          <a:blip r:embed="rId4">
+            <a:extLst>
+              <a:ext uri="{28A0092B-C50C-407E-A947-70E740481C1C}">
+                <a14:useLocalDpi xmlns:a14="http://schemas.microsoft.com/office/drawing/2010/main" val="0"/>
+              </a:ext>
+            </a:extLst>
+          </a:blip>
+          <a:stretch>
+            <a:fillRect/>
+          </a:stretch>
+        </p:blipFill>
+        <p:spPr>
+          <a:xfrm>
+            <a:off x="1211850" y="1981047"/>
+            <a:ext cx="6683788" cy="4439149"/>
+          </a:xfrm>
+          <a:prstGeom prst="rect">
+            <a:avLst/>
+          </a:prstGeom>
+        </p:spPr>
+      </p:pic>
+      <p:sp>
+        <p:nvSpPr>
+          <p:cNvPr id="7" name="타원 6">
+            <a:extLst>
+              <a:ext uri="{FF2B5EF4-FFF2-40B4-BE49-F238E27FC236}">
+                <a16:creationId xmlns:a16="http://schemas.microsoft.com/office/drawing/2014/main" id="{CC1E46D0-2EAE-4180-8C01-9D2EE4D1DA4D}"/>
+              </a:ext>
+            </a:extLst>
+          </p:cNvPr>
+          <p:cNvSpPr/>
+          <p:nvPr/>
+        </p:nvSpPr>
+        <p:spPr>
+          <a:xfrm>
+            <a:off x="2915816" y="4077072"/>
+            <a:ext cx="432048" cy="432048"/>
+          </a:xfrm>
+          <a:prstGeom prst="ellipse">
+            <a:avLst/>
+          </a:prstGeom>
+          <a:noFill/>
+          <a:ln>
+            <a:solidFill>
+              <a:srgbClr val="FF0000"/>
+            </a:solidFill>
+          </a:ln>
+        </p:spPr>
+        <p:style>
+          <a:lnRef idx="2">
+            <a:schemeClr val="accent1">
+              <a:shade val="50000"/>
+            </a:schemeClr>
+          </a:lnRef>
+          <a:fillRef idx="1">
+            <a:schemeClr val="accent1"/>
+          </a:fillRef>
+          <a:effectRef idx="0">
+            <a:schemeClr val="accent1"/>
+          </a:effectRef>
+          <a:fontRef idx="minor">
+            <a:schemeClr val="lt1"/>
+          </a:fontRef>
+        </p:style>
+        <p:txBody>
+          <a:bodyPr rtlCol="0" anchor="ctr"/>
+          <a:lstStyle/>
+          <a:p>
+            <a:pPr algn="ctr"/>
+            <a:endParaRPr lang="ko-KR" altLang="en-US">
+              <a:latin typeface="+mj-lt"/>
+            </a:endParaRPr>
+          </a:p>
+        </p:txBody>
+      </p:sp>
     </p:spTree>
     <p:extLst>
       <p:ext uri="{BB962C8B-B14F-4D97-AF65-F5344CB8AC3E}">
-        <p14:creationId xmlns:p14="http://schemas.microsoft.com/office/powerpoint/2010/main" val="3656263435"/>
+        <p14:creationId xmlns:p14="http://schemas.microsoft.com/office/powerpoint/2010/main" val="1048090529"/>
       </p:ext>
     </p:extLst>
   </p:cSld>
@@ -4962,7 +4871,1708 @@
 </p:sld>
 </file>
 
-<file path=ppt/slides/slide11.xml><?xml version="1.0" encoding="utf-8"?>
+<file path=ppt/slides/slide3.xml><?xml version="1.0" encoding="utf-8"?>
+<p:sld xmlns:a="http://schemas.openxmlformats.org/drawingml/2006/main" xmlns:r="http://schemas.openxmlformats.org/officeDocument/2006/relationships" xmlns:p="http://schemas.openxmlformats.org/presentationml/2006/main">
+  <p:cSld>
+    <p:spTree>
+      <p:nvGrpSpPr>
+        <p:cNvPr id="1" name=""/>
+        <p:cNvGrpSpPr/>
+        <p:nvPr/>
+      </p:nvGrpSpPr>
+      <p:grpSpPr>
+        <a:xfrm>
+          <a:off x="0" y="0"/>
+          <a:ext cx="0" cy="0"/>
+          <a:chOff x="0" y="0"/>
+          <a:chExt cx="0" cy="0"/>
+        </a:xfrm>
+      </p:grpSpPr>
+      <p:pic>
+        <p:nvPicPr>
+          <p:cNvPr id="12" name="Picture 2"/>
+          <p:cNvPicPr>
+            <a:picLocks noChangeAspect="1" noChangeArrowheads="1"/>
+          </p:cNvPicPr>
+          <p:nvPr/>
+        </p:nvPicPr>
+        <p:blipFill>
+          <a:blip r:embed="rId3" cstate="print"/>
+          <a:srcRect/>
+          <a:stretch>
+            <a:fillRect/>
+          </a:stretch>
+        </p:blipFill>
+        <p:spPr bwMode="auto">
+          <a:xfrm>
+            <a:off x="-36512" y="-45374"/>
+            <a:ext cx="9180512" cy="6930758"/>
+          </a:xfrm>
+          <a:prstGeom prst="rect">
+            <a:avLst/>
+          </a:prstGeom>
+          <a:solidFill>
+            <a:schemeClr val="bg1"/>
+          </a:solidFill>
+          <a:ln w="9525">
+            <a:noFill/>
+            <a:miter lim="800000"/>
+            <a:headEnd/>
+            <a:tailEnd/>
+          </a:ln>
+        </p:spPr>
+      </p:pic>
+      <p:pic>
+        <p:nvPicPr>
+          <p:cNvPr id="8" name="Picture 2"/>
+          <p:cNvPicPr>
+            <a:picLocks noChangeAspect="1" noChangeArrowheads="1"/>
+          </p:cNvPicPr>
+          <p:nvPr/>
+        </p:nvPicPr>
+        <p:blipFill>
+          <a:blip r:embed="rId3" cstate="print"/>
+          <a:srcRect/>
+          <a:stretch>
+            <a:fillRect/>
+          </a:stretch>
+        </p:blipFill>
+        <p:spPr bwMode="auto">
+          <a:xfrm>
+            <a:off x="-5210" y="0"/>
+            <a:ext cx="9144000" cy="6930758"/>
+          </a:xfrm>
+          <a:prstGeom prst="rect">
+            <a:avLst/>
+          </a:prstGeom>
+          <a:noFill/>
+          <a:ln w="9525">
+            <a:noFill/>
+            <a:miter lim="800000"/>
+            <a:headEnd/>
+            <a:tailEnd/>
+          </a:ln>
+        </p:spPr>
+      </p:pic>
+      <p:grpSp>
+        <p:nvGrpSpPr>
+          <p:cNvPr id="2" name="그룹 1"/>
+          <p:cNvGrpSpPr/>
+          <p:nvPr/>
+        </p:nvGrpSpPr>
+        <p:grpSpPr>
+          <a:xfrm>
+            <a:off x="1038398" y="421838"/>
+            <a:ext cx="7056784" cy="1200329"/>
+            <a:chOff x="3347864" y="428471"/>
+            <a:chExt cx="2448272" cy="1200329"/>
+          </a:xfrm>
+        </p:grpSpPr>
+        <p:cxnSp>
+          <p:nvCxnSpPr>
+            <p:cNvPr id="13" name="직선 연결선 12"/>
+            <p:cNvCxnSpPr/>
+            <p:nvPr/>
+          </p:nvCxnSpPr>
+          <p:spPr>
+            <a:xfrm>
+              <a:off x="3347864" y="1628800"/>
+              <a:ext cx="2448272" cy="0"/>
+            </a:xfrm>
+            <a:prstGeom prst="line">
+              <a:avLst/>
+            </a:prstGeom>
+            <a:ln w="25400">
+              <a:solidFill>
+                <a:schemeClr val="tx1">
+                  <a:lumMod val="65000"/>
+                  <a:lumOff val="35000"/>
+                </a:schemeClr>
+              </a:solidFill>
+            </a:ln>
+            <a:scene3d>
+              <a:camera prst="perspectiveFront"/>
+              <a:lightRig rig="threePt" dir="t"/>
+            </a:scene3d>
+          </p:spPr>
+          <p:style>
+            <a:lnRef idx="1">
+              <a:schemeClr val="accent1"/>
+            </a:lnRef>
+            <a:fillRef idx="0">
+              <a:schemeClr val="accent1"/>
+            </a:fillRef>
+            <a:effectRef idx="0">
+              <a:schemeClr val="accent1"/>
+            </a:effectRef>
+            <a:fontRef idx="minor">
+              <a:schemeClr val="tx1"/>
+            </a:fontRef>
+          </p:style>
+        </p:cxnSp>
+        <p:sp>
+          <p:nvSpPr>
+            <p:cNvPr id="14" name="TextBox 13"/>
+            <p:cNvSpPr txBox="1"/>
+            <p:nvPr/>
+          </p:nvSpPr>
+          <p:spPr>
+            <a:xfrm>
+              <a:off x="3487354" y="428471"/>
+              <a:ext cx="2160240" cy="1200329"/>
+            </a:xfrm>
+            <a:prstGeom prst="rect">
+              <a:avLst/>
+            </a:prstGeom>
+            <a:noFill/>
+          </p:spPr>
+          <p:txBody>
+            <a:bodyPr wrap="square" rtlCol="0">
+              <a:spAutoFit/>
+              <a:scene3d>
+                <a:camera prst="perspectiveFront"/>
+                <a:lightRig rig="threePt" dir="t"/>
+              </a:scene3d>
+            </a:bodyPr>
+            <a:lstStyle/>
+            <a:p>
+              <a:pPr algn="ctr"/>
+              <a:r>
+                <a:rPr lang="en-US" altLang="ko-KR" sz="3600" dirty="0">
+                  <a:solidFill>
+                    <a:schemeClr val="bg1"/>
+                  </a:solidFill>
+                  <a:latin typeface="+mj-lt"/>
+                </a:rPr>
+                <a:t>Demonstration Parade Route</a:t>
+              </a:r>
+            </a:p>
+            <a:p>
+              <a:pPr algn="ctr"/>
+              <a:r>
+                <a:rPr lang="en-US" altLang="ko-KR" sz="3600" dirty="0">
+                  <a:solidFill>
+                    <a:schemeClr val="bg1"/>
+                  </a:solidFill>
+                  <a:latin typeface="+mj-lt"/>
+                </a:rPr>
+                <a:t>(Raw Data)</a:t>
+              </a:r>
+              <a:endParaRPr lang="ko-KR" altLang="en-US" sz="3600" dirty="0">
+                <a:solidFill>
+                  <a:schemeClr val="bg1"/>
+                </a:solidFill>
+                <a:latin typeface="+mj-lt"/>
+              </a:endParaRPr>
+            </a:p>
+          </p:txBody>
+        </p:sp>
+      </p:grpSp>
+      <p:pic>
+        <p:nvPicPr>
+          <p:cNvPr id="5" name="그림 4">
+            <a:extLst>
+              <a:ext uri="{FF2B5EF4-FFF2-40B4-BE49-F238E27FC236}">
+                <a16:creationId xmlns:a16="http://schemas.microsoft.com/office/drawing/2014/main" id="{62E8804C-E7A2-43F8-8829-1704F71C8E17}"/>
+              </a:ext>
+            </a:extLst>
+          </p:cNvPr>
+          <p:cNvPicPr>
+            <a:picLocks noChangeAspect="1"/>
+          </p:cNvPicPr>
+          <p:nvPr/>
+        </p:nvPicPr>
+        <p:blipFill rotWithShape="1">
+          <a:blip r:embed="rId4">
+            <a:extLst>
+              <a:ext uri="{28A0092B-C50C-407E-A947-70E740481C1C}">
+                <a14:useLocalDpi xmlns:a14="http://schemas.microsoft.com/office/drawing/2010/main" val="0"/>
+              </a:ext>
+            </a:extLst>
+          </a:blip>
+          <a:srcRect l="107" t="3800" r="-107" b="39501"/>
+          <a:stretch/>
+        </p:blipFill>
+        <p:spPr>
+          <a:xfrm>
+            <a:off x="323528" y="1882357"/>
+            <a:ext cx="5544616" cy="4446257"/>
+          </a:xfrm>
+          <a:prstGeom prst="rect">
+            <a:avLst/>
+          </a:prstGeom>
+        </p:spPr>
+      </p:pic>
+      <p:sp>
+        <p:nvSpPr>
+          <p:cNvPr id="6" name="직사각형 5">
+            <a:extLst>
+              <a:ext uri="{FF2B5EF4-FFF2-40B4-BE49-F238E27FC236}">
+                <a16:creationId xmlns:a16="http://schemas.microsoft.com/office/drawing/2014/main" id="{77C8B7B2-299F-43BE-8D6E-AF2428906A66}"/>
+              </a:ext>
+            </a:extLst>
+          </p:cNvPr>
+          <p:cNvSpPr/>
+          <p:nvPr/>
+        </p:nvSpPr>
+        <p:spPr>
+          <a:xfrm>
+            <a:off x="321296" y="6328614"/>
+            <a:ext cx="5544616" cy="369332"/>
+          </a:xfrm>
+          <a:prstGeom prst="rect">
+            <a:avLst/>
+          </a:prstGeom>
+          <a:solidFill>
+            <a:schemeClr val="bg1"/>
+          </a:solidFill>
+        </p:spPr>
+        <p:txBody>
+          <a:bodyPr wrap="square">
+            <a:spAutoFit/>
+          </a:bodyPr>
+          <a:lstStyle/>
+          <a:p>
+            <a:pPr algn="ctr"/>
+            <a:r>
+              <a:rPr lang="en-US" altLang="ko-KR" dirty="0">
+                <a:latin typeface="+mj-lt"/>
+              </a:rPr>
+              <a:t>&lt;2018.09.01 </a:t>
+            </a:r>
+            <a:r>
+              <a:rPr lang="ko-KR" altLang="en-US" dirty="0">
+                <a:latin typeface="+mj-lt"/>
+              </a:rPr>
+              <a:t>서울시 집회 개요 일부</a:t>
+            </a:r>
+            <a:r>
+              <a:rPr lang="en-US" altLang="ko-KR" dirty="0">
+                <a:latin typeface="+mj-lt"/>
+              </a:rPr>
+              <a:t>&gt;</a:t>
+            </a:r>
+            <a:endParaRPr lang="ko-KR" altLang="en-US" dirty="0">
+              <a:latin typeface="+mj-lt"/>
+            </a:endParaRPr>
+          </a:p>
+        </p:txBody>
+      </p:sp>
+      <p:sp>
+        <p:nvSpPr>
+          <p:cNvPr id="7" name="TextBox 6">
+            <a:extLst>
+              <a:ext uri="{FF2B5EF4-FFF2-40B4-BE49-F238E27FC236}">
+                <a16:creationId xmlns:a16="http://schemas.microsoft.com/office/drawing/2014/main" id="{1CF57BEF-9620-42D4-8D92-5A9B04286E53}"/>
+              </a:ext>
+            </a:extLst>
+          </p:cNvPr>
+          <p:cNvSpPr txBox="1"/>
+          <p:nvPr/>
+        </p:nvSpPr>
+        <p:spPr>
+          <a:xfrm>
+            <a:off x="6026795" y="1872350"/>
+            <a:ext cx="3117205" cy="4524315"/>
+          </a:xfrm>
+          <a:prstGeom prst="rect">
+            <a:avLst/>
+          </a:prstGeom>
+          <a:noFill/>
+        </p:spPr>
+        <p:txBody>
+          <a:bodyPr wrap="square" rtlCol="0">
+            <a:spAutoFit/>
+          </a:bodyPr>
+          <a:lstStyle/>
+          <a:p>
+            <a:r>
+              <a:rPr lang="en-US" altLang="ko-KR" dirty="0">
+                <a:solidFill>
+                  <a:schemeClr val="bg1"/>
+                </a:solidFill>
+              </a:rPr>
+              <a:t>Node : </a:t>
+            </a:r>
+          </a:p>
+          <a:p>
+            <a:r>
+              <a:rPr lang="en-US" altLang="ko-KR" dirty="0">
+                <a:solidFill>
+                  <a:schemeClr val="bg1"/>
+                </a:solidFill>
+              </a:rPr>
+              <a:t>Intersection</a:t>
+            </a:r>
+          </a:p>
+          <a:p>
+            <a:endParaRPr lang="en-US" altLang="ko-KR" dirty="0">
+              <a:solidFill>
+                <a:schemeClr val="bg1"/>
+              </a:solidFill>
+            </a:endParaRPr>
+          </a:p>
+          <a:p>
+            <a:r>
+              <a:rPr lang="en-US" altLang="ko-KR" dirty="0">
+                <a:solidFill>
+                  <a:schemeClr val="bg1"/>
+                </a:solidFill>
+              </a:rPr>
+              <a:t>Edge : </a:t>
+            </a:r>
+          </a:p>
+          <a:p>
+            <a:r>
+              <a:rPr lang="en-US" altLang="ko-KR" dirty="0">
+                <a:solidFill>
+                  <a:schemeClr val="bg1"/>
+                </a:solidFill>
+              </a:rPr>
+              <a:t>Road between intersections</a:t>
+            </a:r>
+            <a:endParaRPr lang="en-US" altLang="ko-KR" sz="1100" dirty="0">
+              <a:solidFill>
+                <a:schemeClr val="bg1"/>
+              </a:solidFill>
+            </a:endParaRPr>
+          </a:p>
+          <a:p>
+            <a:endParaRPr lang="en-US" altLang="ko-KR" dirty="0">
+              <a:solidFill>
+                <a:schemeClr val="bg1"/>
+              </a:solidFill>
+            </a:endParaRPr>
+          </a:p>
+          <a:p>
+            <a:r>
+              <a:rPr lang="en-US" altLang="ko-KR" dirty="0">
+                <a:solidFill>
+                  <a:schemeClr val="bg1"/>
+                </a:solidFill>
+              </a:rPr>
+              <a:t>Weight :</a:t>
+            </a:r>
+          </a:p>
+          <a:p>
+            <a:r>
+              <a:rPr lang="en-US" altLang="ko-KR" dirty="0">
+                <a:solidFill>
+                  <a:schemeClr val="bg1"/>
+                </a:solidFill>
+              </a:rPr>
+              <a:t>Road length,</a:t>
+            </a:r>
+          </a:p>
+          <a:p>
+            <a:r>
+              <a:rPr lang="en-US" altLang="ko-KR" dirty="0">
+                <a:solidFill>
+                  <a:schemeClr val="bg1"/>
+                </a:solidFill>
+              </a:rPr>
+              <a:t># of</a:t>
+            </a:r>
+            <a:r>
+              <a:rPr lang="ko-KR" altLang="en-US" dirty="0">
+                <a:solidFill>
+                  <a:schemeClr val="bg1"/>
+                </a:solidFill>
+              </a:rPr>
+              <a:t> </a:t>
+            </a:r>
+            <a:r>
+              <a:rPr lang="en-US" altLang="ko-KR" dirty="0">
+                <a:solidFill>
+                  <a:schemeClr val="bg1"/>
+                </a:solidFill>
+              </a:rPr>
+              <a:t>protesters passing by</a:t>
+            </a:r>
+          </a:p>
+          <a:p>
+            <a:endParaRPr lang="en-US" altLang="ko-KR" dirty="0">
+              <a:solidFill>
+                <a:schemeClr val="bg1"/>
+              </a:solidFill>
+            </a:endParaRPr>
+          </a:p>
+          <a:p>
+            <a:r>
+              <a:rPr lang="en-US" altLang="ko-KR" dirty="0">
+                <a:solidFill>
+                  <a:schemeClr val="bg1"/>
+                </a:solidFill>
+              </a:rPr>
+              <a:t>Orientation :</a:t>
+            </a:r>
+          </a:p>
+          <a:p>
+            <a:r>
+              <a:rPr lang="en-US" altLang="ko-KR" dirty="0">
+                <a:solidFill>
+                  <a:schemeClr val="bg1"/>
+                </a:solidFill>
+              </a:rPr>
+              <a:t>Parade’s Direction</a:t>
+            </a:r>
+          </a:p>
+          <a:p>
+            <a:r>
+              <a:rPr lang="en-US" altLang="ko-KR" dirty="0">
+                <a:solidFill>
+                  <a:schemeClr val="bg1"/>
+                </a:solidFill>
+              </a:rPr>
+              <a:t>(Can be bi-directional)</a:t>
+            </a:r>
+          </a:p>
+          <a:p>
+            <a:endParaRPr lang="en-US" altLang="ko-KR" dirty="0">
+              <a:solidFill>
+                <a:schemeClr val="bg1"/>
+              </a:solidFill>
+            </a:endParaRPr>
+          </a:p>
+          <a:p>
+            <a:r>
+              <a:rPr lang="en-US" altLang="ko-KR" dirty="0">
+                <a:solidFill>
+                  <a:schemeClr val="bg1"/>
+                </a:solidFill>
+              </a:rPr>
+              <a:t>Dynamic Issues :</a:t>
+            </a:r>
+          </a:p>
+          <a:p>
+            <a:r>
+              <a:rPr lang="en-US" altLang="ko-KR" dirty="0">
+                <a:solidFill>
+                  <a:schemeClr val="bg1"/>
+                </a:solidFill>
+              </a:rPr>
+              <a:t>Changing nodes over time</a:t>
+            </a:r>
+          </a:p>
+        </p:txBody>
+      </p:sp>
+    </p:spTree>
+    <p:extLst>
+      <p:ext uri="{BB962C8B-B14F-4D97-AF65-F5344CB8AC3E}">
+        <p14:creationId xmlns:p14="http://schemas.microsoft.com/office/powerpoint/2010/main" val="988865016"/>
+      </p:ext>
+    </p:extLst>
+  </p:cSld>
+  <p:clrMapOvr>
+    <a:masterClrMapping/>
+  </p:clrMapOvr>
+</p:sld>
+</file>
+
+<file path=ppt/slides/slide4.xml><?xml version="1.0" encoding="utf-8"?>
+<p:sld xmlns:a="http://schemas.openxmlformats.org/drawingml/2006/main" xmlns:r="http://schemas.openxmlformats.org/officeDocument/2006/relationships" xmlns:p="http://schemas.openxmlformats.org/presentationml/2006/main">
+  <p:cSld>
+    <p:spTree>
+      <p:nvGrpSpPr>
+        <p:cNvPr id="1" name=""/>
+        <p:cNvGrpSpPr/>
+        <p:nvPr/>
+      </p:nvGrpSpPr>
+      <p:grpSpPr>
+        <a:xfrm>
+          <a:off x="0" y="0"/>
+          <a:ext cx="0" cy="0"/>
+          <a:chOff x="0" y="0"/>
+          <a:chExt cx="0" cy="0"/>
+        </a:xfrm>
+      </p:grpSpPr>
+      <p:pic>
+        <p:nvPicPr>
+          <p:cNvPr id="12" name="Picture 2"/>
+          <p:cNvPicPr>
+            <a:picLocks noChangeAspect="1" noChangeArrowheads="1"/>
+          </p:cNvPicPr>
+          <p:nvPr/>
+        </p:nvPicPr>
+        <p:blipFill>
+          <a:blip r:embed="rId3" cstate="print"/>
+          <a:srcRect/>
+          <a:stretch>
+            <a:fillRect/>
+          </a:stretch>
+        </p:blipFill>
+        <p:spPr bwMode="auto">
+          <a:xfrm>
+            <a:off x="-36512" y="-45374"/>
+            <a:ext cx="9180512" cy="6930758"/>
+          </a:xfrm>
+          <a:prstGeom prst="rect">
+            <a:avLst/>
+          </a:prstGeom>
+          <a:solidFill>
+            <a:schemeClr val="bg1"/>
+          </a:solidFill>
+          <a:ln w="9525">
+            <a:noFill/>
+            <a:miter lim="800000"/>
+            <a:headEnd/>
+            <a:tailEnd/>
+          </a:ln>
+        </p:spPr>
+      </p:pic>
+      <p:pic>
+        <p:nvPicPr>
+          <p:cNvPr id="8" name="Picture 2"/>
+          <p:cNvPicPr>
+            <a:picLocks noChangeAspect="1" noChangeArrowheads="1"/>
+          </p:cNvPicPr>
+          <p:nvPr/>
+        </p:nvPicPr>
+        <p:blipFill>
+          <a:blip r:embed="rId3" cstate="print"/>
+          <a:srcRect/>
+          <a:stretch>
+            <a:fillRect/>
+          </a:stretch>
+        </p:blipFill>
+        <p:spPr bwMode="auto">
+          <a:xfrm>
+            <a:off x="-5210" y="0"/>
+            <a:ext cx="9144000" cy="6930758"/>
+          </a:xfrm>
+          <a:prstGeom prst="rect">
+            <a:avLst/>
+          </a:prstGeom>
+          <a:noFill/>
+          <a:ln w="9525">
+            <a:noFill/>
+            <a:miter lim="800000"/>
+            <a:headEnd/>
+            <a:tailEnd/>
+          </a:ln>
+        </p:spPr>
+      </p:pic>
+      <p:grpSp>
+        <p:nvGrpSpPr>
+          <p:cNvPr id="2" name="그룹 1"/>
+          <p:cNvGrpSpPr/>
+          <p:nvPr/>
+        </p:nvGrpSpPr>
+        <p:grpSpPr>
+          <a:xfrm>
+            <a:off x="1038398" y="446609"/>
+            <a:ext cx="7056784" cy="1200329"/>
+            <a:chOff x="3347864" y="453242"/>
+            <a:chExt cx="2448272" cy="1200329"/>
+          </a:xfrm>
+        </p:grpSpPr>
+        <p:cxnSp>
+          <p:nvCxnSpPr>
+            <p:cNvPr id="13" name="직선 연결선 12"/>
+            <p:cNvCxnSpPr/>
+            <p:nvPr/>
+          </p:nvCxnSpPr>
+          <p:spPr>
+            <a:xfrm>
+              <a:off x="3347864" y="1628800"/>
+              <a:ext cx="2448272" cy="0"/>
+            </a:xfrm>
+            <a:prstGeom prst="line">
+              <a:avLst/>
+            </a:prstGeom>
+            <a:ln w="25400">
+              <a:solidFill>
+                <a:schemeClr val="tx1">
+                  <a:lumMod val="65000"/>
+                  <a:lumOff val="35000"/>
+                </a:schemeClr>
+              </a:solidFill>
+            </a:ln>
+            <a:scene3d>
+              <a:camera prst="perspectiveFront"/>
+              <a:lightRig rig="threePt" dir="t"/>
+            </a:scene3d>
+          </p:spPr>
+          <p:style>
+            <a:lnRef idx="1">
+              <a:schemeClr val="accent1"/>
+            </a:lnRef>
+            <a:fillRef idx="0">
+              <a:schemeClr val="accent1"/>
+            </a:fillRef>
+            <a:effectRef idx="0">
+              <a:schemeClr val="accent1"/>
+            </a:effectRef>
+            <a:fontRef idx="minor">
+              <a:schemeClr val="tx1"/>
+            </a:fontRef>
+          </p:style>
+        </p:cxnSp>
+        <p:sp>
+          <p:nvSpPr>
+            <p:cNvPr id="14" name="TextBox 13"/>
+            <p:cNvSpPr txBox="1"/>
+            <p:nvPr/>
+          </p:nvSpPr>
+          <p:spPr>
+            <a:xfrm>
+              <a:off x="3487354" y="453242"/>
+              <a:ext cx="2160240" cy="1200329"/>
+            </a:xfrm>
+            <a:prstGeom prst="rect">
+              <a:avLst/>
+            </a:prstGeom>
+            <a:noFill/>
+          </p:spPr>
+          <p:txBody>
+            <a:bodyPr wrap="square" rtlCol="0">
+              <a:spAutoFit/>
+              <a:scene3d>
+                <a:camera prst="perspectiveFront"/>
+                <a:lightRig rig="threePt" dir="t"/>
+              </a:scene3d>
+            </a:bodyPr>
+            <a:lstStyle/>
+            <a:p>
+              <a:pPr algn="ctr"/>
+              <a:r>
+                <a:rPr lang="en-US" altLang="ko-KR" sz="3600" dirty="0">
+                  <a:solidFill>
+                    <a:schemeClr val="bg1"/>
+                  </a:solidFill>
+                  <a:latin typeface="+mj-lt"/>
+                </a:rPr>
+                <a:t>Demonstration Parade Route</a:t>
+              </a:r>
+            </a:p>
+            <a:p>
+              <a:pPr algn="ctr"/>
+              <a:r>
+                <a:rPr lang="en-US" altLang="ko-KR" sz="3600" dirty="0">
+                  <a:solidFill>
+                    <a:schemeClr val="bg1"/>
+                  </a:solidFill>
+                  <a:latin typeface="+mj-lt"/>
+                </a:rPr>
+                <a:t>(Processed Data)</a:t>
+              </a:r>
+              <a:endParaRPr lang="ko-KR" altLang="en-US" sz="3600" dirty="0">
+                <a:solidFill>
+                  <a:schemeClr val="bg1"/>
+                </a:solidFill>
+                <a:latin typeface="+mj-lt"/>
+              </a:endParaRPr>
+            </a:p>
+          </p:txBody>
+        </p:sp>
+      </p:grpSp>
+      <p:pic>
+        <p:nvPicPr>
+          <p:cNvPr id="4" name="그림 3">
+            <a:extLst>
+              <a:ext uri="{FF2B5EF4-FFF2-40B4-BE49-F238E27FC236}">
+                <a16:creationId xmlns:a16="http://schemas.microsoft.com/office/drawing/2014/main" id="{BEC75EA1-6304-4EBC-B5AC-8EA46EF06F54}"/>
+              </a:ext>
+            </a:extLst>
+          </p:cNvPr>
+          <p:cNvPicPr>
+            <a:picLocks noChangeAspect="1"/>
+          </p:cNvPicPr>
+          <p:nvPr/>
+        </p:nvPicPr>
+        <p:blipFill>
+          <a:blip r:embed="rId4">
+            <a:extLst>
+              <a:ext uri="{28A0092B-C50C-407E-A947-70E740481C1C}">
+                <a14:useLocalDpi xmlns:a14="http://schemas.microsoft.com/office/drawing/2010/main" val="0"/>
+              </a:ext>
+            </a:extLst>
+          </a:blip>
+          <a:stretch>
+            <a:fillRect/>
+          </a:stretch>
+        </p:blipFill>
+        <p:spPr>
+          <a:xfrm>
+            <a:off x="179512" y="1854489"/>
+            <a:ext cx="5921599" cy="4556902"/>
+          </a:xfrm>
+          <a:prstGeom prst="rect">
+            <a:avLst/>
+          </a:prstGeom>
+        </p:spPr>
+      </p:pic>
+      <p:sp>
+        <p:nvSpPr>
+          <p:cNvPr id="3" name="TextBox 2">
+            <a:extLst>
+              <a:ext uri="{FF2B5EF4-FFF2-40B4-BE49-F238E27FC236}">
+                <a16:creationId xmlns:a16="http://schemas.microsoft.com/office/drawing/2014/main" id="{8572ED28-D8E5-4F95-9A71-C15078B85BF5}"/>
+              </a:ext>
+            </a:extLst>
+          </p:cNvPr>
+          <p:cNvSpPr txBox="1"/>
+          <p:nvPr/>
+        </p:nvSpPr>
+        <p:spPr>
+          <a:xfrm>
+            <a:off x="1340111" y="6042059"/>
+            <a:ext cx="3600400" cy="369332"/>
+          </a:xfrm>
+          <a:prstGeom prst="rect">
+            <a:avLst/>
+          </a:prstGeom>
+          <a:noFill/>
+        </p:spPr>
+        <p:txBody>
+          <a:bodyPr wrap="square" rtlCol="0">
+            <a:spAutoFit/>
+          </a:bodyPr>
+          <a:lstStyle/>
+          <a:p>
+            <a:r>
+              <a:rPr lang="en-US" altLang="ko-KR" dirty="0">
+                <a:latin typeface="+mj-lt"/>
+              </a:rPr>
+              <a:t>&lt;2018.02.03 </a:t>
+            </a:r>
+            <a:r>
+              <a:rPr lang="ko-KR" altLang="en-US" dirty="0">
+                <a:latin typeface="+mj-lt"/>
+              </a:rPr>
+              <a:t>종로구 행진 요도</a:t>
+            </a:r>
+            <a:r>
+              <a:rPr lang="en-US" altLang="ko-KR" dirty="0">
+                <a:latin typeface="+mj-lt"/>
+              </a:rPr>
+              <a:t>&gt;</a:t>
+            </a:r>
+            <a:endParaRPr lang="ko-KR" altLang="en-US" dirty="0">
+              <a:latin typeface="+mj-lt"/>
+            </a:endParaRPr>
+          </a:p>
+        </p:txBody>
+      </p:sp>
+      <p:sp>
+        <p:nvSpPr>
+          <p:cNvPr id="9" name="TextBox 8">
+            <a:extLst>
+              <a:ext uri="{FF2B5EF4-FFF2-40B4-BE49-F238E27FC236}">
+                <a16:creationId xmlns:a16="http://schemas.microsoft.com/office/drawing/2014/main" id="{9B167531-0125-418D-967D-EAD15A547E02}"/>
+              </a:ext>
+            </a:extLst>
+          </p:cNvPr>
+          <p:cNvSpPr txBox="1"/>
+          <p:nvPr/>
+        </p:nvSpPr>
+        <p:spPr>
+          <a:xfrm>
+            <a:off x="6101110" y="1879259"/>
+            <a:ext cx="3117205" cy="4524315"/>
+          </a:xfrm>
+          <a:prstGeom prst="rect">
+            <a:avLst/>
+          </a:prstGeom>
+          <a:noFill/>
+        </p:spPr>
+        <p:txBody>
+          <a:bodyPr wrap="square" rtlCol="0">
+            <a:spAutoFit/>
+          </a:bodyPr>
+          <a:lstStyle/>
+          <a:p>
+            <a:r>
+              <a:rPr lang="en-US" altLang="ko-KR" dirty="0">
+                <a:solidFill>
+                  <a:schemeClr val="bg1"/>
+                </a:solidFill>
+              </a:rPr>
+              <a:t>Node : </a:t>
+            </a:r>
+          </a:p>
+          <a:p>
+            <a:r>
+              <a:rPr lang="en-US" altLang="ko-KR" dirty="0">
+                <a:solidFill>
+                  <a:schemeClr val="bg1"/>
+                </a:solidFill>
+              </a:rPr>
+              <a:t>Intersection</a:t>
+            </a:r>
+          </a:p>
+          <a:p>
+            <a:endParaRPr lang="en-US" altLang="ko-KR" dirty="0">
+              <a:solidFill>
+                <a:schemeClr val="bg1"/>
+              </a:solidFill>
+            </a:endParaRPr>
+          </a:p>
+          <a:p>
+            <a:r>
+              <a:rPr lang="en-US" altLang="ko-KR" dirty="0">
+                <a:solidFill>
+                  <a:schemeClr val="bg1"/>
+                </a:solidFill>
+              </a:rPr>
+              <a:t>Edge : </a:t>
+            </a:r>
+          </a:p>
+          <a:p>
+            <a:r>
+              <a:rPr lang="en-US" altLang="ko-KR" dirty="0">
+                <a:solidFill>
+                  <a:schemeClr val="bg1"/>
+                </a:solidFill>
+              </a:rPr>
+              <a:t>Road between intersections</a:t>
+            </a:r>
+            <a:endParaRPr lang="en-US" altLang="ko-KR" sz="1100" dirty="0">
+              <a:solidFill>
+                <a:schemeClr val="bg1"/>
+              </a:solidFill>
+            </a:endParaRPr>
+          </a:p>
+          <a:p>
+            <a:endParaRPr lang="en-US" altLang="ko-KR" dirty="0">
+              <a:solidFill>
+                <a:schemeClr val="bg1"/>
+              </a:solidFill>
+            </a:endParaRPr>
+          </a:p>
+          <a:p>
+            <a:r>
+              <a:rPr lang="en-US" altLang="ko-KR" dirty="0">
+                <a:solidFill>
+                  <a:schemeClr val="bg1"/>
+                </a:solidFill>
+              </a:rPr>
+              <a:t>Weight :</a:t>
+            </a:r>
+          </a:p>
+          <a:p>
+            <a:r>
+              <a:rPr lang="en-US" altLang="ko-KR" dirty="0">
+                <a:solidFill>
+                  <a:schemeClr val="bg1"/>
+                </a:solidFill>
+              </a:rPr>
+              <a:t>Road length,</a:t>
+            </a:r>
+          </a:p>
+          <a:p>
+            <a:r>
+              <a:rPr lang="en-US" altLang="ko-KR" dirty="0">
+                <a:solidFill>
+                  <a:schemeClr val="bg1"/>
+                </a:solidFill>
+              </a:rPr>
+              <a:t># of</a:t>
+            </a:r>
+            <a:r>
+              <a:rPr lang="ko-KR" altLang="en-US" dirty="0">
+                <a:solidFill>
+                  <a:schemeClr val="bg1"/>
+                </a:solidFill>
+              </a:rPr>
+              <a:t> </a:t>
+            </a:r>
+            <a:r>
+              <a:rPr lang="en-US" altLang="ko-KR" dirty="0">
+                <a:solidFill>
+                  <a:schemeClr val="bg1"/>
+                </a:solidFill>
+              </a:rPr>
+              <a:t>protesters passing by</a:t>
+            </a:r>
+          </a:p>
+          <a:p>
+            <a:endParaRPr lang="en-US" altLang="ko-KR" dirty="0">
+              <a:solidFill>
+                <a:schemeClr val="bg1"/>
+              </a:solidFill>
+            </a:endParaRPr>
+          </a:p>
+          <a:p>
+            <a:r>
+              <a:rPr lang="en-US" altLang="ko-KR" dirty="0">
+                <a:solidFill>
+                  <a:schemeClr val="bg1"/>
+                </a:solidFill>
+              </a:rPr>
+              <a:t>Orientation :</a:t>
+            </a:r>
+          </a:p>
+          <a:p>
+            <a:r>
+              <a:rPr lang="en-US" altLang="ko-KR" dirty="0">
+                <a:solidFill>
+                  <a:schemeClr val="bg1"/>
+                </a:solidFill>
+              </a:rPr>
+              <a:t>Parade’s Direction</a:t>
+            </a:r>
+          </a:p>
+          <a:p>
+            <a:r>
+              <a:rPr lang="en-US" altLang="ko-KR" dirty="0">
+                <a:solidFill>
+                  <a:schemeClr val="bg1"/>
+                </a:solidFill>
+              </a:rPr>
+              <a:t>(Can be bi-directional)</a:t>
+            </a:r>
+          </a:p>
+          <a:p>
+            <a:endParaRPr lang="en-US" altLang="ko-KR" dirty="0">
+              <a:solidFill>
+                <a:schemeClr val="bg1"/>
+              </a:solidFill>
+            </a:endParaRPr>
+          </a:p>
+          <a:p>
+            <a:r>
+              <a:rPr lang="en-US" altLang="ko-KR" dirty="0">
+                <a:solidFill>
+                  <a:schemeClr val="bg1"/>
+                </a:solidFill>
+              </a:rPr>
+              <a:t>Dynamic Issues :</a:t>
+            </a:r>
+          </a:p>
+          <a:p>
+            <a:r>
+              <a:rPr lang="en-US" altLang="ko-KR" dirty="0">
+                <a:solidFill>
+                  <a:schemeClr val="bg1"/>
+                </a:solidFill>
+              </a:rPr>
+              <a:t>Changing nodes over time</a:t>
+            </a:r>
+          </a:p>
+        </p:txBody>
+      </p:sp>
+    </p:spTree>
+    <p:extLst>
+      <p:ext uri="{BB962C8B-B14F-4D97-AF65-F5344CB8AC3E}">
+        <p14:creationId xmlns:p14="http://schemas.microsoft.com/office/powerpoint/2010/main" val="2514888465"/>
+      </p:ext>
+    </p:extLst>
+  </p:cSld>
+  <p:clrMapOvr>
+    <a:masterClrMapping/>
+  </p:clrMapOvr>
+</p:sld>
+</file>
+
+<file path=ppt/slides/slide5.xml><?xml version="1.0" encoding="utf-8"?>
+<p:sld xmlns:a="http://schemas.openxmlformats.org/drawingml/2006/main" xmlns:r="http://schemas.openxmlformats.org/officeDocument/2006/relationships" xmlns:p="http://schemas.openxmlformats.org/presentationml/2006/main">
+  <p:cSld>
+    <p:spTree>
+      <p:nvGrpSpPr>
+        <p:cNvPr id="1" name=""/>
+        <p:cNvGrpSpPr/>
+        <p:nvPr/>
+      </p:nvGrpSpPr>
+      <p:grpSpPr>
+        <a:xfrm>
+          <a:off x="0" y="0"/>
+          <a:ext cx="0" cy="0"/>
+          <a:chOff x="0" y="0"/>
+          <a:chExt cx="0" cy="0"/>
+        </a:xfrm>
+      </p:grpSpPr>
+      <p:pic>
+        <p:nvPicPr>
+          <p:cNvPr id="12" name="Picture 2"/>
+          <p:cNvPicPr>
+            <a:picLocks noChangeAspect="1" noChangeArrowheads="1"/>
+          </p:cNvPicPr>
+          <p:nvPr/>
+        </p:nvPicPr>
+        <p:blipFill>
+          <a:blip r:embed="rId3" cstate="print"/>
+          <a:srcRect/>
+          <a:stretch>
+            <a:fillRect/>
+          </a:stretch>
+        </p:blipFill>
+        <p:spPr bwMode="auto">
+          <a:xfrm>
+            <a:off x="-36512" y="-45374"/>
+            <a:ext cx="9180512" cy="6930758"/>
+          </a:xfrm>
+          <a:prstGeom prst="rect">
+            <a:avLst/>
+          </a:prstGeom>
+          <a:solidFill>
+            <a:schemeClr val="bg1"/>
+          </a:solidFill>
+          <a:ln w="9525">
+            <a:noFill/>
+            <a:miter lim="800000"/>
+            <a:headEnd/>
+            <a:tailEnd/>
+          </a:ln>
+        </p:spPr>
+      </p:pic>
+      <p:pic>
+        <p:nvPicPr>
+          <p:cNvPr id="8" name="Picture 2"/>
+          <p:cNvPicPr>
+            <a:picLocks noChangeAspect="1" noChangeArrowheads="1"/>
+          </p:cNvPicPr>
+          <p:nvPr/>
+        </p:nvPicPr>
+        <p:blipFill>
+          <a:blip r:embed="rId3" cstate="print"/>
+          <a:srcRect/>
+          <a:stretch>
+            <a:fillRect/>
+          </a:stretch>
+        </p:blipFill>
+        <p:spPr bwMode="auto">
+          <a:xfrm>
+            <a:off x="-5210" y="0"/>
+            <a:ext cx="9144000" cy="6930758"/>
+          </a:xfrm>
+          <a:prstGeom prst="rect">
+            <a:avLst/>
+          </a:prstGeom>
+          <a:noFill/>
+          <a:ln w="9525">
+            <a:noFill/>
+            <a:miter lim="800000"/>
+            <a:headEnd/>
+            <a:tailEnd/>
+          </a:ln>
+        </p:spPr>
+      </p:pic>
+      <p:grpSp>
+        <p:nvGrpSpPr>
+          <p:cNvPr id="2" name="그룹 1"/>
+          <p:cNvGrpSpPr/>
+          <p:nvPr/>
+        </p:nvGrpSpPr>
+        <p:grpSpPr>
+          <a:xfrm>
+            <a:off x="1038398" y="421838"/>
+            <a:ext cx="7056784" cy="1200329"/>
+            <a:chOff x="3347864" y="428471"/>
+            <a:chExt cx="2448272" cy="1200329"/>
+          </a:xfrm>
+        </p:grpSpPr>
+        <p:cxnSp>
+          <p:nvCxnSpPr>
+            <p:cNvPr id="13" name="직선 연결선 12"/>
+            <p:cNvCxnSpPr/>
+            <p:nvPr/>
+          </p:nvCxnSpPr>
+          <p:spPr>
+            <a:xfrm>
+              <a:off x="3347864" y="1628800"/>
+              <a:ext cx="2448272" cy="0"/>
+            </a:xfrm>
+            <a:prstGeom prst="line">
+              <a:avLst/>
+            </a:prstGeom>
+            <a:ln w="25400">
+              <a:solidFill>
+                <a:schemeClr val="tx1">
+                  <a:lumMod val="65000"/>
+                  <a:lumOff val="35000"/>
+                </a:schemeClr>
+              </a:solidFill>
+            </a:ln>
+            <a:scene3d>
+              <a:camera prst="perspectiveFront"/>
+              <a:lightRig rig="threePt" dir="t"/>
+            </a:scene3d>
+          </p:spPr>
+          <p:style>
+            <a:lnRef idx="1">
+              <a:schemeClr val="accent1"/>
+            </a:lnRef>
+            <a:fillRef idx="0">
+              <a:schemeClr val="accent1"/>
+            </a:fillRef>
+            <a:effectRef idx="0">
+              <a:schemeClr val="accent1"/>
+            </a:effectRef>
+            <a:fontRef idx="minor">
+              <a:schemeClr val="tx1"/>
+            </a:fontRef>
+          </p:style>
+        </p:cxnSp>
+        <p:sp>
+          <p:nvSpPr>
+            <p:cNvPr id="14" name="TextBox 13"/>
+            <p:cNvSpPr txBox="1"/>
+            <p:nvPr/>
+          </p:nvSpPr>
+          <p:spPr>
+            <a:xfrm>
+              <a:off x="3487354" y="428471"/>
+              <a:ext cx="2160240" cy="1200329"/>
+            </a:xfrm>
+            <a:prstGeom prst="rect">
+              <a:avLst/>
+            </a:prstGeom>
+            <a:noFill/>
+          </p:spPr>
+          <p:txBody>
+            <a:bodyPr wrap="square" rtlCol="0">
+              <a:spAutoFit/>
+              <a:scene3d>
+                <a:camera prst="perspectiveFront"/>
+                <a:lightRig rig="threePt" dir="t"/>
+              </a:scene3d>
+            </a:bodyPr>
+            <a:lstStyle/>
+            <a:p>
+              <a:pPr algn="ctr"/>
+              <a:r>
+                <a:rPr lang="en-US" altLang="ko-KR" sz="3600" dirty="0">
+                  <a:solidFill>
+                    <a:schemeClr val="bg1"/>
+                  </a:solidFill>
+                  <a:latin typeface="+mj-lt"/>
+                </a:rPr>
+                <a:t>Graphing</a:t>
+              </a:r>
+              <a:r>
+                <a:rPr lang="ko-KR" altLang="en-US" sz="3600" dirty="0">
+                  <a:solidFill>
+                    <a:schemeClr val="bg1"/>
+                  </a:solidFill>
+                  <a:latin typeface="+mj-lt"/>
+                </a:rPr>
+                <a:t> </a:t>
+              </a:r>
+              <a:r>
+                <a:rPr lang="en-US" altLang="ko-KR" sz="3600" dirty="0">
+                  <a:solidFill>
+                    <a:schemeClr val="bg1"/>
+                  </a:solidFill>
+                  <a:latin typeface="+mj-lt"/>
+                </a:rPr>
+                <a:t>the</a:t>
+              </a:r>
+              <a:r>
+                <a:rPr lang="ko-KR" altLang="en-US" sz="3600" dirty="0">
+                  <a:solidFill>
+                    <a:schemeClr val="bg1"/>
+                  </a:solidFill>
+                  <a:latin typeface="+mj-lt"/>
+                </a:rPr>
+                <a:t> </a:t>
+              </a:r>
+              <a:r>
+                <a:rPr lang="en-US" altLang="ko-KR" sz="3600" dirty="0">
+                  <a:solidFill>
+                    <a:schemeClr val="bg1"/>
+                  </a:solidFill>
+                  <a:latin typeface="+mj-lt"/>
+                </a:rPr>
+                <a:t>Parade Route</a:t>
+              </a:r>
+            </a:p>
+            <a:p>
+              <a:pPr algn="ctr"/>
+              <a:r>
+                <a:rPr lang="en-US" altLang="ko-KR" sz="3600" dirty="0">
+                  <a:solidFill>
+                    <a:schemeClr val="bg1"/>
+                  </a:solidFill>
+                  <a:latin typeface="+mj-lt"/>
+                </a:rPr>
+                <a:t>(Precondition)</a:t>
+              </a:r>
+              <a:endParaRPr lang="ko-KR" altLang="en-US" sz="3600" dirty="0">
+                <a:solidFill>
+                  <a:schemeClr val="bg1"/>
+                </a:solidFill>
+                <a:latin typeface="+mj-lt"/>
+              </a:endParaRPr>
+            </a:p>
+          </p:txBody>
+        </p:sp>
+      </p:grpSp>
+      <p:sp>
+        <p:nvSpPr>
+          <p:cNvPr id="3" name="TextBox 2">
+            <a:extLst>
+              <a:ext uri="{FF2B5EF4-FFF2-40B4-BE49-F238E27FC236}">
+                <a16:creationId xmlns:a16="http://schemas.microsoft.com/office/drawing/2014/main" id="{48CFB9E7-4E4C-4DF5-82C6-4E87E953A54D}"/>
+              </a:ext>
+            </a:extLst>
+          </p:cNvPr>
+          <p:cNvSpPr txBox="1"/>
+          <p:nvPr/>
+        </p:nvSpPr>
+        <p:spPr>
+          <a:xfrm>
+            <a:off x="107504" y="2132856"/>
+            <a:ext cx="8784976" cy="3693319"/>
+          </a:xfrm>
+          <a:prstGeom prst="rect">
+            <a:avLst/>
+          </a:prstGeom>
+          <a:noFill/>
+        </p:spPr>
+        <p:txBody>
+          <a:bodyPr wrap="square" rtlCol="0">
+            <a:spAutoFit/>
+          </a:bodyPr>
+          <a:lstStyle/>
+          <a:p>
+            <a:r>
+              <a:rPr lang="en-US" altLang="ko-KR" dirty="0">
+                <a:solidFill>
+                  <a:schemeClr val="bg1"/>
+                </a:solidFill>
+              </a:rPr>
+              <a:t>Each protester joins the parade in the interval of 2 seconds.</a:t>
+            </a:r>
+          </a:p>
+          <a:p>
+            <a:endParaRPr lang="en-US" altLang="ko-KR" dirty="0">
+              <a:solidFill>
+                <a:schemeClr val="bg1"/>
+              </a:solidFill>
+            </a:endParaRPr>
+          </a:p>
+          <a:p>
+            <a:r>
+              <a:rPr lang="en-US" altLang="ko-KR" dirty="0">
+                <a:solidFill>
+                  <a:schemeClr val="bg1"/>
+                </a:solidFill>
+              </a:rPr>
+              <a:t>They travel in a single row.</a:t>
+            </a:r>
+          </a:p>
+          <a:p>
+            <a:endParaRPr lang="en-US" altLang="ko-KR" dirty="0">
+              <a:solidFill>
+                <a:schemeClr val="bg1"/>
+              </a:solidFill>
+            </a:endParaRPr>
+          </a:p>
+          <a:p>
+            <a:r>
+              <a:rPr lang="en-US" altLang="ko-KR" dirty="0">
+                <a:solidFill>
+                  <a:schemeClr val="bg1"/>
+                </a:solidFill>
+              </a:rPr>
+              <a:t>The parade is not affected by traffic situation and doesn’t stop at any circumstances.</a:t>
+            </a:r>
+          </a:p>
+          <a:p>
+            <a:endParaRPr lang="en-US" altLang="ko-KR" dirty="0">
+              <a:solidFill>
+                <a:schemeClr val="bg1"/>
+              </a:solidFill>
+            </a:endParaRPr>
+          </a:p>
+          <a:p>
+            <a:r>
+              <a:rPr lang="en-US" altLang="ko-KR" dirty="0">
+                <a:solidFill>
+                  <a:schemeClr val="bg1"/>
+                </a:solidFill>
+              </a:rPr>
+              <a:t>Speed of the parade(</a:t>
+            </a:r>
+            <a:r>
+              <a:rPr lang="en-US" altLang="ko-KR" dirty="0" err="1">
+                <a:solidFill>
+                  <a:schemeClr val="bg1"/>
+                </a:solidFill>
+              </a:rPr>
+              <a:t>mpm</a:t>
+            </a:r>
+            <a:r>
+              <a:rPr lang="en-US" altLang="ko-KR" dirty="0">
+                <a:solidFill>
+                  <a:schemeClr val="bg1"/>
+                </a:solidFill>
+              </a:rPr>
+              <a:t>) = Total route length(meter)/ Total parade time(minute)</a:t>
+            </a:r>
+          </a:p>
+          <a:p>
+            <a:r>
+              <a:rPr lang="en-US" altLang="ko-KR" dirty="0">
+                <a:solidFill>
+                  <a:schemeClr val="bg1"/>
+                </a:solidFill>
+              </a:rPr>
+              <a:t>Ex) Speed =  5km</a:t>
+            </a:r>
+            <a:r>
+              <a:rPr lang="ko-KR" altLang="en-US" dirty="0">
+                <a:solidFill>
+                  <a:schemeClr val="bg1"/>
+                </a:solidFill>
+              </a:rPr>
+              <a:t> </a:t>
+            </a:r>
+            <a:r>
+              <a:rPr lang="en-US" altLang="ko-KR" dirty="0">
+                <a:solidFill>
+                  <a:schemeClr val="bg1"/>
+                </a:solidFill>
+              </a:rPr>
+              <a:t>/ 2h = 5000m / 120m = 41.66mpm</a:t>
+            </a:r>
+          </a:p>
+          <a:p>
+            <a:endParaRPr lang="en-US" altLang="ko-KR" dirty="0">
+              <a:solidFill>
+                <a:schemeClr val="bg1"/>
+              </a:solidFill>
+            </a:endParaRPr>
+          </a:p>
+          <a:p>
+            <a:r>
+              <a:rPr lang="en-US" altLang="ko-KR" dirty="0">
+                <a:solidFill>
+                  <a:schemeClr val="bg1"/>
+                </a:solidFill>
+              </a:rPr>
+              <a:t>Road length(weight) = straight line distance between intersections(meter)</a:t>
+            </a:r>
+          </a:p>
+          <a:p>
+            <a:r>
+              <a:rPr lang="en-US" altLang="ko-KR" dirty="0">
+                <a:solidFill>
+                  <a:schemeClr val="bg1"/>
+                </a:solidFill>
+              </a:rPr>
+              <a:t>(Calculated via </a:t>
+            </a:r>
+          </a:p>
+          <a:p>
+            <a:endParaRPr lang="en-US" altLang="ko-KR" dirty="0">
+              <a:solidFill>
+                <a:schemeClr val="bg1"/>
+              </a:solidFill>
+            </a:endParaRPr>
+          </a:p>
+        </p:txBody>
+      </p:sp>
+    </p:spTree>
+    <p:extLst>
+      <p:ext uri="{BB962C8B-B14F-4D97-AF65-F5344CB8AC3E}">
+        <p14:creationId xmlns:p14="http://schemas.microsoft.com/office/powerpoint/2010/main" val="3865385079"/>
+      </p:ext>
+    </p:extLst>
+  </p:cSld>
+  <p:clrMapOvr>
+    <a:masterClrMapping/>
+  </p:clrMapOvr>
+</p:sld>
+</file>
+
+<file path=ppt/slides/slide6.xml><?xml version="1.0" encoding="utf-8"?>
+<p:sld xmlns:a="http://schemas.openxmlformats.org/drawingml/2006/main" xmlns:r="http://schemas.openxmlformats.org/officeDocument/2006/relationships" xmlns:p="http://schemas.openxmlformats.org/presentationml/2006/main">
+  <p:cSld>
+    <p:spTree>
+      <p:nvGrpSpPr>
+        <p:cNvPr id="1" name=""/>
+        <p:cNvGrpSpPr/>
+        <p:nvPr/>
+      </p:nvGrpSpPr>
+      <p:grpSpPr>
+        <a:xfrm>
+          <a:off x="0" y="0"/>
+          <a:ext cx="0" cy="0"/>
+          <a:chOff x="0" y="0"/>
+          <a:chExt cx="0" cy="0"/>
+        </a:xfrm>
+      </p:grpSpPr>
+      <p:pic>
+        <p:nvPicPr>
+          <p:cNvPr id="12" name="Picture 2"/>
+          <p:cNvPicPr>
+            <a:picLocks noChangeAspect="1" noChangeArrowheads="1"/>
+          </p:cNvPicPr>
+          <p:nvPr/>
+        </p:nvPicPr>
+        <p:blipFill>
+          <a:blip r:embed="rId3" cstate="print"/>
+          <a:srcRect/>
+          <a:stretch>
+            <a:fillRect/>
+          </a:stretch>
+        </p:blipFill>
+        <p:spPr bwMode="auto">
+          <a:xfrm>
+            <a:off x="-36512" y="-45374"/>
+            <a:ext cx="9180512" cy="6930758"/>
+          </a:xfrm>
+          <a:prstGeom prst="rect">
+            <a:avLst/>
+          </a:prstGeom>
+          <a:solidFill>
+            <a:schemeClr val="bg1"/>
+          </a:solidFill>
+          <a:ln w="9525">
+            <a:noFill/>
+            <a:miter lim="800000"/>
+            <a:headEnd/>
+            <a:tailEnd/>
+          </a:ln>
+        </p:spPr>
+      </p:pic>
+      <p:pic>
+        <p:nvPicPr>
+          <p:cNvPr id="8" name="Picture 2"/>
+          <p:cNvPicPr>
+            <a:picLocks noChangeAspect="1" noChangeArrowheads="1"/>
+          </p:cNvPicPr>
+          <p:nvPr/>
+        </p:nvPicPr>
+        <p:blipFill>
+          <a:blip r:embed="rId3" cstate="print"/>
+          <a:srcRect/>
+          <a:stretch>
+            <a:fillRect/>
+          </a:stretch>
+        </p:blipFill>
+        <p:spPr bwMode="auto">
+          <a:xfrm>
+            <a:off x="-5210" y="0"/>
+            <a:ext cx="9144000" cy="6930758"/>
+          </a:xfrm>
+          <a:prstGeom prst="rect">
+            <a:avLst/>
+          </a:prstGeom>
+          <a:noFill/>
+          <a:ln w="9525">
+            <a:noFill/>
+            <a:miter lim="800000"/>
+            <a:headEnd/>
+            <a:tailEnd/>
+          </a:ln>
+        </p:spPr>
+      </p:pic>
+      <p:grpSp>
+        <p:nvGrpSpPr>
+          <p:cNvPr id="2" name="그룹 1"/>
+          <p:cNvGrpSpPr/>
+          <p:nvPr/>
+        </p:nvGrpSpPr>
+        <p:grpSpPr>
+          <a:xfrm>
+            <a:off x="1038398" y="421838"/>
+            <a:ext cx="7056784" cy="1200329"/>
+            <a:chOff x="3347864" y="428471"/>
+            <a:chExt cx="2448272" cy="1200329"/>
+          </a:xfrm>
+        </p:grpSpPr>
+        <p:cxnSp>
+          <p:nvCxnSpPr>
+            <p:cNvPr id="13" name="직선 연결선 12"/>
+            <p:cNvCxnSpPr/>
+            <p:nvPr/>
+          </p:nvCxnSpPr>
+          <p:spPr>
+            <a:xfrm>
+              <a:off x="3347864" y="1628800"/>
+              <a:ext cx="2448272" cy="0"/>
+            </a:xfrm>
+            <a:prstGeom prst="line">
+              <a:avLst/>
+            </a:prstGeom>
+            <a:ln w="25400">
+              <a:solidFill>
+                <a:schemeClr val="tx1">
+                  <a:lumMod val="65000"/>
+                  <a:lumOff val="35000"/>
+                </a:schemeClr>
+              </a:solidFill>
+            </a:ln>
+            <a:scene3d>
+              <a:camera prst="perspectiveFront"/>
+              <a:lightRig rig="threePt" dir="t"/>
+            </a:scene3d>
+          </p:spPr>
+          <p:style>
+            <a:lnRef idx="1">
+              <a:schemeClr val="accent1"/>
+            </a:lnRef>
+            <a:fillRef idx="0">
+              <a:schemeClr val="accent1"/>
+            </a:fillRef>
+            <a:effectRef idx="0">
+              <a:schemeClr val="accent1"/>
+            </a:effectRef>
+            <a:fontRef idx="minor">
+              <a:schemeClr val="tx1"/>
+            </a:fontRef>
+          </p:style>
+        </p:cxnSp>
+        <p:sp>
+          <p:nvSpPr>
+            <p:cNvPr id="14" name="TextBox 13"/>
+            <p:cNvSpPr txBox="1"/>
+            <p:nvPr/>
+          </p:nvSpPr>
+          <p:spPr>
+            <a:xfrm>
+              <a:off x="3487354" y="428471"/>
+              <a:ext cx="2160240" cy="1200329"/>
+            </a:xfrm>
+            <a:prstGeom prst="rect">
+              <a:avLst/>
+            </a:prstGeom>
+            <a:noFill/>
+          </p:spPr>
+          <p:txBody>
+            <a:bodyPr wrap="square" rtlCol="0">
+              <a:spAutoFit/>
+              <a:scene3d>
+                <a:camera prst="perspectiveFront"/>
+                <a:lightRig rig="threePt" dir="t"/>
+              </a:scene3d>
+            </a:bodyPr>
+            <a:lstStyle/>
+            <a:p>
+              <a:pPr algn="ctr"/>
+              <a:r>
+                <a:rPr lang="en-US" altLang="ko-KR" sz="3600" dirty="0">
+                  <a:solidFill>
+                    <a:schemeClr val="bg1"/>
+                  </a:solidFill>
+                  <a:latin typeface="+mj-lt"/>
+                </a:rPr>
+                <a:t>Graphing</a:t>
+              </a:r>
+              <a:r>
+                <a:rPr lang="ko-KR" altLang="en-US" sz="3600" dirty="0">
+                  <a:solidFill>
+                    <a:schemeClr val="bg1"/>
+                  </a:solidFill>
+                  <a:latin typeface="+mj-lt"/>
+                </a:rPr>
+                <a:t> </a:t>
+              </a:r>
+              <a:r>
+                <a:rPr lang="en-US" altLang="ko-KR" sz="3600" dirty="0">
+                  <a:solidFill>
+                    <a:schemeClr val="bg1"/>
+                  </a:solidFill>
+                  <a:latin typeface="+mj-lt"/>
+                </a:rPr>
+                <a:t>the</a:t>
+              </a:r>
+              <a:r>
+                <a:rPr lang="ko-KR" altLang="en-US" sz="3600" dirty="0">
+                  <a:solidFill>
+                    <a:schemeClr val="bg1"/>
+                  </a:solidFill>
+                  <a:latin typeface="+mj-lt"/>
+                </a:rPr>
+                <a:t> </a:t>
+              </a:r>
+              <a:r>
+                <a:rPr lang="en-US" altLang="ko-KR" sz="3600" dirty="0">
+                  <a:solidFill>
+                    <a:schemeClr val="bg1"/>
+                  </a:solidFill>
+                  <a:latin typeface="+mj-lt"/>
+                </a:rPr>
+                <a:t>Parade Route</a:t>
+              </a:r>
+            </a:p>
+            <a:p>
+              <a:pPr algn="ctr"/>
+              <a:r>
+                <a:rPr lang="en-US" altLang="ko-KR" sz="3600" dirty="0">
+                  <a:solidFill>
+                    <a:schemeClr val="bg1"/>
+                  </a:solidFill>
+                  <a:latin typeface="+mj-lt"/>
+                </a:rPr>
+                <a:t>(Calculation)</a:t>
+              </a:r>
+              <a:endParaRPr lang="ko-KR" altLang="en-US" sz="3600" dirty="0">
+                <a:solidFill>
+                  <a:schemeClr val="bg1"/>
+                </a:solidFill>
+                <a:latin typeface="+mj-lt"/>
+              </a:endParaRPr>
+            </a:p>
+          </p:txBody>
+        </p:sp>
+      </p:grpSp>
+      <p:sp>
+        <p:nvSpPr>
+          <p:cNvPr id="3" name="TextBox 2">
+            <a:extLst>
+              <a:ext uri="{FF2B5EF4-FFF2-40B4-BE49-F238E27FC236}">
+                <a16:creationId xmlns:a16="http://schemas.microsoft.com/office/drawing/2014/main" id="{48CFB9E7-4E4C-4DF5-82C6-4E87E953A54D}"/>
+              </a:ext>
+            </a:extLst>
+          </p:cNvPr>
+          <p:cNvSpPr txBox="1"/>
+          <p:nvPr/>
+        </p:nvSpPr>
+        <p:spPr>
+          <a:xfrm>
+            <a:off x="107504" y="2132856"/>
+            <a:ext cx="8784976" cy="646331"/>
+          </a:xfrm>
+          <a:prstGeom prst="rect">
+            <a:avLst/>
+          </a:prstGeom>
+          <a:noFill/>
+        </p:spPr>
+        <p:txBody>
+          <a:bodyPr wrap="square" rtlCol="0">
+            <a:spAutoFit/>
+          </a:bodyPr>
+          <a:lstStyle/>
+          <a:p>
+            <a:r>
+              <a:rPr lang="en-US" altLang="ko-KR" dirty="0">
+                <a:solidFill>
+                  <a:schemeClr val="bg1"/>
+                </a:solidFill>
+              </a:rPr>
+              <a:t># of protesters passing by the road(edge) = </a:t>
+            </a:r>
+          </a:p>
+          <a:p>
+            <a:r>
+              <a:rPr lang="en-US" altLang="ko-KR" dirty="0">
+                <a:solidFill>
+                  <a:schemeClr val="bg1"/>
+                </a:solidFill>
+              </a:rPr>
+              <a:t>Speed of protesters * time passed(s) *</a:t>
+            </a:r>
+          </a:p>
+        </p:txBody>
+      </p:sp>
+    </p:spTree>
+    <p:extLst>
+      <p:ext uri="{BB962C8B-B14F-4D97-AF65-F5344CB8AC3E}">
+        <p14:creationId xmlns:p14="http://schemas.microsoft.com/office/powerpoint/2010/main" val="978696522"/>
+      </p:ext>
+    </p:extLst>
+  </p:cSld>
+  <p:clrMapOvr>
+    <a:masterClrMapping/>
+  </p:clrMapOvr>
+</p:sld>
+</file>
+
+<file path=ppt/slides/slide7.xml><?xml version="1.0" encoding="utf-8"?>
 <p:sld xmlns:a="http://schemas.openxmlformats.org/drawingml/2006/main" xmlns:r="http://schemas.openxmlformats.org/officeDocument/2006/relationships" xmlns:p="http://schemas.openxmlformats.org/presentationml/2006/main">
   <p:cSld>
     <p:bg>
@@ -5154,7 +6764,7 @@
                   <a:solidFill>
                     <a:schemeClr val="bg1"/>
                   </a:solidFill>
-                  <a:latin typeface="Ahellya" pitchFamily="2" charset="0"/>
+                  <a:latin typeface="+mj-lt"/>
                   <a:ea typeface="08서울남산체 B" pitchFamily="18" charset="-127"/>
                 </a:rPr>
                 <a:t>Q&amp;A</a:t>
@@ -5172,7 +6782,7 @@
                 <a:solidFill>
                   <a:schemeClr val="bg1"/>
                 </a:solidFill>
-                <a:latin typeface="Ahellya" pitchFamily="2" charset="0"/>
+                <a:latin typeface="+mj-lt"/>
                 <a:ea typeface="08서울남산체 B" pitchFamily="18" charset="-127"/>
               </a:endParaRPr>
             </a:p>
@@ -5213,7 +6823,7 @@
                     <a:alpha val="85000"/>
                   </a:schemeClr>
                 </a:solidFill>
-                <a:latin typeface="경기천년바탕 Regular" pitchFamily="18" charset="-127"/>
+                <a:latin typeface="+mj-lt"/>
                 <a:ea typeface="경기천년바탕 Regular" pitchFamily="18" charset="-127"/>
               </a:rPr>
               <a:t>Principles &amp; Methods to go Beyond UX</a:t>
@@ -5224,7 +6834,7 @@
                   <a:alpha val="85000"/>
                 </a:schemeClr>
               </a:solidFill>
-              <a:latin typeface="경기천년바탕 Regular" pitchFamily="18" charset="-127"/>
+              <a:latin typeface="+mj-lt"/>
               <a:ea typeface="경기천년바탕 Regular" pitchFamily="18" charset="-127"/>
             </a:endParaRPr>
           </a:p>
@@ -5234,3897 +6844,6 @@
     <p:extLst>
       <p:ext uri="{BB962C8B-B14F-4D97-AF65-F5344CB8AC3E}">
         <p14:creationId xmlns:p14="http://schemas.microsoft.com/office/powerpoint/2010/main" val="278600116"/>
-      </p:ext>
-    </p:extLst>
-  </p:cSld>
-  <p:clrMapOvr>
-    <a:masterClrMapping/>
-  </p:clrMapOvr>
-</p:sld>
-</file>
-
-<file path=ppt/slides/slide12.xml><?xml version="1.0" encoding="utf-8"?>
-<p:sld xmlns:a="http://schemas.openxmlformats.org/drawingml/2006/main" xmlns:r="http://schemas.openxmlformats.org/officeDocument/2006/relationships" xmlns:p="http://schemas.openxmlformats.org/presentationml/2006/main">
-  <p:cSld>
-    <p:spTree>
-      <p:nvGrpSpPr>
-        <p:cNvPr id="1" name=""/>
-        <p:cNvGrpSpPr/>
-        <p:nvPr/>
-      </p:nvGrpSpPr>
-      <p:grpSpPr>
-        <a:xfrm>
-          <a:off x="0" y="0"/>
-          <a:ext cx="0" cy="0"/>
-          <a:chOff x="0" y="0"/>
-          <a:chExt cx="0" cy="0"/>
-        </a:xfrm>
-      </p:grpSpPr>
-      <p:pic>
-        <p:nvPicPr>
-          <p:cNvPr id="6" name="그림 5"/>
-          <p:cNvPicPr>
-            <a:picLocks noChangeAspect="1"/>
-          </p:cNvPicPr>
-          <p:nvPr/>
-        </p:nvPicPr>
-        <p:blipFill>
-          <a:blip r:embed="rId2">
-            <a:extLst>
-              <a:ext uri="{28A0092B-C50C-407E-A947-70E740481C1C}">
-                <a14:useLocalDpi xmlns:a14="http://schemas.microsoft.com/office/drawing/2010/main" val="0"/>
-              </a:ext>
-            </a:extLst>
-          </a:blip>
-          <a:stretch>
-            <a:fillRect/>
-          </a:stretch>
-        </p:blipFill>
-        <p:spPr>
-          <a:xfrm>
-            <a:off x="914392" y="228593"/>
-            <a:ext cx="7315215" cy="6400813"/>
-          </a:xfrm>
-          <a:prstGeom prst="rect">
-            <a:avLst/>
-          </a:prstGeom>
-        </p:spPr>
-      </p:pic>
-    </p:spTree>
-    <p:extLst>
-      <p:ext uri="{BB962C8B-B14F-4D97-AF65-F5344CB8AC3E}">
-        <p14:creationId xmlns:p14="http://schemas.microsoft.com/office/powerpoint/2010/main" val="2034787316"/>
-      </p:ext>
-    </p:extLst>
-  </p:cSld>
-  <p:clrMapOvr>
-    <a:masterClrMapping/>
-  </p:clrMapOvr>
-</p:sld>
-</file>
-
-<file path=ppt/slides/slide2.xml><?xml version="1.0" encoding="utf-8"?>
-<p:sld xmlns:a="http://schemas.openxmlformats.org/drawingml/2006/main" xmlns:r="http://schemas.openxmlformats.org/officeDocument/2006/relationships" xmlns:p="http://schemas.openxmlformats.org/presentationml/2006/main">
-  <p:cSld>
-    <p:bg>
-      <p:bgPr>
-        <a:solidFill>
-          <a:schemeClr val="bg1"/>
-        </a:solidFill>
-        <a:effectLst/>
-      </p:bgPr>
-    </p:bg>
-    <p:spTree>
-      <p:nvGrpSpPr>
-        <p:cNvPr id="1" name=""/>
-        <p:cNvGrpSpPr/>
-        <p:nvPr/>
-      </p:nvGrpSpPr>
-      <p:grpSpPr>
-        <a:xfrm>
-          <a:off x="0" y="0"/>
-          <a:ext cx="0" cy="0"/>
-          <a:chOff x="0" y="0"/>
-          <a:chExt cx="0" cy="0"/>
-        </a:xfrm>
-      </p:grpSpPr>
-      <p:pic>
-        <p:nvPicPr>
-          <p:cNvPr id="12" name="Picture 2"/>
-          <p:cNvPicPr>
-            <a:picLocks noChangeAspect="1" noChangeArrowheads="1"/>
-          </p:cNvPicPr>
-          <p:nvPr/>
-        </p:nvPicPr>
-        <p:blipFill>
-          <a:blip r:embed="rId3" cstate="print"/>
-          <a:srcRect/>
-          <a:stretch>
-            <a:fillRect/>
-          </a:stretch>
-        </p:blipFill>
-        <p:spPr bwMode="auto">
-          <a:xfrm>
-            <a:off x="-36512" y="-45374"/>
-            <a:ext cx="9180512" cy="6930758"/>
-          </a:xfrm>
-          <a:prstGeom prst="rect">
-            <a:avLst/>
-          </a:prstGeom>
-          <a:solidFill>
-            <a:schemeClr val="bg1"/>
-          </a:solidFill>
-          <a:ln w="9525">
-            <a:noFill/>
-            <a:miter lim="800000"/>
-            <a:headEnd/>
-            <a:tailEnd/>
-          </a:ln>
-        </p:spPr>
-      </p:pic>
-      <p:pic>
-        <p:nvPicPr>
-          <p:cNvPr id="8" name="Picture 2"/>
-          <p:cNvPicPr>
-            <a:picLocks noChangeAspect="1" noChangeArrowheads="1"/>
-          </p:cNvPicPr>
-          <p:nvPr/>
-        </p:nvPicPr>
-        <p:blipFill>
-          <a:blip r:embed="rId3" cstate="print"/>
-          <a:srcRect/>
-          <a:stretch>
-            <a:fillRect/>
-          </a:stretch>
-        </p:blipFill>
-        <p:spPr bwMode="auto">
-          <a:xfrm>
-            <a:off x="-5210" y="0"/>
-            <a:ext cx="9144000" cy="6930758"/>
-          </a:xfrm>
-          <a:prstGeom prst="rect">
-            <a:avLst/>
-          </a:prstGeom>
-          <a:noFill/>
-          <a:ln w="9525">
-            <a:noFill/>
-            <a:miter lim="800000"/>
-            <a:headEnd/>
-            <a:tailEnd/>
-          </a:ln>
-        </p:spPr>
-      </p:pic>
-      <p:grpSp>
-        <p:nvGrpSpPr>
-          <p:cNvPr id="2" name="그룹 1"/>
-          <p:cNvGrpSpPr/>
-          <p:nvPr/>
-        </p:nvGrpSpPr>
-        <p:grpSpPr>
-          <a:xfrm>
-            <a:off x="1038398" y="780718"/>
-            <a:ext cx="7056784" cy="1200329"/>
-            <a:chOff x="3347864" y="787351"/>
-            <a:chExt cx="2448272" cy="1200329"/>
-          </a:xfrm>
-        </p:grpSpPr>
-        <p:cxnSp>
-          <p:nvCxnSpPr>
-            <p:cNvPr id="13" name="직선 연결선 12"/>
-            <p:cNvCxnSpPr/>
-            <p:nvPr/>
-          </p:nvCxnSpPr>
-          <p:spPr>
-            <a:xfrm>
-              <a:off x="3347864" y="1628800"/>
-              <a:ext cx="2448272" cy="0"/>
-            </a:xfrm>
-            <a:prstGeom prst="line">
-              <a:avLst/>
-            </a:prstGeom>
-            <a:ln w="25400">
-              <a:solidFill>
-                <a:schemeClr val="tx1">
-                  <a:lumMod val="65000"/>
-                  <a:lumOff val="35000"/>
-                </a:schemeClr>
-              </a:solidFill>
-            </a:ln>
-            <a:scene3d>
-              <a:camera prst="perspectiveFront"/>
-              <a:lightRig rig="threePt" dir="t"/>
-            </a:scene3d>
-          </p:spPr>
-          <p:style>
-            <a:lnRef idx="1">
-              <a:schemeClr val="accent1"/>
-            </a:lnRef>
-            <a:fillRef idx="0">
-              <a:schemeClr val="accent1"/>
-            </a:fillRef>
-            <a:effectRef idx="0">
-              <a:schemeClr val="accent1"/>
-            </a:effectRef>
-            <a:fontRef idx="minor">
-              <a:schemeClr val="tx1"/>
-            </a:fontRef>
-          </p:style>
-        </p:cxnSp>
-        <p:sp>
-          <p:nvSpPr>
-            <p:cNvPr id="14" name="TextBox 13"/>
-            <p:cNvSpPr txBox="1"/>
-            <p:nvPr/>
-          </p:nvSpPr>
-          <p:spPr>
-            <a:xfrm>
-              <a:off x="3491880" y="787351"/>
-              <a:ext cx="2160240" cy="1200329"/>
-            </a:xfrm>
-            <a:prstGeom prst="rect">
-              <a:avLst/>
-            </a:prstGeom>
-            <a:noFill/>
-          </p:spPr>
-          <p:txBody>
-            <a:bodyPr wrap="square" rtlCol="0">
-              <a:spAutoFit/>
-              <a:scene3d>
-                <a:camera prst="perspectiveFront"/>
-                <a:lightRig rig="threePt" dir="t"/>
-              </a:scene3d>
-            </a:bodyPr>
-            <a:lstStyle/>
-            <a:p>
-              <a:pPr algn="ctr"/>
-              <a:r>
-                <a:rPr lang="en-US" altLang="ko-KR" sz="3600" dirty="0">
-                  <a:solidFill>
-                    <a:schemeClr val="bg1"/>
-                  </a:solidFill>
-                </a:rPr>
-                <a:t>Demonstration Parade Route</a:t>
-              </a:r>
-              <a:endParaRPr lang="ko-KR" altLang="en-US" sz="3600" dirty="0">
-                <a:solidFill>
-                  <a:schemeClr val="bg1"/>
-                </a:solidFill>
-                <a:latin typeface="+mj-lt"/>
-              </a:endParaRPr>
-            </a:p>
-          </p:txBody>
-        </p:sp>
-      </p:grpSp>
-      <p:pic>
-        <p:nvPicPr>
-          <p:cNvPr id="6" name="그림 5">
-            <a:extLst>
-              <a:ext uri="{FF2B5EF4-FFF2-40B4-BE49-F238E27FC236}">
-                <a16:creationId xmlns:a16="http://schemas.microsoft.com/office/drawing/2014/main" id="{B993BA3E-90BE-41FE-81A6-F00FFBCA5309}"/>
-              </a:ext>
-            </a:extLst>
-          </p:cNvPr>
-          <p:cNvPicPr>
-            <a:picLocks noChangeAspect="1"/>
-          </p:cNvPicPr>
-          <p:nvPr/>
-        </p:nvPicPr>
-        <p:blipFill>
-          <a:blip r:embed="rId4">
-            <a:extLst>
-              <a:ext uri="{28A0092B-C50C-407E-A947-70E740481C1C}">
-                <a14:useLocalDpi xmlns:a14="http://schemas.microsoft.com/office/drawing/2010/main" val="0"/>
-              </a:ext>
-            </a:extLst>
-          </a:blip>
-          <a:stretch>
-            <a:fillRect/>
-          </a:stretch>
-        </p:blipFill>
-        <p:spPr>
-          <a:xfrm>
-            <a:off x="1211850" y="1981047"/>
-            <a:ext cx="6683788" cy="4439149"/>
-          </a:xfrm>
-          <a:prstGeom prst="rect">
-            <a:avLst/>
-          </a:prstGeom>
-        </p:spPr>
-      </p:pic>
-      <p:sp>
-        <p:nvSpPr>
-          <p:cNvPr id="7" name="타원 6">
-            <a:extLst>
-              <a:ext uri="{FF2B5EF4-FFF2-40B4-BE49-F238E27FC236}">
-                <a16:creationId xmlns:a16="http://schemas.microsoft.com/office/drawing/2014/main" id="{CC1E46D0-2EAE-4180-8C01-9D2EE4D1DA4D}"/>
-              </a:ext>
-            </a:extLst>
-          </p:cNvPr>
-          <p:cNvSpPr/>
-          <p:nvPr/>
-        </p:nvSpPr>
-        <p:spPr>
-          <a:xfrm>
-            <a:off x="2915816" y="4077072"/>
-            <a:ext cx="432048" cy="432048"/>
-          </a:xfrm>
-          <a:prstGeom prst="ellipse">
-            <a:avLst/>
-          </a:prstGeom>
-          <a:noFill/>
-          <a:ln>
-            <a:solidFill>
-              <a:srgbClr val="FF0000"/>
-            </a:solidFill>
-          </a:ln>
-        </p:spPr>
-        <p:style>
-          <a:lnRef idx="2">
-            <a:schemeClr val="accent1">
-              <a:shade val="50000"/>
-            </a:schemeClr>
-          </a:lnRef>
-          <a:fillRef idx="1">
-            <a:schemeClr val="accent1"/>
-          </a:fillRef>
-          <a:effectRef idx="0">
-            <a:schemeClr val="accent1"/>
-          </a:effectRef>
-          <a:fontRef idx="minor">
-            <a:schemeClr val="lt1"/>
-          </a:fontRef>
-        </p:style>
-        <p:txBody>
-          <a:bodyPr rtlCol="0" anchor="ctr"/>
-          <a:lstStyle/>
-          <a:p>
-            <a:pPr algn="ctr"/>
-            <a:endParaRPr lang="ko-KR" altLang="en-US"/>
-          </a:p>
-        </p:txBody>
-      </p:sp>
-    </p:spTree>
-    <p:extLst>
-      <p:ext uri="{BB962C8B-B14F-4D97-AF65-F5344CB8AC3E}">
-        <p14:creationId xmlns:p14="http://schemas.microsoft.com/office/powerpoint/2010/main" val="1048090529"/>
-      </p:ext>
-    </p:extLst>
-  </p:cSld>
-  <p:clrMapOvr>
-    <a:masterClrMapping/>
-  </p:clrMapOvr>
-</p:sld>
-</file>
-
-<file path=ppt/slides/slide3.xml><?xml version="1.0" encoding="utf-8"?>
-<p:sld xmlns:a="http://schemas.openxmlformats.org/drawingml/2006/main" xmlns:r="http://schemas.openxmlformats.org/officeDocument/2006/relationships" xmlns:p="http://schemas.openxmlformats.org/presentationml/2006/main">
-  <p:cSld>
-    <p:spTree>
-      <p:nvGrpSpPr>
-        <p:cNvPr id="1" name=""/>
-        <p:cNvGrpSpPr/>
-        <p:nvPr/>
-      </p:nvGrpSpPr>
-      <p:grpSpPr>
-        <a:xfrm>
-          <a:off x="0" y="0"/>
-          <a:ext cx="0" cy="0"/>
-          <a:chOff x="0" y="0"/>
-          <a:chExt cx="0" cy="0"/>
-        </a:xfrm>
-      </p:grpSpPr>
-      <p:pic>
-        <p:nvPicPr>
-          <p:cNvPr id="12" name="Picture 2"/>
-          <p:cNvPicPr>
-            <a:picLocks noChangeAspect="1" noChangeArrowheads="1"/>
-          </p:cNvPicPr>
-          <p:nvPr/>
-        </p:nvPicPr>
-        <p:blipFill>
-          <a:blip r:embed="rId3" cstate="print"/>
-          <a:srcRect/>
-          <a:stretch>
-            <a:fillRect/>
-          </a:stretch>
-        </p:blipFill>
-        <p:spPr bwMode="auto">
-          <a:xfrm>
-            <a:off x="-36512" y="-45374"/>
-            <a:ext cx="9180512" cy="6930758"/>
-          </a:xfrm>
-          <a:prstGeom prst="rect">
-            <a:avLst/>
-          </a:prstGeom>
-          <a:solidFill>
-            <a:schemeClr val="bg1"/>
-          </a:solidFill>
-          <a:ln w="9525">
-            <a:noFill/>
-            <a:miter lim="800000"/>
-            <a:headEnd/>
-            <a:tailEnd/>
-          </a:ln>
-        </p:spPr>
-      </p:pic>
-      <p:pic>
-        <p:nvPicPr>
-          <p:cNvPr id="8" name="Picture 2"/>
-          <p:cNvPicPr>
-            <a:picLocks noChangeAspect="1" noChangeArrowheads="1"/>
-          </p:cNvPicPr>
-          <p:nvPr/>
-        </p:nvPicPr>
-        <p:blipFill>
-          <a:blip r:embed="rId3" cstate="print"/>
-          <a:srcRect/>
-          <a:stretch>
-            <a:fillRect/>
-          </a:stretch>
-        </p:blipFill>
-        <p:spPr bwMode="auto">
-          <a:xfrm>
-            <a:off x="-5210" y="0"/>
-            <a:ext cx="9144000" cy="6930758"/>
-          </a:xfrm>
-          <a:prstGeom prst="rect">
-            <a:avLst/>
-          </a:prstGeom>
-          <a:noFill/>
-          <a:ln w="9525">
-            <a:noFill/>
-            <a:miter lim="800000"/>
-            <a:headEnd/>
-            <a:tailEnd/>
-          </a:ln>
-        </p:spPr>
-      </p:pic>
-      <p:grpSp>
-        <p:nvGrpSpPr>
-          <p:cNvPr id="2" name="그룹 1"/>
-          <p:cNvGrpSpPr/>
-          <p:nvPr/>
-        </p:nvGrpSpPr>
-        <p:grpSpPr>
-          <a:xfrm>
-            <a:off x="1038398" y="780718"/>
-            <a:ext cx="7056784" cy="1200329"/>
-            <a:chOff x="3347864" y="787351"/>
-            <a:chExt cx="2448272" cy="1200329"/>
-          </a:xfrm>
-        </p:grpSpPr>
-        <p:cxnSp>
-          <p:nvCxnSpPr>
-            <p:cNvPr id="13" name="직선 연결선 12"/>
-            <p:cNvCxnSpPr/>
-            <p:nvPr/>
-          </p:nvCxnSpPr>
-          <p:spPr>
-            <a:xfrm>
-              <a:off x="3347864" y="1628800"/>
-              <a:ext cx="2448272" cy="0"/>
-            </a:xfrm>
-            <a:prstGeom prst="line">
-              <a:avLst/>
-            </a:prstGeom>
-            <a:ln w="25400">
-              <a:solidFill>
-                <a:schemeClr val="tx1">
-                  <a:lumMod val="65000"/>
-                  <a:lumOff val="35000"/>
-                </a:schemeClr>
-              </a:solidFill>
-            </a:ln>
-            <a:scene3d>
-              <a:camera prst="perspectiveFront"/>
-              <a:lightRig rig="threePt" dir="t"/>
-            </a:scene3d>
-          </p:spPr>
-          <p:style>
-            <a:lnRef idx="1">
-              <a:schemeClr val="accent1"/>
-            </a:lnRef>
-            <a:fillRef idx="0">
-              <a:schemeClr val="accent1"/>
-            </a:fillRef>
-            <a:effectRef idx="0">
-              <a:schemeClr val="accent1"/>
-            </a:effectRef>
-            <a:fontRef idx="minor">
-              <a:schemeClr val="tx1"/>
-            </a:fontRef>
-          </p:style>
-        </p:cxnSp>
-        <p:sp>
-          <p:nvSpPr>
-            <p:cNvPr id="14" name="TextBox 13"/>
-            <p:cNvSpPr txBox="1"/>
-            <p:nvPr/>
-          </p:nvSpPr>
-          <p:spPr>
-            <a:xfrm>
-              <a:off x="3491880" y="787351"/>
-              <a:ext cx="2160240" cy="1200329"/>
-            </a:xfrm>
-            <a:prstGeom prst="rect">
-              <a:avLst/>
-            </a:prstGeom>
-            <a:noFill/>
-          </p:spPr>
-          <p:txBody>
-            <a:bodyPr wrap="square" rtlCol="0">
-              <a:spAutoFit/>
-              <a:scene3d>
-                <a:camera prst="perspectiveFront"/>
-                <a:lightRig rig="threePt" dir="t"/>
-              </a:scene3d>
-            </a:bodyPr>
-            <a:lstStyle/>
-            <a:p>
-              <a:pPr algn="ctr"/>
-              <a:r>
-                <a:rPr lang="en-US" altLang="ko-KR" sz="3600" dirty="0">
-                  <a:solidFill>
-                    <a:schemeClr val="bg1"/>
-                  </a:solidFill>
-                </a:rPr>
-                <a:t>Demonstration Parade Route</a:t>
-              </a:r>
-              <a:endParaRPr lang="ko-KR" altLang="en-US" sz="3600" dirty="0">
-                <a:solidFill>
-                  <a:schemeClr val="bg1"/>
-                </a:solidFill>
-                <a:latin typeface="+mj-lt"/>
-              </a:endParaRPr>
-            </a:p>
-          </p:txBody>
-        </p:sp>
-      </p:grpSp>
-      <p:pic>
-        <p:nvPicPr>
-          <p:cNvPr id="4" name="그림 3">
-            <a:extLst>
-              <a:ext uri="{FF2B5EF4-FFF2-40B4-BE49-F238E27FC236}">
-                <a16:creationId xmlns:a16="http://schemas.microsoft.com/office/drawing/2014/main" id="{BEC75EA1-6304-4EBC-B5AC-8EA46EF06F54}"/>
-              </a:ext>
-            </a:extLst>
-          </p:cNvPr>
-          <p:cNvPicPr>
-            <a:picLocks noChangeAspect="1"/>
-          </p:cNvPicPr>
-          <p:nvPr/>
-        </p:nvPicPr>
-        <p:blipFill>
-          <a:blip r:embed="rId4">
-            <a:extLst>
-              <a:ext uri="{28A0092B-C50C-407E-A947-70E740481C1C}">
-                <a14:useLocalDpi xmlns:a14="http://schemas.microsoft.com/office/drawing/2010/main" val="0"/>
-              </a:ext>
-            </a:extLst>
-          </a:blip>
-          <a:stretch>
-            <a:fillRect/>
-          </a:stretch>
-        </p:blipFill>
-        <p:spPr>
-          <a:xfrm>
-            <a:off x="1592944" y="1974745"/>
-            <a:ext cx="5921599" cy="4556902"/>
-          </a:xfrm>
-          <a:prstGeom prst="rect">
-            <a:avLst/>
-          </a:prstGeom>
-        </p:spPr>
-      </p:pic>
-    </p:spTree>
-    <p:extLst>
-      <p:ext uri="{BB962C8B-B14F-4D97-AF65-F5344CB8AC3E}">
-        <p14:creationId xmlns:p14="http://schemas.microsoft.com/office/powerpoint/2010/main" val="2514888465"/>
-      </p:ext>
-    </p:extLst>
-  </p:cSld>
-  <p:clrMapOvr>
-    <a:masterClrMapping/>
-  </p:clrMapOvr>
-</p:sld>
-</file>
-
-<file path=ppt/slides/slide4.xml><?xml version="1.0" encoding="utf-8"?>
-<p:sld xmlns:a="http://schemas.openxmlformats.org/drawingml/2006/main" xmlns:r="http://schemas.openxmlformats.org/officeDocument/2006/relationships" xmlns:p="http://schemas.openxmlformats.org/presentationml/2006/main">
-  <p:cSld>
-    <p:spTree>
-      <p:nvGrpSpPr>
-        <p:cNvPr id="1" name=""/>
-        <p:cNvGrpSpPr/>
-        <p:nvPr/>
-      </p:nvGrpSpPr>
-      <p:grpSpPr>
-        <a:xfrm>
-          <a:off x="0" y="0"/>
-          <a:ext cx="0" cy="0"/>
-          <a:chOff x="0" y="0"/>
-          <a:chExt cx="0" cy="0"/>
-        </a:xfrm>
-      </p:grpSpPr>
-      <p:pic>
-        <p:nvPicPr>
-          <p:cNvPr id="12" name="Picture 2"/>
-          <p:cNvPicPr>
-            <a:picLocks noChangeAspect="1" noChangeArrowheads="1"/>
-          </p:cNvPicPr>
-          <p:nvPr/>
-        </p:nvPicPr>
-        <p:blipFill>
-          <a:blip r:embed="rId3" cstate="print"/>
-          <a:srcRect/>
-          <a:stretch>
-            <a:fillRect/>
-          </a:stretch>
-        </p:blipFill>
-        <p:spPr bwMode="auto">
-          <a:xfrm>
-            <a:off x="-36512" y="-27384"/>
-            <a:ext cx="9180512" cy="6930758"/>
-          </a:xfrm>
-          <a:prstGeom prst="rect">
-            <a:avLst/>
-          </a:prstGeom>
-          <a:solidFill>
-            <a:schemeClr val="bg1"/>
-          </a:solidFill>
-          <a:ln w="9525">
-            <a:noFill/>
-            <a:miter lim="800000"/>
-            <a:headEnd/>
-            <a:tailEnd/>
-          </a:ln>
-        </p:spPr>
-      </p:pic>
-      <p:sp>
-        <p:nvSpPr>
-          <p:cNvPr id="22" name="TextBox 21"/>
-          <p:cNvSpPr txBox="1"/>
-          <p:nvPr/>
-        </p:nvSpPr>
-        <p:spPr>
-          <a:xfrm>
-            <a:off x="973415" y="4932457"/>
-            <a:ext cx="2808312" cy="584775"/>
-          </a:xfrm>
-          <a:prstGeom prst="rect">
-            <a:avLst/>
-          </a:prstGeom>
-          <a:noFill/>
-        </p:spPr>
-        <p:txBody>
-          <a:bodyPr wrap="square" rtlCol="0">
-            <a:spAutoFit/>
-            <a:scene3d>
-              <a:camera prst="perspectiveFront"/>
-              <a:lightRig rig="threePt" dir="t"/>
-            </a:scene3d>
-          </a:bodyPr>
-          <a:lstStyle/>
-          <a:p>
-            <a:pPr algn="ctr"/>
-            <a:r>
-              <a:rPr lang="en-US" altLang="ko-KR" sz="3200" dirty="0">
-                <a:solidFill>
-                  <a:schemeClr val="bg1">
-                    <a:lumMod val="85000"/>
-                  </a:schemeClr>
-                </a:solidFill>
-                <a:latin typeface="Bebas Neue" pitchFamily="34" charset="0"/>
-              </a:rPr>
-              <a:t>“ Something new ”</a:t>
-            </a:r>
-            <a:endParaRPr lang="ko-KR" altLang="en-US" sz="3200" dirty="0">
-              <a:solidFill>
-                <a:schemeClr val="bg1">
-                  <a:lumMod val="85000"/>
-                </a:schemeClr>
-              </a:solidFill>
-              <a:latin typeface="Bebas Neue" pitchFamily="34" charset="0"/>
-            </a:endParaRPr>
-          </a:p>
-        </p:txBody>
-      </p:sp>
-      <p:grpSp>
-        <p:nvGrpSpPr>
-          <p:cNvPr id="5" name="그룹 4"/>
-          <p:cNvGrpSpPr/>
-          <p:nvPr/>
-        </p:nvGrpSpPr>
-        <p:grpSpPr>
-          <a:xfrm>
-            <a:off x="4860032" y="2008187"/>
-            <a:ext cx="3456384" cy="3149005"/>
-            <a:chOff x="4751792" y="1792619"/>
-            <a:chExt cx="3456384" cy="3149005"/>
-          </a:xfrm>
-        </p:grpSpPr>
-        <p:sp>
-          <p:nvSpPr>
-            <p:cNvPr id="23" name="TextBox 22"/>
-            <p:cNvSpPr txBox="1"/>
-            <p:nvPr/>
-          </p:nvSpPr>
-          <p:spPr>
-            <a:xfrm>
-              <a:off x="4967816" y="1792619"/>
-              <a:ext cx="3240360" cy="461665"/>
-            </a:xfrm>
-            <a:prstGeom prst="rect">
-              <a:avLst/>
-            </a:prstGeom>
-            <a:noFill/>
-          </p:spPr>
-          <p:txBody>
-            <a:bodyPr wrap="square" rtlCol="0">
-              <a:spAutoFit/>
-              <a:scene3d>
-                <a:camera prst="perspectiveFront"/>
-                <a:lightRig rig="threePt" dir="t"/>
-              </a:scene3d>
-            </a:bodyPr>
-            <a:lstStyle/>
-            <a:p>
-              <a:r>
-                <a:rPr lang="en-US" altLang="ko-KR" sz="2400" dirty="0">
-                  <a:solidFill>
-                    <a:schemeClr val="bg1">
-                      <a:lumMod val="75000"/>
-                    </a:schemeClr>
-                  </a:solidFill>
-                  <a:latin typeface="Bebas Neue" pitchFamily="34" charset="0"/>
-                </a:rPr>
-                <a:t>Service and clients</a:t>
-              </a:r>
-            </a:p>
-          </p:txBody>
-        </p:sp>
-        <p:sp>
-          <p:nvSpPr>
-            <p:cNvPr id="24" name="타원 23"/>
-            <p:cNvSpPr/>
-            <p:nvPr/>
-          </p:nvSpPr>
-          <p:spPr>
-            <a:xfrm>
-              <a:off x="4751792" y="2038260"/>
-              <a:ext cx="72008" cy="72008"/>
-            </a:xfrm>
-            <a:prstGeom prst="ellipse">
-              <a:avLst/>
-            </a:prstGeom>
-            <a:solidFill>
-              <a:srgbClr val="FFCC66"/>
-            </a:solidFill>
-            <a:ln>
-              <a:noFill/>
-            </a:ln>
-            <a:scene3d>
-              <a:camera prst="perspectiveFront"/>
-              <a:lightRig rig="threePt" dir="t"/>
-            </a:scene3d>
-          </p:spPr>
-          <p:style>
-            <a:lnRef idx="2">
-              <a:schemeClr val="accent1">
-                <a:shade val="50000"/>
-              </a:schemeClr>
-            </a:lnRef>
-            <a:fillRef idx="1">
-              <a:schemeClr val="accent1"/>
-            </a:fillRef>
-            <a:effectRef idx="0">
-              <a:schemeClr val="accent1"/>
-            </a:effectRef>
-            <a:fontRef idx="minor">
-              <a:schemeClr val="lt1"/>
-            </a:fontRef>
-          </p:style>
-          <p:txBody>
-            <a:bodyPr rtlCol="0" anchor="ctr"/>
-            <a:lstStyle/>
-            <a:p>
-              <a:pPr algn="ctr"/>
-              <a:endParaRPr lang="ko-KR" altLang="en-US"/>
-            </a:p>
-          </p:txBody>
-        </p:sp>
-        <p:sp>
-          <p:nvSpPr>
-            <p:cNvPr id="25" name="타원 24"/>
-            <p:cNvSpPr/>
-            <p:nvPr/>
-          </p:nvSpPr>
-          <p:spPr>
-            <a:xfrm>
-              <a:off x="4751792" y="2668444"/>
-              <a:ext cx="72008" cy="72008"/>
-            </a:xfrm>
-            <a:prstGeom prst="ellipse">
-              <a:avLst/>
-            </a:prstGeom>
-            <a:solidFill>
-              <a:srgbClr val="FFCC66"/>
-            </a:solidFill>
-            <a:ln>
-              <a:noFill/>
-            </a:ln>
-            <a:scene3d>
-              <a:camera prst="perspectiveFront"/>
-              <a:lightRig rig="threePt" dir="t"/>
-            </a:scene3d>
-          </p:spPr>
-          <p:style>
-            <a:lnRef idx="2">
-              <a:schemeClr val="accent1">
-                <a:shade val="50000"/>
-              </a:schemeClr>
-            </a:lnRef>
-            <a:fillRef idx="1">
-              <a:schemeClr val="accent1"/>
-            </a:fillRef>
-            <a:effectRef idx="0">
-              <a:schemeClr val="accent1"/>
-            </a:effectRef>
-            <a:fontRef idx="minor">
-              <a:schemeClr val="lt1"/>
-            </a:fontRef>
-          </p:style>
-          <p:txBody>
-            <a:bodyPr rtlCol="0" anchor="ctr"/>
-            <a:lstStyle/>
-            <a:p>
-              <a:pPr algn="ctr"/>
-              <a:endParaRPr lang="ko-KR" altLang="en-US"/>
-            </a:p>
-          </p:txBody>
-        </p:sp>
-        <p:sp>
-          <p:nvSpPr>
-            <p:cNvPr id="26" name="타원 25"/>
-            <p:cNvSpPr/>
-            <p:nvPr/>
-          </p:nvSpPr>
-          <p:spPr>
-            <a:xfrm>
-              <a:off x="4751792" y="3298628"/>
-              <a:ext cx="72008" cy="72008"/>
-            </a:xfrm>
-            <a:prstGeom prst="ellipse">
-              <a:avLst/>
-            </a:prstGeom>
-            <a:solidFill>
-              <a:srgbClr val="FFCC66"/>
-            </a:solidFill>
-            <a:ln>
-              <a:noFill/>
-            </a:ln>
-            <a:scene3d>
-              <a:camera prst="perspectiveFront"/>
-              <a:lightRig rig="threePt" dir="t"/>
-            </a:scene3d>
-          </p:spPr>
-          <p:style>
-            <a:lnRef idx="2">
-              <a:schemeClr val="accent1">
-                <a:shade val="50000"/>
-              </a:schemeClr>
-            </a:lnRef>
-            <a:fillRef idx="1">
-              <a:schemeClr val="accent1"/>
-            </a:fillRef>
-            <a:effectRef idx="0">
-              <a:schemeClr val="accent1"/>
-            </a:effectRef>
-            <a:fontRef idx="minor">
-              <a:schemeClr val="lt1"/>
-            </a:fontRef>
-          </p:style>
-          <p:txBody>
-            <a:bodyPr rtlCol="0" anchor="ctr"/>
-            <a:lstStyle/>
-            <a:p>
-              <a:pPr algn="ctr"/>
-              <a:endParaRPr lang="ko-KR" altLang="en-US"/>
-            </a:p>
-          </p:txBody>
-        </p:sp>
-        <p:sp>
-          <p:nvSpPr>
-            <p:cNvPr id="27" name="타원 26"/>
-            <p:cNvSpPr/>
-            <p:nvPr/>
-          </p:nvSpPr>
-          <p:spPr>
-            <a:xfrm>
-              <a:off x="4751792" y="3976110"/>
-              <a:ext cx="72008" cy="72008"/>
-            </a:xfrm>
-            <a:prstGeom prst="ellipse">
-              <a:avLst/>
-            </a:prstGeom>
-            <a:solidFill>
-              <a:srgbClr val="FFCC66"/>
-            </a:solidFill>
-            <a:ln>
-              <a:noFill/>
-            </a:ln>
-            <a:scene3d>
-              <a:camera prst="perspectiveFront"/>
-              <a:lightRig rig="threePt" dir="t"/>
-            </a:scene3d>
-          </p:spPr>
-          <p:style>
-            <a:lnRef idx="2">
-              <a:schemeClr val="accent1">
-                <a:shade val="50000"/>
-              </a:schemeClr>
-            </a:lnRef>
-            <a:fillRef idx="1">
-              <a:schemeClr val="accent1"/>
-            </a:fillRef>
-            <a:effectRef idx="0">
-              <a:schemeClr val="accent1"/>
-            </a:effectRef>
-            <a:fontRef idx="minor">
-              <a:schemeClr val="lt1"/>
-            </a:fontRef>
-          </p:style>
-          <p:txBody>
-            <a:bodyPr rtlCol="0" anchor="ctr"/>
-            <a:lstStyle/>
-            <a:p>
-              <a:pPr algn="ctr"/>
-              <a:endParaRPr lang="ko-KR" altLang="en-US"/>
-            </a:p>
-          </p:txBody>
-        </p:sp>
-        <p:sp>
-          <p:nvSpPr>
-            <p:cNvPr id="28" name="타원 27"/>
-            <p:cNvSpPr/>
-            <p:nvPr/>
-          </p:nvSpPr>
-          <p:spPr>
-            <a:xfrm>
-              <a:off x="4751792" y="4653592"/>
-              <a:ext cx="72008" cy="72008"/>
-            </a:xfrm>
-            <a:prstGeom prst="ellipse">
-              <a:avLst/>
-            </a:prstGeom>
-            <a:solidFill>
-              <a:srgbClr val="FFCC66"/>
-            </a:solidFill>
-            <a:ln>
-              <a:noFill/>
-            </a:ln>
-            <a:scene3d>
-              <a:camera prst="perspectiveFront"/>
-              <a:lightRig rig="threePt" dir="t"/>
-            </a:scene3d>
-          </p:spPr>
-          <p:style>
-            <a:lnRef idx="2">
-              <a:schemeClr val="accent1">
-                <a:shade val="50000"/>
-              </a:schemeClr>
-            </a:lnRef>
-            <a:fillRef idx="1">
-              <a:schemeClr val="accent1"/>
-            </a:fillRef>
-            <a:effectRef idx="0">
-              <a:schemeClr val="accent1"/>
-            </a:effectRef>
-            <a:fontRef idx="minor">
-              <a:schemeClr val="lt1"/>
-            </a:fontRef>
-          </p:style>
-          <p:txBody>
-            <a:bodyPr rtlCol="0" anchor="ctr"/>
-            <a:lstStyle/>
-            <a:p>
-              <a:pPr algn="ctr"/>
-              <a:endParaRPr lang="ko-KR" altLang="en-US"/>
-            </a:p>
-          </p:txBody>
-        </p:sp>
-        <p:sp>
-          <p:nvSpPr>
-            <p:cNvPr id="29" name="TextBox 28"/>
-            <p:cNvSpPr txBox="1"/>
-            <p:nvPr/>
-          </p:nvSpPr>
-          <p:spPr>
-            <a:xfrm>
-              <a:off x="4967816" y="3802477"/>
-              <a:ext cx="3096344" cy="461665"/>
-            </a:xfrm>
-            <a:prstGeom prst="rect">
-              <a:avLst/>
-            </a:prstGeom>
-            <a:noFill/>
-          </p:spPr>
-          <p:txBody>
-            <a:bodyPr wrap="square" rtlCol="0">
-              <a:spAutoFit/>
-              <a:scene3d>
-                <a:camera prst="perspectiveFront"/>
-                <a:lightRig rig="threePt" dir="t"/>
-              </a:scene3d>
-            </a:bodyPr>
-            <a:lstStyle/>
-            <a:p>
-              <a:r>
-                <a:rPr lang="en-US" altLang="ko-KR" sz="2400" dirty="0">
-                  <a:solidFill>
-                    <a:schemeClr val="bg1">
-                      <a:lumMod val="75000"/>
-                    </a:schemeClr>
-                  </a:solidFill>
-                  <a:latin typeface="Bebas Neue" pitchFamily="34" charset="0"/>
-                </a:rPr>
-                <a:t>The process</a:t>
-              </a:r>
-            </a:p>
-          </p:txBody>
-        </p:sp>
-        <p:sp>
-          <p:nvSpPr>
-            <p:cNvPr id="30" name="TextBox 29"/>
-            <p:cNvSpPr txBox="1"/>
-            <p:nvPr/>
-          </p:nvSpPr>
-          <p:spPr>
-            <a:xfrm>
-              <a:off x="4967816" y="2452420"/>
-              <a:ext cx="3096344" cy="461665"/>
-            </a:xfrm>
-            <a:prstGeom prst="rect">
-              <a:avLst/>
-            </a:prstGeom>
-            <a:noFill/>
-          </p:spPr>
-          <p:txBody>
-            <a:bodyPr wrap="square" rtlCol="0">
-              <a:spAutoFit/>
-              <a:scene3d>
-                <a:camera prst="perspectiveFront"/>
-                <a:lightRig rig="threePt" dir="t"/>
-              </a:scene3d>
-            </a:bodyPr>
-            <a:lstStyle/>
-            <a:p>
-              <a:r>
-                <a:rPr lang="en-US" altLang="ko-KR" sz="2400" dirty="0">
-                  <a:solidFill>
-                    <a:schemeClr val="bg1">
-                      <a:lumMod val="75000"/>
-                    </a:schemeClr>
-                  </a:solidFill>
-                  <a:latin typeface="Bebas Neue" pitchFamily="34" charset="0"/>
-                </a:rPr>
-                <a:t>Investment &amp; partnership</a:t>
-              </a:r>
-            </a:p>
-          </p:txBody>
-        </p:sp>
-        <p:sp>
-          <p:nvSpPr>
-            <p:cNvPr id="31" name="TextBox 30"/>
-            <p:cNvSpPr txBox="1"/>
-            <p:nvPr/>
-          </p:nvSpPr>
-          <p:spPr>
-            <a:xfrm>
-              <a:off x="4967816" y="4479959"/>
-              <a:ext cx="3096344" cy="461665"/>
-            </a:xfrm>
-            <a:prstGeom prst="rect">
-              <a:avLst/>
-            </a:prstGeom>
-            <a:noFill/>
-          </p:spPr>
-          <p:txBody>
-            <a:bodyPr wrap="square" rtlCol="0">
-              <a:spAutoFit/>
-              <a:scene3d>
-                <a:camera prst="perspectiveFront"/>
-                <a:lightRig rig="threePt" dir="t"/>
-              </a:scene3d>
-            </a:bodyPr>
-            <a:lstStyle/>
-            <a:p>
-              <a:r>
-                <a:rPr lang="en-US" altLang="ko-KR" sz="2400" dirty="0">
-                  <a:solidFill>
-                    <a:schemeClr val="bg1">
-                      <a:lumMod val="75000"/>
-                    </a:schemeClr>
-                  </a:solidFill>
-                  <a:latin typeface="Bebas Neue" pitchFamily="34" charset="0"/>
-                </a:rPr>
-                <a:t>Analyzing and reporting</a:t>
-              </a:r>
-              <a:endParaRPr lang="ko-KR" altLang="en-US" sz="2400" dirty="0">
-                <a:solidFill>
-                  <a:schemeClr val="bg1">
-                    <a:lumMod val="75000"/>
-                  </a:schemeClr>
-                </a:solidFill>
-                <a:latin typeface="Bebas Neue" pitchFamily="34" charset="0"/>
-              </a:endParaRPr>
-            </a:p>
-          </p:txBody>
-        </p:sp>
-        <p:sp>
-          <p:nvSpPr>
-            <p:cNvPr id="32" name="TextBox 31"/>
-            <p:cNvSpPr txBox="1"/>
-            <p:nvPr/>
-          </p:nvSpPr>
-          <p:spPr>
-            <a:xfrm>
-              <a:off x="4967816" y="3124995"/>
-              <a:ext cx="3096344" cy="461665"/>
-            </a:xfrm>
-            <a:prstGeom prst="rect">
-              <a:avLst/>
-            </a:prstGeom>
-            <a:noFill/>
-          </p:spPr>
-          <p:txBody>
-            <a:bodyPr wrap="square" rtlCol="0">
-              <a:spAutoFit/>
-              <a:scene3d>
-                <a:camera prst="perspectiveFront"/>
-                <a:lightRig rig="threePt" dir="t"/>
-              </a:scene3d>
-            </a:bodyPr>
-            <a:lstStyle/>
-            <a:p>
-              <a:r>
-                <a:rPr lang="en-US" altLang="ko-KR" sz="2400" dirty="0">
-                  <a:solidFill>
-                    <a:schemeClr val="bg1">
-                      <a:lumMod val="75000"/>
-                    </a:schemeClr>
-                  </a:solidFill>
-                  <a:latin typeface="Bebas Neue" pitchFamily="34" charset="0"/>
-                </a:rPr>
-                <a:t>Integrated impact</a:t>
-              </a:r>
-            </a:p>
-          </p:txBody>
-        </p:sp>
-      </p:grpSp>
-      <p:grpSp>
-        <p:nvGrpSpPr>
-          <p:cNvPr id="19" name="그룹 18"/>
-          <p:cNvGrpSpPr/>
-          <p:nvPr/>
-        </p:nvGrpSpPr>
-        <p:grpSpPr>
-          <a:xfrm>
-            <a:off x="107504" y="116632"/>
-            <a:ext cx="8784008" cy="369332"/>
-            <a:chOff x="107504" y="116632"/>
-            <a:chExt cx="8784008" cy="369332"/>
-          </a:xfrm>
-        </p:grpSpPr>
-        <p:cxnSp>
-          <p:nvCxnSpPr>
-            <p:cNvPr id="20" name="직선 연결선 19"/>
-            <p:cNvCxnSpPr/>
-            <p:nvPr/>
-          </p:nvCxnSpPr>
-          <p:spPr>
-            <a:xfrm>
-              <a:off x="179512" y="476672"/>
-              <a:ext cx="8712000" cy="0"/>
-            </a:xfrm>
-            <a:prstGeom prst="line">
-              <a:avLst/>
-            </a:prstGeom>
-            <a:ln w="19050">
-              <a:solidFill>
-                <a:schemeClr val="tx1">
-                  <a:lumMod val="75000"/>
-                  <a:lumOff val="25000"/>
-                </a:schemeClr>
-              </a:solidFill>
-            </a:ln>
-            <a:scene3d>
-              <a:camera prst="perspectiveFront"/>
-              <a:lightRig rig="threePt" dir="t"/>
-            </a:scene3d>
-          </p:spPr>
-          <p:style>
-            <a:lnRef idx="1">
-              <a:schemeClr val="accent1"/>
-            </a:lnRef>
-            <a:fillRef idx="0">
-              <a:schemeClr val="accent1"/>
-            </a:fillRef>
-            <a:effectRef idx="0">
-              <a:schemeClr val="accent1"/>
-            </a:effectRef>
-            <a:fontRef idx="minor">
-              <a:schemeClr val="tx1"/>
-            </a:fontRef>
-          </p:style>
-        </p:cxnSp>
-        <p:sp>
-          <p:nvSpPr>
-            <p:cNvPr id="21" name="TextBox 20"/>
-            <p:cNvSpPr txBox="1"/>
-            <p:nvPr/>
-          </p:nvSpPr>
-          <p:spPr>
-            <a:xfrm>
-              <a:off x="107504" y="116632"/>
-              <a:ext cx="3456384" cy="369332"/>
-            </a:xfrm>
-            <a:prstGeom prst="rect">
-              <a:avLst/>
-            </a:prstGeom>
-            <a:noFill/>
-          </p:spPr>
-          <p:txBody>
-            <a:bodyPr wrap="square" rtlCol="0">
-              <a:spAutoFit/>
-              <a:scene3d>
-                <a:camera prst="perspectiveFront"/>
-                <a:lightRig rig="threePt" dir="t"/>
-              </a:scene3d>
-            </a:bodyPr>
-            <a:lstStyle/>
-            <a:p>
-              <a:r>
-                <a:rPr lang="en-US" altLang="ko-KR" dirty="0">
-                  <a:solidFill>
-                    <a:schemeClr val="bg1">
-                      <a:lumMod val="50000"/>
-                    </a:schemeClr>
-                  </a:solidFill>
-                  <a:latin typeface="Bebas Neue" pitchFamily="34" charset="0"/>
-                  <a:ea typeface="-윤고딕330" pitchFamily="18" charset="-127"/>
-                </a:rPr>
-                <a:t>PARTICIPATIORY TALK</a:t>
-              </a:r>
-              <a:endParaRPr lang="ko-KR" altLang="en-US" dirty="0">
-                <a:solidFill>
-                  <a:schemeClr val="bg1">
-                    <a:lumMod val="50000"/>
-                  </a:schemeClr>
-                </a:solidFill>
-                <a:latin typeface="Bebas Neue" pitchFamily="34" charset="0"/>
-                <a:ea typeface="-윤고딕330" pitchFamily="18" charset="-127"/>
-              </a:endParaRPr>
-            </a:p>
-          </p:txBody>
-        </p:sp>
-      </p:grpSp>
-      <p:pic>
-        <p:nvPicPr>
-          <p:cNvPr id="3" name="그림 2">
-            <a:extLst>
-              <a:ext uri="{FF2B5EF4-FFF2-40B4-BE49-F238E27FC236}">
-                <a16:creationId xmlns:a16="http://schemas.microsoft.com/office/drawing/2014/main" id="{155BDFEA-42AF-4AC3-8C53-E8D63453CA42}"/>
-              </a:ext>
-            </a:extLst>
-          </p:cNvPr>
-          <p:cNvPicPr>
-            <a:picLocks noChangeAspect="1"/>
-          </p:cNvPicPr>
-          <p:nvPr/>
-        </p:nvPicPr>
-        <p:blipFill rotWithShape="1">
-          <a:blip r:embed="rId4">
-            <a:extLst>
-              <a:ext uri="{28A0092B-C50C-407E-A947-70E740481C1C}">
-                <a14:useLocalDpi xmlns:a14="http://schemas.microsoft.com/office/drawing/2010/main" val="0"/>
-              </a:ext>
-            </a:extLst>
-          </a:blip>
-          <a:srcRect l="1" t="3611" r="-981" b="43271"/>
-          <a:stretch/>
-        </p:blipFill>
-        <p:spPr>
-          <a:xfrm>
-            <a:off x="338323" y="1387897"/>
-            <a:ext cx="4362009" cy="3245113"/>
-          </a:xfrm>
-          <a:prstGeom prst="rect">
-            <a:avLst/>
-          </a:prstGeom>
-        </p:spPr>
-      </p:pic>
-    </p:spTree>
-    <p:extLst>
-      <p:ext uri="{BB962C8B-B14F-4D97-AF65-F5344CB8AC3E}">
-        <p14:creationId xmlns:p14="http://schemas.microsoft.com/office/powerpoint/2010/main" val="426525149"/>
-      </p:ext>
-    </p:extLst>
-  </p:cSld>
-  <p:clrMapOvr>
-    <a:masterClrMapping/>
-  </p:clrMapOvr>
-</p:sld>
-</file>
-
-<file path=ppt/slides/slide5.xml><?xml version="1.0" encoding="utf-8"?>
-<p:sld xmlns:a="http://schemas.openxmlformats.org/drawingml/2006/main" xmlns:r="http://schemas.openxmlformats.org/officeDocument/2006/relationships" xmlns:p="http://schemas.openxmlformats.org/presentationml/2006/main">
-  <p:cSld>
-    <p:bg>
-      <p:bgPr>
-        <a:solidFill>
-          <a:schemeClr val="bg1"/>
-        </a:solidFill>
-        <a:effectLst/>
-      </p:bgPr>
-    </p:bg>
-    <p:spTree>
-      <p:nvGrpSpPr>
-        <p:cNvPr id="1" name=""/>
-        <p:cNvGrpSpPr/>
-        <p:nvPr/>
-      </p:nvGrpSpPr>
-      <p:grpSpPr>
-        <a:xfrm>
-          <a:off x="0" y="0"/>
-          <a:ext cx="0" cy="0"/>
-          <a:chOff x="0" y="0"/>
-          <a:chExt cx="0" cy="0"/>
-        </a:xfrm>
-      </p:grpSpPr>
-      <p:pic>
-        <p:nvPicPr>
-          <p:cNvPr id="12" name="Picture 2"/>
-          <p:cNvPicPr>
-            <a:picLocks noChangeAspect="1" noChangeArrowheads="1"/>
-          </p:cNvPicPr>
-          <p:nvPr/>
-        </p:nvPicPr>
-        <p:blipFill>
-          <a:blip r:embed="rId2" cstate="print"/>
-          <a:srcRect/>
-          <a:stretch>
-            <a:fillRect/>
-          </a:stretch>
-        </p:blipFill>
-        <p:spPr bwMode="auto">
-          <a:xfrm>
-            <a:off x="-36512" y="-45374"/>
-            <a:ext cx="9180512" cy="6930758"/>
-          </a:xfrm>
-          <a:prstGeom prst="rect">
-            <a:avLst/>
-          </a:prstGeom>
-          <a:solidFill>
-            <a:schemeClr val="bg1"/>
-          </a:solidFill>
-          <a:ln w="9525">
-            <a:noFill/>
-            <a:miter lim="800000"/>
-            <a:headEnd/>
-            <a:tailEnd/>
-          </a:ln>
-        </p:spPr>
-      </p:pic>
-      <p:pic>
-        <p:nvPicPr>
-          <p:cNvPr id="8" name="Picture 2"/>
-          <p:cNvPicPr>
-            <a:picLocks noChangeAspect="1" noChangeArrowheads="1"/>
-          </p:cNvPicPr>
-          <p:nvPr/>
-        </p:nvPicPr>
-        <p:blipFill>
-          <a:blip r:embed="rId2" cstate="print"/>
-          <a:srcRect/>
-          <a:stretch>
-            <a:fillRect/>
-          </a:stretch>
-        </p:blipFill>
-        <p:spPr bwMode="auto">
-          <a:xfrm>
-            <a:off x="-5210" y="0"/>
-            <a:ext cx="9144000" cy="6930758"/>
-          </a:xfrm>
-          <a:prstGeom prst="rect">
-            <a:avLst/>
-          </a:prstGeom>
-          <a:noFill/>
-          <a:ln w="9525">
-            <a:noFill/>
-            <a:miter lim="800000"/>
-            <a:headEnd/>
-            <a:tailEnd/>
-          </a:ln>
-        </p:spPr>
-      </p:pic>
-      <p:sp>
-        <p:nvSpPr>
-          <p:cNvPr id="7" name="TextBox 6"/>
-          <p:cNvSpPr txBox="1"/>
-          <p:nvPr/>
-        </p:nvSpPr>
-        <p:spPr>
-          <a:xfrm>
-            <a:off x="179512" y="3167390"/>
-            <a:ext cx="2808312" cy="461665"/>
-          </a:xfrm>
-          <a:prstGeom prst="rect">
-            <a:avLst/>
-          </a:prstGeom>
-          <a:noFill/>
-        </p:spPr>
-        <p:txBody>
-          <a:bodyPr wrap="square" rtlCol="0">
-            <a:spAutoFit/>
-            <a:scene3d>
-              <a:camera prst="perspectiveFront"/>
-              <a:lightRig rig="threePt" dir="t"/>
-            </a:scene3d>
-          </a:bodyPr>
-          <a:lstStyle/>
-          <a:p>
-            <a:r>
-              <a:rPr lang="en-US" altLang="ko-KR" sz="2400" dirty="0">
-                <a:solidFill>
-                  <a:schemeClr val="bg1"/>
-                </a:solidFill>
-                <a:latin typeface="+mj-lt"/>
-                <a:ea typeface="-윤고딕330" pitchFamily="18" charset="-127"/>
-              </a:rPr>
-              <a:t>Needs of People</a:t>
-            </a:r>
-            <a:endParaRPr lang="ko-KR" altLang="en-US" sz="2400" dirty="0">
-              <a:solidFill>
-                <a:schemeClr val="bg1"/>
-              </a:solidFill>
-              <a:latin typeface="+mj-lt"/>
-              <a:ea typeface="-윤고딕330" pitchFamily="18" charset="-127"/>
-            </a:endParaRPr>
-          </a:p>
-        </p:txBody>
-      </p:sp>
-      <p:sp>
-        <p:nvSpPr>
-          <p:cNvPr id="9" name="TextBox 8"/>
-          <p:cNvSpPr txBox="1"/>
-          <p:nvPr/>
-        </p:nvSpPr>
-        <p:spPr>
-          <a:xfrm>
-            <a:off x="2987824" y="3167390"/>
-            <a:ext cx="1656184" cy="461665"/>
-          </a:xfrm>
-          <a:prstGeom prst="rect">
-            <a:avLst/>
-          </a:prstGeom>
-          <a:noFill/>
-        </p:spPr>
-        <p:txBody>
-          <a:bodyPr wrap="square" rtlCol="0">
-            <a:spAutoFit/>
-            <a:scene3d>
-              <a:camera prst="perspectiveFront"/>
-              <a:lightRig rig="threePt" dir="t"/>
-            </a:scene3d>
-          </a:bodyPr>
-          <a:lstStyle/>
-          <a:p>
-            <a:r>
-              <a:rPr lang="en-US" altLang="ko-KR" sz="2400" dirty="0">
-                <a:solidFill>
-                  <a:schemeClr val="bg1"/>
-                </a:solidFill>
-                <a:latin typeface="+mj-lt"/>
-                <a:ea typeface="-윤고딕330" pitchFamily="18" charset="-127"/>
-              </a:rPr>
-              <a:t>Business</a:t>
-            </a:r>
-            <a:endParaRPr lang="ko-KR" altLang="en-US" sz="2400" dirty="0">
-              <a:solidFill>
-                <a:schemeClr val="bg1"/>
-              </a:solidFill>
-              <a:latin typeface="+mj-lt"/>
-              <a:ea typeface="-윤고딕330" pitchFamily="18" charset="-127"/>
-            </a:endParaRPr>
-          </a:p>
-        </p:txBody>
-      </p:sp>
-      <p:sp>
-        <p:nvSpPr>
-          <p:cNvPr id="10" name="TextBox 9"/>
-          <p:cNvSpPr txBox="1"/>
-          <p:nvPr/>
-        </p:nvSpPr>
-        <p:spPr>
-          <a:xfrm>
-            <a:off x="4860032" y="3167390"/>
-            <a:ext cx="2808312" cy="461665"/>
-          </a:xfrm>
-          <a:prstGeom prst="rect">
-            <a:avLst/>
-          </a:prstGeom>
-          <a:noFill/>
-        </p:spPr>
-        <p:txBody>
-          <a:bodyPr wrap="square" rtlCol="0">
-            <a:spAutoFit/>
-            <a:scene3d>
-              <a:camera prst="perspectiveFront"/>
-              <a:lightRig rig="threePt" dir="t"/>
-            </a:scene3d>
-          </a:bodyPr>
-          <a:lstStyle/>
-          <a:p>
-            <a:r>
-              <a:rPr lang="en-US" altLang="ko-KR" sz="2400" dirty="0">
-                <a:solidFill>
-                  <a:schemeClr val="bg1"/>
-                </a:solidFill>
-                <a:latin typeface="+mj-lt"/>
-                <a:ea typeface="-윤고딕330" pitchFamily="18" charset="-127"/>
-              </a:rPr>
-              <a:t>Innovation</a:t>
-            </a:r>
-            <a:endParaRPr lang="ko-KR" altLang="en-US" sz="2400" dirty="0">
-              <a:solidFill>
-                <a:schemeClr val="bg1"/>
-              </a:solidFill>
-              <a:latin typeface="+mj-lt"/>
-              <a:ea typeface="-윤고딕330" pitchFamily="18" charset="-127"/>
-            </a:endParaRPr>
-          </a:p>
-        </p:txBody>
-      </p:sp>
-      <p:sp>
-        <p:nvSpPr>
-          <p:cNvPr id="11" name="TextBox 10"/>
-          <p:cNvSpPr txBox="1"/>
-          <p:nvPr/>
-        </p:nvSpPr>
-        <p:spPr>
-          <a:xfrm>
-            <a:off x="6876256" y="3167390"/>
-            <a:ext cx="2808312" cy="461665"/>
-          </a:xfrm>
-          <a:prstGeom prst="rect">
-            <a:avLst/>
-          </a:prstGeom>
-          <a:noFill/>
-        </p:spPr>
-        <p:txBody>
-          <a:bodyPr wrap="square" rtlCol="0">
-            <a:spAutoFit/>
-            <a:scene3d>
-              <a:camera prst="perspectiveFront"/>
-              <a:lightRig rig="threePt" dir="t"/>
-            </a:scene3d>
-          </a:bodyPr>
-          <a:lstStyle/>
-          <a:p>
-            <a:r>
-              <a:rPr lang="en-US" altLang="ko-KR" sz="2400" dirty="0">
-                <a:solidFill>
-                  <a:schemeClr val="bg1"/>
-                </a:solidFill>
-                <a:latin typeface="+mj-lt"/>
-                <a:ea typeface="-윤고딕330" pitchFamily="18" charset="-127"/>
-              </a:rPr>
-              <a:t> Technology</a:t>
-            </a:r>
-            <a:endParaRPr lang="ko-KR" altLang="en-US" sz="2400" dirty="0">
-              <a:solidFill>
-                <a:schemeClr val="bg1"/>
-              </a:solidFill>
-              <a:latin typeface="+mj-lt"/>
-              <a:ea typeface="-윤고딕330" pitchFamily="18" charset="-127"/>
-            </a:endParaRPr>
-          </a:p>
-        </p:txBody>
-      </p:sp>
-      <p:sp>
-        <p:nvSpPr>
-          <p:cNvPr id="16" name="TextBox 15"/>
-          <p:cNvSpPr txBox="1"/>
-          <p:nvPr/>
-        </p:nvSpPr>
-        <p:spPr>
-          <a:xfrm>
-            <a:off x="4427984" y="3167390"/>
-            <a:ext cx="360040" cy="461665"/>
-          </a:xfrm>
-          <a:prstGeom prst="rect">
-            <a:avLst/>
-          </a:prstGeom>
-          <a:noFill/>
-        </p:spPr>
-        <p:txBody>
-          <a:bodyPr wrap="square" rtlCol="0">
-            <a:spAutoFit/>
-            <a:scene3d>
-              <a:camera prst="perspectiveFront"/>
-              <a:lightRig rig="threePt" dir="t"/>
-            </a:scene3d>
-          </a:bodyPr>
-          <a:lstStyle/>
-          <a:p>
-            <a:r>
-              <a:rPr lang="en-US" altLang="ko-KR" sz="2400" dirty="0">
-                <a:solidFill>
-                  <a:schemeClr val="bg1"/>
-                </a:solidFill>
-                <a:latin typeface="+mj-lt"/>
-              </a:rPr>
-              <a:t>+</a:t>
-            </a:r>
-            <a:endParaRPr lang="ko-KR" altLang="en-US" sz="2400" dirty="0">
-              <a:solidFill>
-                <a:schemeClr val="bg1"/>
-              </a:solidFill>
-              <a:latin typeface="+mj-lt"/>
-            </a:endParaRPr>
-          </a:p>
-        </p:txBody>
-      </p:sp>
-      <p:sp>
-        <p:nvSpPr>
-          <p:cNvPr id="17" name="TextBox 16"/>
-          <p:cNvSpPr txBox="1"/>
-          <p:nvPr/>
-        </p:nvSpPr>
-        <p:spPr>
-          <a:xfrm>
-            <a:off x="6588224" y="3167390"/>
-            <a:ext cx="360040" cy="461665"/>
-          </a:xfrm>
-          <a:prstGeom prst="rect">
-            <a:avLst/>
-          </a:prstGeom>
-          <a:noFill/>
-        </p:spPr>
-        <p:txBody>
-          <a:bodyPr wrap="square" rtlCol="0">
-            <a:spAutoFit/>
-            <a:scene3d>
-              <a:camera prst="perspectiveFront"/>
-              <a:lightRig rig="threePt" dir="t"/>
-            </a:scene3d>
-          </a:bodyPr>
-          <a:lstStyle/>
-          <a:p>
-            <a:r>
-              <a:rPr lang="en-US" altLang="ko-KR" sz="2400" dirty="0">
-                <a:solidFill>
-                  <a:schemeClr val="bg1"/>
-                </a:solidFill>
-                <a:latin typeface="+mj-lt"/>
-              </a:rPr>
-              <a:t>+</a:t>
-            </a:r>
-            <a:endParaRPr lang="ko-KR" altLang="en-US" sz="2400" dirty="0">
-              <a:solidFill>
-                <a:schemeClr val="bg1"/>
-              </a:solidFill>
-              <a:latin typeface="+mj-lt"/>
-            </a:endParaRPr>
-          </a:p>
-        </p:txBody>
-      </p:sp>
-      <p:sp>
-        <p:nvSpPr>
-          <p:cNvPr id="18" name="TextBox 17"/>
-          <p:cNvSpPr txBox="1"/>
-          <p:nvPr/>
-        </p:nvSpPr>
-        <p:spPr>
-          <a:xfrm>
-            <a:off x="2555776" y="3167390"/>
-            <a:ext cx="360040" cy="461665"/>
-          </a:xfrm>
-          <a:prstGeom prst="rect">
-            <a:avLst/>
-          </a:prstGeom>
-          <a:noFill/>
-        </p:spPr>
-        <p:txBody>
-          <a:bodyPr wrap="square" rtlCol="0">
-            <a:spAutoFit/>
-            <a:scene3d>
-              <a:camera prst="perspectiveFront"/>
-              <a:lightRig rig="threePt" dir="t"/>
-            </a:scene3d>
-          </a:bodyPr>
-          <a:lstStyle/>
-          <a:p>
-            <a:r>
-              <a:rPr lang="en-US" altLang="ko-KR" sz="2400" dirty="0">
-                <a:solidFill>
-                  <a:schemeClr val="bg1"/>
-                </a:solidFill>
-                <a:latin typeface="+mj-lt"/>
-              </a:rPr>
-              <a:t>+</a:t>
-            </a:r>
-            <a:endParaRPr lang="ko-KR" altLang="en-US" sz="2400" dirty="0">
-              <a:solidFill>
-                <a:schemeClr val="bg1"/>
-              </a:solidFill>
-              <a:latin typeface="+mj-lt"/>
-            </a:endParaRPr>
-          </a:p>
-        </p:txBody>
-      </p:sp>
-      <p:grpSp>
-        <p:nvGrpSpPr>
-          <p:cNvPr id="3" name="그룹 2"/>
-          <p:cNvGrpSpPr/>
-          <p:nvPr/>
-        </p:nvGrpSpPr>
-        <p:grpSpPr>
-          <a:xfrm>
-            <a:off x="107504" y="116632"/>
-            <a:ext cx="8784008" cy="369332"/>
-            <a:chOff x="107504" y="116632"/>
-            <a:chExt cx="8784008" cy="369332"/>
-          </a:xfrm>
-        </p:grpSpPr>
-        <p:cxnSp>
-          <p:nvCxnSpPr>
-            <p:cNvPr id="14" name="직선 연결선 13"/>
-            <p:cNvCxnSpPr/>
-            <p:nvPr/>
-          </p:nvCxnSpPr>
-          <p:spPr>
-            <a:xfrm>
-              <a:off x="179512" y="476672"/>
-              <a:ext cx="8712000" cy="0"/>
-            </a:xfrm>
-            <a:prstGeom prst="line">
-              <a:avLst/>
-            </a:prstGeom>
-            <a:ln w="19050">
-              <a:solidFill>
-                <a:schemeClr val="tx1">
-                  <a:lumMod val="75000"/>
-                  <a:lumOff val="25000"/>
-                </a:schemeClr>
-              </a:solidFill>
-            </a:ln>
-            <a:scene3d>
-              <a:camera prst="perspectiveFront"/>
-              <a:lightRig rig="threePt" dir="t"/>
-            </a:scene3d>
-          </p:spPr>
-          <p:style>
-            <a:lnRef idx="1">
-              <a:schemeClr val="accent1"/>
-            </a:lnRef>
-            <a:fillRef idx="0">
-              <a:schemeClr val="accent1"/>
-            </a:fillRef>
-            <a:effectRef idx="0">
-              <a:schemeClr val="accent1"/>
-            </a:effectRef>
-            <a:fontRef idx="minor">
-              <a:schemeClr val="tx1"/>
-            </a:fontRef>
-          </p:style>
-        </p:cxnSp>
-        <p:sp>
-          <p:nvSpPr>
-            <p:cNvPr id="15" name="TextBox 14"/>
-            <p:cNvSpPr txBox="1"/>
-            <p:nvPr/>
-          </p:nvSpPr>
-          <p:spPr>
-            <a:xfrm>
-              <a:off x="107504" y="116632"/>
-              <a:ext cx="3456384" cy="369332"/>
-            </a:xfrm>
-            <a:prstGeom prst="rect">
-              <a:avLst/>
-            </a:prstGeom>
-            <a:noFill/>
-          </p:spPr>
-          <p:txBody>
-            <a:bodyPr wrap="square" rtlCol="0">
-              <a:spAutoFit/>
-              <a:scene3d>
-                <a:camera prst="perspectiveFront"/>
-                <a:lightRig rig="threePt" dir="t"/>
-              </a:scene3d>
-            </a:bodyPr>
-            <a:lstStyle/>
-            <a:p>
-              <a:r>
-                <a:rPr lang="en-US" altLang="ko-KR" dirty="0">
-                  <a:solidFill>
-                    <a:schemeClr val="bg1">
-                      <a:lumMod val="50000"/>
-                    </a:schemeClr>
-                  </a:solidFill>
-                  <a:latin typeface="+mj-lt"/>
-                  <a:ea typeface="-윤고딕330" pitchFamily="18" charset="-127"/>
-                </a:rPr>
-                <a:t>PARTICIPATIORY TALK</a:t>
-              </a:r>
-              <a:endParaRPr lang="ko-KR" altLang="en-US" dirty="0">
-                <a:solidFill>
-                  <a:schemeClr val="bg1">
-                    <a:lumMod val="50000"/>
-                  </a:schemeClr>
-                </a:solidFill>
-                <a:latin typeface="+mj-lt"/>
-                <a:ea typeface="-윤고딕330" pitchFamily="18" charset="-127"/>
-              </a:endParaRPr>
-            </a:p>
-          </p:txBody>
-        </p:sp>
-      </p:grpSp>
-    </p:spTree>
-    <p:extLst>
-      <p:ext uri="{BB962C8B-B14F-4D97-AF65-F5344CB8AC3E}">
-        <p14:creationId xmlns:p14="http://schemas.microsoft.com/office/powerpoint/2010/main" val="1426617411"/>
-      </p:ext>
-    </p:extLst>
-  </p:cSld>
-  <p:clrMapOvr>
-    <a:masterClrMapping/>
-  </p:clrMapOvr>
-  <p:timing>
-    <p:tnLst>
-      <p:par>
-        <p:cTn id="1" dur="indefinite" restart="never" nodeType="tmRoot">
-          <p:childTnLst>
-            <p:seq concurrent="1" nextAc="seek">
-              <p:cTn id="2" dur="indefinite" nodeType="mainSeq">
-                <p:childTnLst>
-                  <p:par>
-                    <p:cTn id="3" fill="hold">
-                      <p:stCondLst>
-                        <p:cond delay="indefinite"/>
-                      </p:stCondLst>
-                      <p:childTnLst>
-                        <p:par>
-                          <p:cTn id="4" fill="hold">
-                            <p:stCondLst>
-                              <p:cond delay="0"/>
-                            </p:stCondLst>
-                            <p:childTnLst>
-                              <p:par>
-                                <p:cTn id="5" presetID="10" presetClass="entr" presetSubtype="0" fill="hold" grpId="0" nodeType="clickEffect">
-                                  <p:stCondLst>
-                                    <p:cond delay="0"/>
-                                  </p:stCondLst>
-                                  <p:childTnLst>
-                                    <p:set>
-                                      <p:cBhvr>
-                                        <p:cTn id="6" dur="1" fill="hold">
-                                          <p:stCondLst>
-                                            <p:cond delay="0"/>
-                                          </p:stCondLst>
-                                        </p:cTn>
-                                        <p:tgtEl>
-                                          <p:spTgt spid="7"/>
-                                        </p:tgtEl>
-                                        <p:attrNameLst>
-                                          <p:attrName>style.visibility</p:attrName>
-                                        </p:attrNameLst>
-                                      </p:cBhvr>
-                                      <p:to>
-                                        <p:strVal val="visible"/>
-                                      </p:to>
-                                    </p:set>
-                                    <p:animEffect transition="in" filter="fade">
-                                      <p:cBhvr>
-                                        <p:cTn id="7" dur="500"/>
-                                        <p:tgtEl>
-                                          <p:spTgt spid="7"/>
-                                        </p:tgtEl>
-                                      </p:cBhvr>
-                                    </p:animEffect>
-                                  </p:childTnLst>
-                                </p:cTn>
-                              </p:par>
-                            </p:childTnLst>
-                          </p:cTn>
-                        </p:par>
-                      </p:childTnLst>
-                    </p:cTn>
-                  </p:par>
-                  <p:par>
-                    <p:cTn id="8" fill="hold">
-                      <p:stCondLst>
-                        <p:cond delay="indefinite"/>
-                      </p:stCondLst>
-                      <p:childTnLst>
-                        <p:par>
-                          <p:cTn id="9" fill="hold">
-                            <p:stCondLst>
-                              <p:cond delay="0"/>
-                            </p:stCondLst>
-                            <p:childTnLst>
-                              <p:par>
-                                <p:cTn id="10" presetID="10" presetClass="entr" presetSubtype="0" fill="hold" grpId="0" nodeType="clickEffect">
-                                  <p:stCondLst>
-                                    <p:cond delay="0"/>
-                                  </p:stCondLst>
-                                  <p:childTnLst>
-                                    <p:set>
-                                      <p:cBhvr>
-                                        <p:cTn id="11" dur="1" fill="hold">
-                                          <p:stCondLst>
-                                            <p:cond delay="0"/>
-                                          </p:stCondLst>
-                                        </p:cTn>
-                                        <p:tgtEl>
-                                          <p:spTgt spid="18"/>
-                                        </p:tgtEl>
-                                        <p:attrNameLst>
-                                          <p:attrName>style.visibility</p:attrName>
-                                        </p:attrNameLst>
-                                      </p:cBhvr>
-                                      <p:to>
-                                        <p:strVal val="visible"/>
-                                      </p:to>
-                                    </p:set>
-                                    <p:animEffect transition="in" filter="fade">
-                                      <p:cBhvr>
-                                        <p:cTn id="12" dur="500"/>
-                                        <p:tgtEl>
-                                          <p:spTgt spid="18"/>
-                                        </p:tgtEl>
-                                      </p:cBhvr>
-                                    </p:animEffect>
-                                  </p:childTnLst>
-                                </p:cTn>
-                              </p:par>
-                            </p:childTnLst>
-                          </p:cTn>
-                        </p:par>
-                      </p:childTnLst>
-                    </p:cTn>
-                  </p:par>
-                  <p:par>
-                    <p:cTn id="13" fill="hold">
-                      <p:stCondLst>
-                        <p:cond delay="indefinite"/>
-                      </p:stCondLst>
-                      <p:childTnLst>
-                        <p:par>
-                          <p:cTn id="14" fill="hold">
-                            <p:stCondLst>
-                              <p:cond delay="0"/>
-                            </p:stCondLst>
-                            <p:childTnLst>
-                              <p:par>
-                                <p:cTn id="15" presetID="10" presetClass="entr" presetSubtype="0" fill="hold" grpId="0" nodeType="clickEffect">
-                                  <p:stCondLst>
-                                    <p:cond delay="0"/>
-                                  </p:stCondLst>
-                                  <p:childTnLst>
-                                    <p:set>
-                                      <p:cBhvr>
-                                        <p:cTn id="16" dur="1" fill="hold">
-                                          <p:stCondLst>
-                                            <p:cond delay="0"/>
-                                          </p:stCondLst>
-                                        </p:cTn>
-                                        <p:tgtEl>
-                                          <p:spTgt spid="9"/>
-                                        </p:tgtEl>
-                                        <p:attrNameLst>
-                                          <p:attrName>style.visibility</p:attrName>
-                                        </p:attrNameLst>
-                                      </p:cBhvr>
-                                      <p:to>
-                                        <p:strVal val="visible"/>
-                                      </p:to>
-                                    </p:set>
-                                    <p:animEffect transition="in" filter="fade">
-                                      <p:cBhvr>
-                                        <p:cTn id="17" dur="500"/>
-                                        <p:tgtEl>
-                                          <p:spTgt spid="9"/>
-                                        </p:tgtEl>
-                                      </p:cBhvr>
-                                    </p:animEffect>
-                                  </p:childTnLst>
-                                </p:cTn>
-                              </p:par>
-                            </p:childTnLst>
-                          </p:cTn>
-                        </p:par>
-                      </p:childTnLst>
-                    </p:cTn>
-                  </p:par>
-                  <p:par>
-                    <p:cTn id="18" fill="hold">
-                      <p:stCondLst>
-                        <p:cond delay="indefinite"/>
-                      </p:stCondLst>
-                      <p:childTnLst>
-                        <p:par>
-                          <p:cTn id="19" fill="hold">
-                            <p:stCondLst>
-                              <p:cond delay="0"/>
-                            </p:stCondLst>
-                            <p:childTnLst>
-                              <p:par>
-                                <p:cTn id="20" presetID="10" presetClass="entr" presetSubtype="0" fill="hold" grpId="0" nodeType="clickEffect">
-                                  <p:stCondLst>
-                                    <p:cond delay="0"/>
-                                  </p:stCondLst>
-                                  <p:childTnLst>
-                                    <p:set>
-                                      <p:cBhvr>
-                                        <p:cTn id="21" dur="1" fill="hold">
-                                          <p:stCondLst>
-                                            <p:cond delay="0"/>
-                                          </p:stCondLst>
-                                        </p:cTn>
-                                        <p:tgtEl>
-                                          <p:spTgt spid="16"/>
-                                        </p:tgtEl>
-                                        <p:attrNameLst>
-                                          <p:attrName>style.visibility</p:attrName>
-                                        </p:attrNameLst>
-                                      </p:cBhvr>
-                                      <p:to>
-                                        <p:strVal val="visible"/>
-                                      </p:to>
-                                    </p:set>
-                                    <p:animEffect transition="in" filter="fade">
-                                      <p:cBhvr>
-                                        <p:cTn id="22" dur="500"/>
-                                        <p:tgtEl>
-                                          <p:spTgt spid="16"/>
-                                        </p:tgtEl>
-                                      </p:cBhvr>
-                                    </p:animEffect>
-                                  </p:childTnLst>
-                                </p:cTn>
-                              </p:par>
-                            </p:childTnLst>
-                          </p:cTn>
-                        </p:par>
-                      </p:childTnLst>
-                    </p:cTn>
-                  </p:par>
-                  <p:par>
-                    <p:cTn id="23" fill="hold">
-                      <p:stCondLst>
-                        <p:cond delay="indefinite"/>
-                      </p:stCondLst>
-                      <p:childTnLst>
-                        <p:par>
-                          <p:cTn id="24" fill="hold">
-                            <p:stCondLst>
-                              <p:cond delay="0"/>
-                            </p:stCondLst>
-                            <p:childTnLst>
-                              <p:par>
-                                <p:cTn id="25" presetID="10" presetClass="entr" presetSubtype="0" fill="hold" grpId="0" nodeType="clickEffect">
-                                  <p:stCondLst>
-                                    <p:cond delay="0"/>
-                                  </p:stCondLst>
-                                  <p:childTnLst>
-                                    <p:set>
-                                      <p:cBhvr>
-                                        <p:cTn id="26" dur="1" fill="hold">
-                                          <p:stCondLst>
-                                            <p:cond delay="0"/>
-                                          </p:stCondLst>
-                                        </p:cTn>
-                                        <p:tgtEl>
-                                          <p:spTgt spid="10"/>
-                                        </p:tgtEl>
-                                        <p:attrNameLst>
-                                          <p:attrName>style.visibility</p:attrName>
-                                        </p:attrNameLst>
-                                      </p:cBhvr>
-                                      <p:to>
-                                        <p:strVal val="visible"/>
-                                      </p:to>
-                                    </p:set>
-                                    <p:animEffect transition="in" filter="fade">
-                                      <p:cBhvr>
-                                        <p:cTn id="27" dur="500"/>
-                                        <p:tgtEl>
-                                          <p:spTgt spid="10"/>
-                                        </p:tgtEl>
-                                      </p:cBhvr>
-                                    </p:animEffect>
-                                  </p:childTnLst>
-                                </p:cTn>
-                              </p:par>
-                            </p:childTnLst>
-                          </p:cTn>
-                        </p:par>
-                      </p:childTnLst>
-                    </p:cTn>
-                  </p:par>
-                  <p:par>
-                    <p:cTn id="28" fill="hold">
-                      <p:stCondLst>
-                        <p:cond delay="indefinite"/>
-                      </p:stCondLst>
-                      <p:childTnLst>
-                        <p:par>
-                          <p:cTn id="29" fill="hold">
-                            <p:stCondLst>
-                              <p:cond delay="0"/>
-                            </p:stCondLst>
-                            <p:childTnLst>
-                              <p:par>
-                                <p:cTn id="30" presetID="10" presetClass="entr" presetSubtype="0" fill="hold" grpId="0" nodeType="clickEffect">
-                                  <p:stCondLst>
-                                    <p:cond delay="0"/>
-                                  </p:stCondLst>
-                                  <p:childTnLst>
-                                    <p:set>
-                                      <p:cBhvr>
-                                        <p:cTn id="31" dur="1" fill="hold">
-                                          <p:stCondLst>
-                                            <p:cond delay="0"/>
-                                          </p:stCondLst>
-                                        </p:cTn>
-                                        <p:tgtEl>
-                                          <p:spTgt spid="17"/>
-                                        </p:tgtEl>
-                                        <p:attrNameLst>
-                                          <p:attrName>style.visibility</p:attrName>
-                                        </p:attrNameLst>
-                                      </p:cBhvr>
-                                      <p:to>
-                                        <p:strVal val="visible"/>
-                                      </p:to>
-                                    </p:set>
-                                    <p:animEffect transition="in" filter="fade">
-                                      <p:cBhvr>
-                                        <p:cTn id="32" dur="500"/>
-                                        <p:tgtEl>
-                                          <p:spTgt spid="17"/>
-                                        </p:tgtEl>
-                                      </p:cBhvr>
-                                    </p:animEffect>
-                                  </p:childTnLst>
-                                </p:cTn>
-                              </p:par>
-                            </p:childTnLst>
-                          </p:cTn>
-                        </p:par>
-                      </p:childTnLst>
-                    </p:cTn>
-                  </p:par>
-                  <p:par>
-                    <p:cTn id="33" fill="hold">
-                      <p:stCondLst>
-                        <p:cond delay="indefinite"/>
-                      </p:stCondLst>
-                      <p:childTnLst>
-                        <p:par>
-                          <p:cTn id="34" fill="hold">
-                            <p:stCondLst>
-                              <p:cond delay="0"/>
-                            </p:stCondLst>
-                            <p:childTnLst>
-                              <p:par>
-                                <p:cTn id="35" presetID="10" presetClass="entr" presetSubtype="0" fill="hold" grpId="0" nodeType="clickEffect">
-                                  <p:stCondLst>
-                                    <p:cond delay="0"/>
-                                  </p:stCondLst>
-                                  <p:childTnLst>
-                                    <p:set>
-                                      <p:cBhvr>
-                                        <p:cTn id="36" dur="1" fill="hold">
-                                          <p:stCondLst>
-                                            <p:cond delay="0"/>
-                                          </p:stCondLst>
-                                        </p:cTn>
-                                        <p:tgtEl>
-                                          <p:spTgt spid="11"/>
-                                        </p:tgtEl>
-                                        <p:attrNameLst>
-                                          <p:attrName>style.visibility</p:attrName>
-                                        </p:attrNameLst>
-                                      </p:cBhvr>
-                                      <p:to>
-                                        <p:strVal val="visible"/>
-                                      </p:to>
-                                    </p:set>
-                                    <p:animEffect transition="in" filter="fade">
-                                      <p:cBhvr>
-                                        <p:cTn id="37" dur="500"/>
-                                        <p:tgtEl>
-                                          <p:spTgt spid="11"/>
-                                        </p:tgtEl>
-                                      </p:cBhvr>
-                                    </p:animEffect>
-                                  </p:childTnLst>
-                                </p:cTn>
-                              </p:par>
-                            </p:childTnLst>
-                          </p:cTn>
-                        </p:par>
-                      </p:childTnLst>
-                    </p:cTn>
-                  </p:par>
-                </p:childTnLst>
-              </p:cTn>
-              <p:prevCondLst>
-                <p:cond evt="onPrev" delay="0">
-                  <p:tgtEl>
-                    <p:sldTgt/>
-                  </p:tgtEl>
-                </p:cond>
-              </p:prevCondLst>
-              <p:nextCondLst>
-                <p:cond evt="onNext" delay="0">
-                  <p:tgtEl>
-                    <p:sldTgt/>
-                  </p:tgtEl>
-                </p:cond>
-              </p:nextCondLst>
-            </p:seq>
-          </p:childTnLst>
-        </p:cTn>
-      </p:par>
-    </p:tnLst>
-    <p:bldLst>
-      <p:bldP spid="7" grpId="0"/>
-      <p:bldP spid="9" grpId="0"/>
-      <p:bldP spid="10" grpId="0"/>
-      <p:bldP spid="11" grpId="0"/>
-      <p:bldP spid="16" grpId="0"/>
-      <p:bldP spid="17" grpId="0"/>
-      <p:bldP spid="18" grpId="0"/>
-    </p:bldLst>
-  </p:timing>
-</p:sld>
-</file>
-
-<file path=ppt/slides/slide6.xml><?xml version="1.0" encoding="utf-8"?>
-<p:sld xmlns:a="http://schemas.openxmlformats.org/drawingml/2006/main" xmlns:r="http://schemas.openxmlformats.org/officeDocument/2006/relationships" xmlns:p="http://schemas.openxmlformats.org/presentationml/2006/main">
-  <p:cSld>
-    <p:bg>
-      <p:bgPr>
-        <a:solidFill>
-          <a:schemeClr val="bg1"/>
-        </a:solidFill>
-        <a:effectLst/>
-      </p:bgPr>
-    </p:bg>
-    <p:spTree>
-      <p:nvGrpSpPr>
-        <p:cNvPr id="1" name=""/>
-        <p:cNvGrpSpPr/>
-        <p:nvPr/>
-      </p:nvGrpSpPr>
-      <p:grpSpPr>
-        <a:xfrm>
-          <a:off x="0" y="0"/>
-          <a:ext cx="0" cy="0"/>
-          <a:chOff x="0" y="0"/>
-          <a:chExt cx="0" cy="0"/>
-        </a:xfrm>
-      </p:grpSpPr>
-      <p:pic>
-        <p:nvPicPr>
-          <p:cNvPr id="12" name="Picture 2"/>
-          <p:cNvPicPr>
-            <a:picLocks noChangeAspect="1" noChangeArrowheads="1"/>
-          </p:cNvPicPr>
-          <p:nvPr/>
-        </p:nvPicPr>
-        <p:blipFill>
-          <a:blip r:embed="rId2" cstate="print"/>
-          <a:srcRect/>
-          <a:stretch>
-            <a:fillRect/>
-          </a:stretch>
-        </p:blipFill>
-        <p:spPr bwMode="auto">
-          <a:xfrm>
-            <a:off x="-36512" y="-45374"/>
-            <a:ext cx="9180512" cy="6930758"/>
-          </a:xfrm>
-          <a:prstGeom prst="rect">
-            <a:avLst/>
-          </a:prstGeom>
-          <a:solidFill>
-            <a:schemeClr val="bg1"/>
-          </a:solidFill>
-          <a:ln w="9525">
-            <a:noFill/>
-            <a:miter lim="800000"/>
-            <a:headEnd/>
-            <a:tailEnd/>
-          </a:ln>
-        </p:spPr>
-      </p:pic>
-      <p:pic>
-        <p:nvPicPr>
-          <p:cNvPr id="8" name="Picture 2"/>
-          <p:cNvPicPr>
-            <a:picLocks noChangeAspect="1" noChangeArrowheads="1"/>
-          </p:cNvPicPr>
-          <p:nvPr/>
-        </p:nvPicPr>
-        <p:blipFill>
-          <a:blip r:embed="rId2" cstate="print"/>
-          <a:srcRect/>
-          <a:stretch>
-            <a:fillRect/>
-          </a:stretch>
-        </p:blipFill>
-        <p:spPr bwMode="auto">
-          <a:xfrm>
-            <a:off x="-5210" y="0"/>
-            <a:ext cx="9144000" cy="6930758"/>
-          </a:xfrm>
-          <a:prstGeom prst="rect">
-            <a:avLst/>
-          </a:prstGeom>
-          <a:noFill/>
-          <a:ln w="9525">
-            <a:noFill/>
-            <a:miter lim="800000"/>
-            <a:headEnd/>
-            <a:tailEnd/>
-          </a:ln>
-        </p:spPr>
-      </p:pic>
-      <p:grpSp>
-        <p:nvGrpSpPr>
-          <p:cNvPr id="5" name="그룹 4"/>
-          <p:cNvGrpSpPr/>
-          <p:nvPr/>
-        </p:nvGrpSpPr>
-        <p:grpSpPr>
-          <a:xfrm>
-            <a:off x="2627784" y="972017"/>
-            <a:ext cx="3807713" cy="4545215"/>
-            <a:chOff x="2708503" y="828001"/>
-            <a:chExt cx="3807713" cy="4545215"/>
-          </a:xfrm>
-        </p:grpSpPr>
-        <p:sp>
-          <p:nvSpPr>
-            <p:cNvPr id="9" name="TextBox 8"/>
-            <p:cNvSpPr txBox="1"/>
-            <p:nvPr/>
-          </p:nvSpPr>
-          <p:spPr>
-            <a:xfrm>
-              <a:off x="3779912" y="828001"/>
-              <a:ext cx="1656184" cy="584775"/>
-            </a:xfrm>
-            <a:prstGeom prst="rect">
-              <a:avLst/>
-            </a:prstGeom>
-            <a:noFill/>
-          </p:spPr>
-          <p:txBody>
-            <a:bodyPr wrap="square" rtlCol="0">
-              <a:spAutoFit/>
-              <a:scene3d>
-                <a:camera prst="perspectiveFront"/>
-                <a:lightRig rig="threePt" dir="t"/>
-              </a:scene3d>
-            </a:bodyPr>
-            <a:lstStyle/>
-            <a:p>
-              <a:pPr algn="ctr"/>
-              <a:r>
-                <a:rPr lang="en-US" altLang="ko-KR" sz="3200" dirty="0">
-                  <a:solidFill>
-                    <a:schemeClr val="accent1">
-                      <a:lumMod val="40000"/>
-                      <a:lumOff val="60000"/>
-                    </a:schemeClr>
-                  </a:solidFill>
-                  <a:latin typeface="Bebas Neue" pitchFamily="34" charset="0"/>
-                  <a:ea typeface="-윤고딕330" pitchFamily="18" charset="-127"/>
-                </a:rPr>
-                <a:t>Strength</a:t>
-              </a:r>
-              <a:endParaRPr lang="ko-KR" altLang="en-US" sz="3200" dirty="0">
-                <a:solidFill>
-                  <a:schemeClr val="accent1">
-                    <a:lumMod val="40000"/>
-                    <a:lumOff val="60000"/>
-                  </a:schemeClr>
-                </a:solidFill>
-                <a:latin typeface="Bebas Neue" pitchFamily="34" charset="0"/>
-                <a:ea typeface="-윤고딕330" pitchFamily="18" charset="-127"/>
-              </a:endParaRPr>
-            </a:p>
-          </p:txBody>
-        </p:sp>
-        <p:sp>
-          <p:nvSpPr>
-            <p:cNvPr id="3" name="순서도: 논리합 2"/>
-            <p:cNvSpPr/>
-            <p:nvPr/>
-          </p:nvSpPr>
-          <p:spPr>
-            <a:xfrm>
-              <a:off x="2708503" y="1565503"/>
-              <a:ext cx="3807713" cy="3807713"/>
-            </a:xfrm>
-            <a:prstGeom prst="flowChartOr">
-              <a:avLst/>
-            </a:prstGeom>
-            <a:noFill/>
-            <a:ln w="3175">
-              <a:solidFill>
-                <a:schemeClr val="bg1">
-                  <a:lumMod val="50000"/>
-                  <a:alpha val="18000"/>
-                </a:schemeClr>
-              </a:solidFill>
-            </a:ln>
-            <a:scene3d>
-              <a:camera prst="perspectiveFront"/>
-              <a:lightRig rig="threePt" dir="t"/>
-            </a:scene3d>
-          </p:spPr>
-          <p:style>
-            <a:lnRef idx="2">
-              <a:schemeClr val="accent1">
-                <a:shade val="50000"/>
-              </a:schemeClr>
-            </a:lnRef>
-            <a:fillRef idx="1">
-              <a:schemeClr val="accent1"/>
-            </a:fillRef>
-            <a:effectRef idx="0">
-              <a:schemeClr val="accent1"/>
-            </a:effectRef>
-            <a:fontRef idx="minor">
-              <a:schemeClr val="lt1"/>
-            </a:fontRef>
-          </p:style>
-          <p:txBody>
-            <a:bodyPr rtlCol="0" anchor="ctr"/>
-            <a:lstStyle/>
-            <a:p>
-              <a:pPr algn="ctr"/>
-              <a:endParaRPr lang="ko-KR" altLang="en-US"/>
-            </a:p>
-          </p:txBody>
-        </p:sp>
-      </p:grpSp>
-      <p:grpSp>
-        <p:nvGrpSpPr>
-          <p:cNvPr id="11" name="그룹 10"/>
-          <p:cNvGrpSpPr/>
-          <p:nvPr/>
-        </p:nvGrpSpPr>
-        <p:grpSpPr>
-          <a:xfrm>
-            <a:off x="107504" y="116632"/>
-            <a:ext cx="8784008" cy="369332"/>
-            <a:chOff x="107504" y="116632"/>
-            <a:chExt cx="8784008" cy="369332"/>
-          </a:xfrm>
-        </p:grpSpPr>
-        <p:cxnSp>
-          <p:nvCxnSpPr>
-            <p:cNvPr id="13" name="직선 연결선 12"/>
-            <p:cNvCxnSpPr/>
-            <p:nvPr/>
-          </p:nvCxnSpPr>
-          <p:spPr>
-            <a:xfrm>
-              <a:off x="179512" y="476672"/>
-              <a:ext cx="8712000" cy="0"/>
-            </a:xfrm>
-            <a:prstGeom prst="line">
-              <a:avLst/>
-            </a:prstGeom>
-            <a:ln w="19050">
-              <a:solidFill>
-                <a:schemeClr val="tx1">
-                  <a:lumMod val="75000"/>
-                  <a:lumOff val="25000"/>
-                </a:schemeClr>
-              </a:solidFill>
-            </a:ln>
-            <a:scene3d>
-              <a:camera prst="perspectiveFront"/>
-              <a:lightRig rig="threePt" dir="t"/>
-            </a:scene3d>
-          </p:spPr>
-          <p:style>
-            <a:lnRef idx="1">
-              <a:schemeClr val="accent1"/>
-            </a:lnRef>
-            <a:fillRef idx="0">
-              <a:schemeClr val="accent1"/>
-            </a:fillRef>
-            <a:effectRef idx="0">
-              <a:schemeClr val="accent1"/>
-            </a:effectRef>
-            <a:fontRef idx="minor">
-              <a:schemeClr val="tx1"/>
-            </a:fontRef>
-          </p:style>
-        </p:cxnSp>
-        <p:sp>
-          <p:nvSpPr>
-            <p:cNvPr id="14" name="TextBox 13"/>
-            <p:cNvSpPr txBox="1"/>
-            <p:nvPr/>
-          </p:nvSpPr>
-          <p:spPr>
-            <a:xfrm>
-              <a:off x="107504" y="116632"/>
-              <a:ext cx="3456384" cy="369332"/>
-            </a:xfrm>
-            <a:prstGeom prst="rect">
-              <a:avLst/>
-            </a:prstGeom>
-            <a:noFill/>
-          </p:spPr>
-          <p:txBody>
-            <a:bodyPr wrap="square" rtlCol="0">
-              <a:spAutoFit/>
-              <a:scene3d>
-                <a:camera prst="perspectiveFront"/>
-                <a:lightRig rig="threePt" dir="t"/>
-              </a:scene3d>
-            </a:bodyPr>
-            <a:lstStyle/>
-            <a:p>
-              <a:r>
-                <a:rPr lang="en-US" altLang="ko-KR" dirty="0">
-                  <a:solidFill>
-                    <a:schemeClr val="bg1">
-                      <a:lumMod val="50000"/>
-                    </a:schemeClr>
-                  </a:solidFill>
-                  <a:latin typeface="Bebas Neue" pitchFamily="34" charset="0"/>
-                  <a:ea typeface="-윤고딕330" pitchFamily="18" charset="-127"/>
-                </a:rPr>
-                <a:t>PARTICIPATIORY TALK</a:t>
-              </a:r>
-              <a:endParaRPr lang="ko-KR" altLang="en-US" dirty="0">
-                <a:solidFill>
-                  <a:schemeClr val="bg1">
-                    <a:lumMod val="50000"/>
-                  </a:schemeClr>
-                </a:solidFill>
-                <a:latin typeface="Bebas Neue" pitchFamily="34" charset="0"/>
-                <a:ea typeface="-윤고딕330" pitchFamily="18" charset="-127"/>
-              </a:endParaRPr>
-            </a:p>
-          </p:txBody>
-        </p:sp>
-      </p:grpSp>
-    </p:spTree>
-    <p:extLst>
-      <p:ext uri="{BB962C8B-B14F-4D97-AF65-F5344CB8AC3E}">
-        <p14:creationId xmlns:p14="http://schemas.microsoft.com/office/powerpoint/2010/main" val="524896851"/>
-      </p:ext>
-    </p:extLst>
-  </p:cSld>
-  <p:clrMapOvr>
-    <a:masterClrMapping/>
-  </p:clrMapOvr>
-</p:sld>
-</file>
-
-<file path=ppt/slides/slide7.xml><?xml version="1.0" encoding="utf-8"?>
-<p:sld xmlns:a="http://schemas.openxmlformats.org/drawingml/2006/main" xmlns:r="http://schemas.openxmlformats.org/officeDocument/2006/relationships" xmlns:p="http://schemas.openxmlformats.org/presentationml/2006/main">
-  <p:cSld>
-    <p:bg>
-      <p:bgPr>
-        <a:solidFill>
-          <a:schemeClr val="bg1"/>
-        </a:solidFill>
-        <a:effectLst/>
-      </p:bgPr>
-    </p:bg>
-    <p:spTree>
-      <p:nvGrpSpPr>
-        <p:cNvPr id="1" name=""/>
-        <p:cNvGrpSpPr/>
-        <p:nvPr/>
-      </p:nvGrpSpPr>
-      <p:grpSpPr>
-        <a:xfrm>
-          <a:off x="0" y="0"/>
-          <a:ext cx="0" cy="0"/>
-          <a:chOff x="0" y="0"/>
-          <a:chExt cx="0" cy="0"/>
-        </a:xfrm>
-      </p:grpSpPr>
-      <p:pic>
-        <p:nvPicPr>
-          <p:cNvPr id="12" name="Picture 2"/>
-          <p:cNvPicPr>
-            <a:picLocks noChangeAspect="1" noChangeArrowheads="1"/>
-          </p:cNvPicPr>
-          <p:nvPr/>
-        </p:nvPicPr>
-        <p:blipFill>
-          <a:blip r:embed="rId2" cstate="print"/>
-          <a:srcRect/>
-          <a:stretch>
-            <a:fillRect/>
-          </a:stretch>
-        </p:blipFill>
-        <p:spPr bwMode="auto">
-          <a:xfrm>
-            <a:off x="-36512" y="-45374"/>
-            <a:ext cx="9180512" cy="6930758"/>
-          </a:xfrm>
-          <a:prstGeom prst="rect">
-            <a:avLst/>
-          </a:prstGeom>
-          <a:solidFill>
-            <a:schemeClr val="bg1"/>
-          </a:solidFill>
-          <a:ln w="9525">
-            <a:noFill/>
-            <a:miter lim="800000"/>
-            <a:headEnd/>
-            <a:tailEnd/>
-          </a:ln>
-        </p:spPr>
-      </p:pic>
-      <p:pic>
-        <p:nvPicPr>
-          <p:cNvPr id="8" name="Picture 2"/>
-          <p:cNvPicPr>
-            <a:picLocks noChangeAspect="1" noChangeArrowheads="1"/>
-          </p:cNvPicPr>
-          <p:nvPr/>
-        </p:nvPicPr>
-        <p:blipFill>
-          <a:blip r:embed="rId2" cstate="print"/>
-          <a:srcRect/>
-          <a:stretch>
-            <a:fillRect/>
-          </a:stretch>
-        </p:blipFill>
-        <p:spPr bwMode="auto">
-          <a:xfrm>
-            <a:off x="-5210" y="0"/>
-            <a:ext cx="9144000" cy="6930758"/>
-          </a:xfrm>
-          <a:prstGeom prst="rect">
-            <a:avLst/>
-          </a:prstGeom>
-          <a:noFill/>
-          <a:ln w="9525">
-            <a:noFill/>
-            <a:miter lim="800000"/>
-            <a:headEnd/>
-            <a:tailEnd/>
-          </a:ln>
-        </p:spPr>
-      </p:pic>
-      <p:grpSp>
-        <p:nvGrpSpPr>
-          <p:cNvPr id="5" name="그룹 4"/>
-          <p:cNvGrpSpPr/>
-          <p:nvPr/>
-        </p:nvGrpSpPr>
-        <p:grpSpPr>
-          <a:xfrm>
-            <a:off x="2627784" y="972017"/>
-            <a:ext cx="5823937" cy="4545215"/>
-            <a:chOff x="2708503" y="828001"/>
-            <a:chExt cx="5823937" cy="4545215"/>
-          </a:xfrm>
-        </p:grpSpPr>
-        <p:sp>
-          <p:nvSpPr>
-            <p:cNvPr id="9" name="TextBox 8"/>
-            <p:cNvSpPr txBox="1"/>
-            <p:nvPr/>
-          </p:nvSpPr>
-          <p:spPr>
-            <a:xfrm>
-              <a:off x="3779912" y="828001"/>
-              <a:ext cx="1656184" cy="584775"/>
-            </a:xfrm>
-            <a:prstGeom prst="rect">
-              <a:avLst/>
-            </a:prstGeom>
-            <a:noFill/>
-          </p:spPr>
-          <p:txBody>
-            <a:bodyPr wrap="square" rtlCol="0">
-              <a:spAutoFit/>
-              <a:scene3d>
-                <a:camera prst="perspectiveFront"/>
-                <a:lightRig rig="threePt" dir="t"/>
-              </a:scene3d>
-            </a:bodyPr>
-            <a:lstStyle/>
-            <a:p>
-              <a:pPr algn="ctr"/>
-              <a:r>
-                <a:rPr lang="en-US" altLang="ko-KR" sz="3200" dirty="0">
-                  <a:solidFill>
-                    <a:schemeClr val="bg1"/>
-                  </a:solidFill>
-                  <a:latin typeface="Bebas Neue" pitchFamily="34" charset="0"/>
-                  <a:ea typeface="-윤고딕330" pitchFamily="18" charset="-127"/>
-                </a:rPr>
-                <a:t>Strength</a:t>
-              </a:r>
-              <a:endParaRPr lang="ko-KR" altLang="en-US" sz="3200" dirty="0">
-                <a:solidFill>
-                  <a:schemeClr val="bg1"/>
-                </a:solidFill>
-                <a:latin typeface="Bebas Neue" pitchFamily="34" charset="0"/>
-                <a:ea typeface="-윤고딕330" pitchFamily="18" charset="-127"/>
-              </a:endParaRPr>
-            </a:p>
-          </p:txBody>
-        </p:sp>
-        <p:sp>
-          <p:nvSpPr>
-            <p:cNvPr id="16" name="TextBox 15"/>
-            <p:cNvSpPr txBox="1"/>
-            <p:nvPr/>
-          </p:nvSpPr>
-          <p:spPr>
-            <a:xfrm>
-              <a:off x="6876256" y="3140968"/>
-              <a:ext cx="1656184" cy="584775"/>
-            </a:xfrm>
-            <a:prstGeom prst="rect">
-              <a:avLst/>
-            </a:prstGeom>
-            <a:noFill/>
-          </p:spPr>
-          <p:txBody>
-            <a:bodyPr wrap="square" rtlCol="0">
-              <a:spAutoFit/>
-              <a:scene3d>
-                <a:camera prst="perspectiveFront"/>
-                <a:lightRig rig="threePt" dir="t"/>
-              </a:scene3d>
-            </a:bodyPr>
-            <a:lstStyle/>
-            <a:p>
-              <a:pPr algn="ctr"/>
-              <a:r>
-                <a:rPr lang="en-US" altLang="ko-KR" sz="3200" dirty="0">
-                  <a:solidFill>
-                    <a:schemeClr val="accent1">
-                      <a:lumMod val="40000"/>
-                      <a:lumOff val="60000"/>
-                    </a:schemeClr>
-                  </a:solidFill>
-                  <a:latin typeface="Bebas Neue" pitchFamily="34" charset="0"/>
-                  <a:ea typeface="-윤고딕330" pitchFamily="18" charset="-127"/>
-                </a:rPr>
-                <a:t>weakness</a:t>
-              </a:r>
-              <a:endParaRPr lang="ko-KR" altLang="en-US" sz="3200" dirty="0">
-                <a:solidFill>
-                  <a:schemeClr val="accent1">
-                    <a:lumMod val="40000"/>
-                    <a:lumOff val="60000"/>
-                  </a:schemeClr>
-                </a:solidFill>
-                <a:latin typeface="Bebas Neue" pitchFamily="34" charset="0"/>
-                <a:ea typeface="-윤고딕330" pitchFamily="18" charset="-127"/>
-              </a:endParaRPr>
-            </a:p>
-          </p:txBody>
-        </p:sp>
-        <p:sp>
-          <p:nvSpPr>
-            <p:cNvPr id="3" name="순서도: 논리합 2"/>
-            <p:cNvSpPr/>
-            <p:nvPr/>
-          </p:nvSpPr>
-          <p:spPr>
-            <a:xfrm>
-              <a:off x="2708503" y="1565503"/>
-              <a:ext cx="3807713" cy="3807713"/>
-            </a:xfrm>
-            <a:prstGeom prst="flowChartOr">
-              <a:avLst/>
-            </a:prstGeom>
-            <a:noFill/>
-            <a:ln w="3175">
-              <a:solidFill>
-                <a:schemeClr val="bg1">
-                  <a:lumMod val="50000"/>
-                  <a:alpha val="18000"/>
-                </a:schemeClr>
-              </a:solidFill>
-            </a:ln>
-            <a:scene3d>
-              <a:camera prst="perspectiveFront"/>
-              <a:lightRig rig="threePt" dir="t"/>
-            </a:scene3d>
-          </p:spPr>
-          <p:style>
-            <a:lnRef idx="2">
-              <a:schemeClr val="accent1">
-                <a:shade val="50000"/>
-              </a:schemeClr>
-            </a:lnRef>
-            <a:fillRef idx="1">
-              <a:schemeClr val="accent1"/>
-            </a:fillRef>
-            <a:effectRef idx="0">
-              <a:schemeClr val="accent1"/>
-            </a:effectRef>
-            <a:fontRef idx="minor">
-              <a:schemeClr val="lt1"/>
-            </a:fontRef>
-          </p:style>
-          <p:txBody>
-            <a:bodyPr rtlCol="0" anchor="ctr"/>
-            <a:lstStyle/>
-            <a:p>
-              <a:pPr algn="ctr"/>
-              <a:endParaRPr lang="ko-KR" altLang="en-US"/>
-            </a:p>
-          </p:txBody>
-        </p:sp>
-      </p:grpSp>
-      <p:grpSp>
-        <p:nvGrpSpPr>
-          <p:cNvPr id="13" name="그룹 12"/>
-          <p:cNvGrpSpPr/>
-          <p:nvPr/>
-        </p:nvGrpSpPr>
-        <p:grpSpPr>
-          <a:xfrm>
-            <a:off x="107504" y="116632"/>
-            <a:ext cx="8784008" cy="369332"/>
-            <a:chOff x="107504" y="116632"/>
-            <a:chExt cx="8784008" cy="369332"/>
-          </a:xfrm>
-        </p:grpSpPr>
-        <p:cxnSp>
-          <p:nvCxnSpPr>
-            <p:cNvPr id="14" name="직선 연결선 13"/>
-            <p:cNvCxnSpPr/>
-            <p:nvPr/>
-          </p:nvCxnSpPr>
-          <p:spPr>
-            <a:xfrm>
-              <a:off x="179512" y="476672"/>
-              <a:ext cx="8712000" cy="0"/>
-            </a:xfrm>
-            <a:prstGeom prst="line">
-              <a:avLst/>
-            </a:prstGeom>
-            <a:ln w="19050">
-              <a:solidFill>
-                <a:schemeClr val="tx1">
-                  <a:lumMod val="75000"/>
-                  <a:lumOff val="25000"/>
-                </a:schemeClr>
-              </a:solidFill>
-            </a:ln>
-            <a:scene3d>
-              <a:camera prst="perspectiveFront"/>
-              <a:lightRig rig="threePt" dir="t"/>
-            </a:scene3d>
-          </p:spPr>
-          <p:style>
-            <a:lnRef idx="1">
-              <a:schemeClr val="accent1"/>
-            </a:lnRef>
-            <a:fillRef idx="0">
-              <a:schemeClr val="accent1"/>
-            </a:fillRef>
-            <a:effectRef idx="0">
-              <a:schemeClr val="accent1"/>
-            </a:effectRef>
-            <a:fontRef idx="minor">
-              <a:schemeClr val="tx1"/>
-            </a:fontRef>
-          </p:style>
-        </p:cxnSp>
-        <p:sp>
-          <p:nvSpPr>
-            <p:cNvPr id="15" name="TextBox 14"/>
-            <p:cNvSpPr txBox="1"/>
-            <p:nvPr/>
-          </p:nvSpPr>
-          <p:spPr>
-            <a:xfrm>
-              <a:off x="107504" y="116632"/>
-              <a:ext cx="3456384" cy="369332"/>
-            </a:xfrm>
-            <a:prstGeom prst="rect">
-              <a:avLst/>
-            </a:prstGeom>
-            <a:noFill/>
-          </p:spPr>
-          <p:txBody>
-            <a:bodyPr wrap="square" rtlCol="0">
-              <a:spAutoFit/>
-              <a:scene3d>
-                <a:camera prst="perspectiveFront"/>
-                <a:lightRig rig="threePt" dir="t"/>
-              </a:scene3d>
-            </a:bodyPr>
-            <a:lstStyle/>
-            <a:p>
-              <a:r>
-                <a:rPr lang="en-US" altLang="ko-KR" dirty="0">
-                  <a:solidFill>
-                    <a:schemeClr val="bg1">
-                      <a:lumMod val="50000"/>
-                    </a:schemeClr>
-                  </a:solidFill>
-                  <a:latin typeface="Bebas Neue" pitchFamily="34" charset="0"/>
-                  <a:ea typeface="-윤고딕330" pitchFamily="18" charset="-127"/>
-                </a:rPr>
-                <a:t>PARTICIPATIORY TALK</a:t>
-              </a:r>
-              <a:endParaRPr lang="ko-KR" altLang="en-US" dirty="0">
-                <a:solidFill>
-                  <a:schemeClr val="bg1">
-                    <a:lumMod val="50000"/>
-                  </a:schemeClr>
-                </a:solidFill>
-                <a:latin typeface="Bebas Neue" pitchFamily="34" charset="0"/>
-                <a:ea typeface="-윤고딕330" pitchFamily="18" charset="-127"/>
-              </a:endParaRPr>
-            </a:p>
-          </p:txBody>
-        </p:sp>
-      </p:grpSp>
-    </p:spTree>
-    <p:extLst>
-      <p:ext uri="{BB962C8B-B14F-4D97-AF65-F5344CB8AC3E}">
-        <p14:creationId xmlns:p14="http://schemas.microsoft.com/office/powerpoint/2010/main" val="3848925653"/>
-      </p:ext>
-    </p:extLst>
-  </p:cSld>
-  <p:clrMapOvr>
-    <a:masterClrMapping/>
-  </p:clrMapOvr>
-</p:sld>
-</file>
-
-<file path=ppt/slides/slide8.xml><?xml version="1.0" encoding="utf-8"?>
-<p:sld xmlns:a="http://schemas.openxmlformats.org/drawingml/2006/main" xmlns:r="http://schemas.openxmlformats.org/officeDocument/2006/relationships" xmlns:p="http://schemas.openxmlformats.org/presentationml/2006/main">
-  <p:cSld>
-    <p:bg>
-      <p:bgPr>
-        <a:solidFill>
-          <a:schemeClr val="bg1"/>
-        </a:solidFill>
-        <a:effectLst/>
-      </p:bgPr>
-    </p:bg>
-    <p:spTree>
-      <p:nvGrpSpPr>
-        <p:cNvPr id="1" name=""/>
-        <p:cNvGrpSpPr/>
-        <p:nvPr/>
-      </p:nvGrpSpPr>
-      <p:grpSpPr>
-        <a:xfrm>
-          <a:off x="0" y="0"/>
-          <a:ext cx="0" cy="0"/>
-          <a:chOff x="0" y="0"/>
-          <a:chExt cx="0" cy="0"/>
-        </a:xfrm>
-      </p:grpSpPr>
-      <p:pic>
-        <p:nvPicPr>
-          <p:cNvPr id="12" name="Picture 2"/>
-          <p:cNvPicPr>
-            <a:picLocks noChangeAspect="1" noChangeArrowheads="1"/>
-          </p:cNvPicPr>
-          <p:nvPr/>
-        </p:nvPicPr>
-        <p:blipFill>
-          <a:blip r:embed="rId2" cstate="print"/>
-          <a:srcRect/>
-          <a:stretch>
-            <a:fillRect/>
-          </a:stretch>
-        </p:blipFill>
-        <p:spPr bwMode="auto">
-          <a:xfrm>
-            <a:off x="-36512" y="-45374"/>
-            <a:ext cx="9180512" cy="6930758"/>
-          </a:xfrm>
-          <a:prstGeom prst="rect">
-            <a:avLst/>
-          </a:prstGeom>
-          <a:solidFill>
-            <a:schemeClr val="bg1"/>
-          </a:solidFill>
-          <a:ln w="9525">
-            <a:noFill/>
-            <a:miter lim="800000"/>
-            <a:headEnd/>
-            <a:tailEnd/>
-          </a:ln>
-        </p:spPr>
-      </p:pic>
-      <p:pic>
-        <p:nvPicPr>
-          <p:cNvPr id="8" name="Picture 2"/>
-          <p:cNvPicPr>
-            <a:picLocks noChangeAspect="1" noChangeArrowheads="1"/>
-          </p:cNvPicPr>
-          <p:nvPr/>
-        </p:nvPicPr>
-        <p:blipFill>
-          <a:blip r:embed="rId2" cstate="print"/>
-          <a:srcRect/>
-          <a:stretch>
-            <a:fillRect/>
-          </a:stretch>
-        </p:blipFill>
-        <p:spPr bwMode="auto">
-          <a:xfrm>
-            <a:off x="-5210" y="0"/>
-            <a:ext cx="9144000" cy="6930758"/>
-          </a:xfrm>
-          <a:prstGeom prst="rect">
-            <a:avLst/>
-          </a:prstGeom>
-          <a:noFill/>
-          <a:ln w="9525">
-            <a:noFill/>
-            <a:miter lim="800000"/>
-            <a:headEnd/>
-            <a:tailEnd/>
-          </a:ln>
-        </p:spPr>
-      </p:pic>
-      <p:grpSp>
-        <p:nvGrpSpPr>
-          <p:cNvPr id="15" name="그룹 14"/>
-          <p:cNvGrpSpPr/>
-          <p:nvPr/>
-        </p:nvGrpSpPr>
-        <p:grpSpPr>
-          <a:xfrm>
-            <a:off x="107504" y="116632"/>
-            <a:ext cx="8784008" cy="369332"/>
-            <a:chOff x="107504" y="116632"/>
-            <a:chExt cx="8784008" cy="369332"/>
-          </a:xfrm>
-        </p:grpSpPr>
-        <p:cxnSp>
-          <p:nvCxnSpPr>
-            <p:cNvPr id="17" name="직선 연결선 16"/>
-            <p:cNvCxnSpPr/>
-            <p:nvPr/>
-          </p:nvCxnSpPr>
-          <p:spPr>
-            <a:xfrm>
-              <a:off x="179512" y="476672"/>
-              <a:ext cx="8712000" cy="0"/>
-            </a:xfrm>
-            <a:prstGeom prst="line">
-              <a:avLst/>
-            </a:prstGeom>
-            <a:ln w="19050">
-              <a:solidFill>
-                <a:schemeClr val="tx1">
-                  <a:lumMod val="75000"/>
-                  <a:lumOff val="25000"/>
-                </a:schemeClr>
-              </a:solidFill>
-            </a:ln>
-            <a:scene3d>
-              <a:camera prst="perspectiveFront"/>
-              <a:lightRig rig="threePt" dir="t"/>
-            </a:scene3d>
-          </p:spPr>
-          <p:style>
-            <a:lnRef idx="1">
-              <a:schemeClr val="accent1"/>
-            </a:lnRef>
-            <a:fillRef idx="0">
-              <a:schemeClr val="accent1"/>
-            </a:fillRef>
-            <a:effectRef idx="0">
-              <a:schemeClr val="accent1"/>
-            </a:effectRef>
-            <a:fontRef idx="minor">
-              <a:schemeClr val="tx1"/>
-            </a:fontRef>
-          </p:style>
-        </p:cxnSp>
-        <p:sp>
-          <p:nvSpPr>
-            <p:cNvPr id="18" name="TextBox 17"/>
-            <p:cNvSpPr txBox="1"/>
-            <p:nvPr/>
-          </p:nvSpPr>
-          <p:spPr>
-            <a:xfrm>
-              <a:off x="107504" y="116632"/>
-              <a:ext cx="3456384" cy="369332"/>
-            </a:xfrm>
-            <a:prstGeom prst="rect">
-              <a:avLst/>
-            </a:prstGeom>
-            <a:noFill/>
-          </p:spPr>
-          <p:txBody>
-            <a:bodyPr wrap="square" rtlCol="0">
-              <a:spAutoFit/>
-              <a:scene3d>
-                <a:camera prst="perspectiveFront"/>
-                <a:lightRig rig="threePt" dir="t"/>
-              </a:scene3d>
-            </a:bodyPr>
-            <a:lstStyle/>
-            <a:p>
-              <a:r>
-                <a:rPr lang="en-US" altLang="ko-KR" dirty="0">
-                  <a:solidFill>
-                    <a:schemeClr val="bg1">
-                      <a:lumMod val="50000"/>
-                    </a:schemeClr>
-                  </a:solidFill>
-                  <a:latin typeface="Bebas Neue" pitchFamily="34" charset="0"/>
-                  <a:ea typeface="-윤고딕330" pitchFamily="18" charset="-127"/>
-                </a:rPr>
-                <a:t>PARTICIPATIORY TALK</a:t>
-              </a:r>
-              <a:endParaRPr lang="ko-KR" altLang="en-US" dirty="0">
-                <a:solidFill>
-                  <a:schemeClr val="bg1">
-                    <a:lumMod val="50000"/>
-                  </a:schemeClr>
-                </a:solidFill>
-                <a:latin typeface="Bebas Neue" pitchFamily="34" charset="0"/>
-                <a:ea typeface="-윤고딕330" pitchFamily="18" charset="-127"/>
-              </a:endParaRPr>
-            </a:p>
-          </p:txBody>
-        </p:sp>
-      </p:grpSp>
-      <p:grpSp>
-        <p:nvGrpSpPr>
-          <p:cNvPr id="2" name="그룹 1"/>
-          <p:cNvGrpSpPr/>
-          <p:nvPr/>
-        </p:nvGrpSpPr>
-        <p:grpSpPr>
-          <a:xfrm>
-            <a:off x="2627784" y="980728"/>
-            <a:ext cx="5823937" cy="5328592"/>
-            <a:chOff x="2627784" y="980728"/>
-            <a:chExt cx="5823937" cy="5328592"/>
-          </a:xfrm>
-        </p:grpSpPr>
-        <p:grpSp>
-          <p:nvGrpSpPr>
-            <p:cNvPr id="6" name="그룹 5"/>
-            <p:cNvGrpSpPr/>
-            <p:nvPr/>
-          </p:nvGrpSpPr>
-          <p:grpSpPr>
-            <a:xfrm>
-              <a:off x="2627784" y="980728"/>
-              <a:ext cx="3807713" cy="5328592"/>
-              <a:chOff x="2708503" y="1052736"/>
-              <a:chExt cx="3807713" cy="5328592"/>
-            </a:xfrm>
-          </p:grpSpPr>
-          <p:sp>
-            <p:nvSpPr>
-              <p:cNvPr id="9" name="TextBox 8"/>
-              <p:cNvSpPr txBox="1"/>
-              <p:nvPr/>
-            </p:nvSpPr>
-            <p:spPr>
-              <a:xfrm>
-                <a:off x="3779912" y="1052736"/>
-                <a:ext cx="1656184" cy="584775"/>
-              </a:xfrm>
-              <a:prstGeom prst="rect">
-                <a:avLst/>
-              </a:prstGeom>
-              <a:noFill/>
-            </p:spPr>
-            <p:txBody>
-              <a:bodyPr wrap="square" rtlCol="0">
-                <a:spAutoFit/>
-                <a:scene3d>
-                  <a:camera prst="perspectiveFront"/>
-                  <a:lightRig rig="threePt" dir="t"/>
-                </a:scene3d>
-              </a:bodyPr>
-              <a:lstStyle/>
-              <a:p>
-                <a:pPr algn="ctr"/>
-                <a:r>
-                  <a:rPr lang="en-US" altLang="ko-KR" sz="3200" dirty="0">
-                    <a:solidFill>
-                      <a:schemeClr val="bg1"/>
-                    </a:solidFill>
-                    <a:latin typeface="Bebas Neue" pitchFamily="34" charset="0"/>
-                    <a:ea typeface="-윤고딕330" pitchFamily="18" charset="-127"/>
-                  </a:rPr>
-                  <a:t>Strength</a:t>
-                </a:r>
-                <a:endParaRPr lang="ko-KR" altLang="en-US" sz="3200" dirty="0">
-                  <a:solidFill>
-                    <a:schemeClr val="bg1"/>
-                  </a:solidFill>
-                  <a:latin typeface="Bebas Neue" pitchFamily="34" charset="0"/>
-                  <a:ea typeface="-윤고딕330" pitchFamily="18" charset="-127"/>
-                </a:endParaRPr>
-              </a:p>
-            </p:txBody>
-          </p:sp>
-          <p:sp>
-            <p:nvSpPr>
-              <p:cNvPr id="11" name="TextBox 10"/>
-              <p:cNvSpPr txBox="1"/>
-              <p:nvPr/>
-            </p:nvSpPr>
-            <p:spPr>
-              <a:xfrm>
-                <a:off x="3563888" y="5796553"/>
-                <a:ext cx="2160240" cy="584775"/>
-              </a:xfrm>
-              <a:prstGeom prst="rect">
-                <a:avLst/>
-              </a:prstGeom>
-              <a:noFill/>
-            </p:spPr>
-            <p:txBody>
-              <a:bodyPr wrap="square" rtlCol="0">
-                <a:spAutoFit/>
-                <a:scene3d>
-                  <a:camera prst="perspectiveFront"/>
-                  <a:lightRig rig="threePt" dir="t"/>
-                </a:scene3d>
-              </a:bodyPr>
-              <a:lstStyle/>
-              <a:p>
-                <a:pPr algn="ctr"/>
-                <a:r>
-                  <a:rPr lang="en-US" altLang="ko-KR" sz="3200" dirty="0">
-                    <a:solidFill>
-                      <a:schemeClr val="accent1">
-                        <a:lumMod val="40000"/>
-                        <a:lumOff val="60000"/>
-                      </a:schemeClr>
-                    </a:solidFill>
-                    <a:latin typeface="Bebas Neue" pitchFamily="34" charset="0"/>
-                    <a:ea typeface="-윤고딕330" pitchFamily="18" charset="-127"/>
-                  </a:rPr>
-                  <a:t>Opportunity</a:t>
-                </a:r>
-                <a:endParaRPr lang="ko-KR" altLang="en-US" sz="3200" dirty="0">
-                  <a:solidFill>
-                    <a:schemeClr val="accent1">
-                      <a:lumMod val="40000"/>
-                      <a:lumOff val="60000"/>
-                    </a:schemeClr>
-                  </a:solidFill>
-                  <a:latin typeface="Bebas Neue" pitchFamily="34" charset="0"/>
-                  <a:ea typeface="-윤고딕330" pitchFamily="18" charset="-127"/>
-                </a:endParaRPr>
-              </a:p>
-            </p:txBody>
-          </p:sp>
-          <p:sp>
-            <p:nvSpPr>
-              <p:cNvPr id="3" name="순서도: 논리합 2"/>
-              <p:cNvSpPr/>
-              <p:nvPr/>
-            </p:nvSpPr>
-            <p:spPr>
-              <a:xfrm>
-                <a:off x="2708503" y="1772816"/>
-                <a:ext cx="3807713" cy="3807713"/>
-              </a:xfrm>
-              <a:prstGeom prst="flowChartOr">
-                <a:avLst/>
-              </a:prstGeom>
-              <a:noFill/>
-              <a:ln w="3175">
-                <a:solidFill>
-                  <a:schemeClr val="bg1">
-                    <a:lumMod val="50000"/>
-                    <a:alpha val="18000"/>
-                  </a:schemeClr>
-                </a:solidFill>
-              </a:ln>
-              <a:scene3d>
-                <a:camera prst="perspectiveFront"/>
-                <a:lightRig rig="threePt" dir="t"/>
-              </a:scene3d>
-            </p:spPr>
-            <p:style>
-              <a:lnRef idx="2">
-                <a:schemeClr val="accent1">
-                  <a:shade val="50000"/>
-                </a:schemeClr>
-              </a:lnRef>
-              <a:fillRef idx="1">
-                <a:schemeClr val="accent1"/>
-              </a:fillRef>
-              <a:effectRef idx="0">
-                <a:schemeClr val="accent1"/>
-              </a:effectRef>
-              <a:fontRef idx="minor">
-                <a:schemeClr val="lt1"/>
-              </a:fontRef>
-            </p:style>
-            <p:txBody>
-              <a:bodyPr rtlCol="0" anchor="ctr"/>
-              <a:lstStyle/>
-              <a:p>
-                <a:pPr algn="ctr"/>
-                <a:endParaRPr lang="ko-KR" altLang="en-US"/>
-              </a:p>
-            </p:txBody>
-          </p:sp>
-        </p:grpSp>
-        <p:sp>
-          <p:nvSpPr>
-            <p:cNvPr id="19" name="TextBox 18"/>
-            <p:cNvSpPr txBox="1"/>
-            <p:nvPr/>
-          </p:nvSpPr>
-          <p:spPr>
-            <a:xfrm>
-              <a:off x="6795537" y="3284984"/>
-              <a:ext cx="1656184" cy="584775"/>
-            </a:xfrm>
-            <a:prstGeom prst="rect">
-              <a:avLst/>
-            </a:prstGeom>
-            <a:noFill/>
-          </p:spPr>
-          <p:txBody>
-            <a:bodyPr wrap="square" rtlCol="0">
-              <a:spAutoFit/>
-              <a:scene3d>
-                <a:camera prst="perspectiveFront"/>
-                <a:lightRig rig="threePt" dir="t"/>
-              </a:scene3d>
-            </a:bodyPr>
-            <a:lstStyle/>
-            <a:p>
-              <a:pPr algn="ctr"/>
-              <a:r>
-                <a:rPr lang="en-US" altLang="ko-KR" sz="3200" dirty="0">
-                  <a:solidFill>
-                    <a:schemeClr val="bg1"/>
-                  </a:solidFill>
-                  <a:latin typeface="Bebas Neue" pitchFamily="34" charset="0"/>
-                  <a:ea typeface="-윤고딕330" pitchFamily="18" charset="-127"/>
-                </a:rPr>
-                <a:t>weakness</a:t>
-              </a:r>
-              <a:endParaRPr lang="ko-KR" altLang="en-US" sz="3200" dirty="0">
-                <a:solidFill>
-                  <a:schemeClr val="bg1"/>
-                </a:solidFill>
-                <a:latin typeface="Bebas Neue" pitchFamily="34" charset="0"/>
-                <a:ea typeface="-윤고딕330" pitchFamily="18" charset="-127"/>
-              </a:endParaRPr>
-            </a:p>
-          </p:txBody>
-        </p:sp>
-      </p:grpSp>
-    </p:spTree>
-    <p:extLst>
-      <p:ext uri="{BB962C8B-B14F-4D97-AF65-F5344CB8AC3E}">
-        <p14:creationId xmlns:p14="http://schemas.microsoft.com/office/powerpoint/2010/main" val="3287951496"/>
-      </p:ext>
-    </p:extLst>
-  </p:cSld>
-  <p:clrMapOvr>
-    <a:masterClrMapping/>
-  </p:clrMapOvr>
-</p:sld>
-</file>
-
-<file path=ppt/slides/slide9.xml><?xml version="1.0" encoding="utf-8"?>
-<p:sld xmlns:a="http://schemas.openxmlformats.org/drawingml/2006/main" xmlns:r="http://schemas.openxmlformats.org/officeDocument/2006/relationships" xmlns:p="http://schemas.openxmlformats.org/presentationml/2006/main">
-  <p:cSld>
-    <p:bg>
-      <p:bgPr>
-        <a:solidFill>
-          <a:schemeClr val="bg1"/>
-        </a:solidFill>
-        <a:effectLst/>
-      </p:bgPr>
-    </p:bg>
-    <p:spTree>
-      <p:nvGrpSpPr>
-        <p:cNvPr id="1" name=""/>
-        <p:cNvGrpSpPr/>
-        <p:nvPr/>
-      </p:nvGrpSpPr>
-      <p:grpSpPr>
-        <a:xfrm>
-          <a:off x="0" y="0"/>
-          <a:ext cx="0" cy="0"/>
-          <a:chOff x="0" y="0"/>
-          <a:chExt cx="0" cy="0"/>
-        </a:xfrm>
-      </p:grpSpPr>
-      <p:pic>
-        <p:nvPicPr>
-          <p:cNvPr id="12" name="Picture 2"/>
-          <p:cNvPicPr>
-            <a:picLocks noChangeAspect="1" noChangeArrowheads="1"/>
-          </p:cNvPicPr>
-          <p:nvPr/>
-        </p:nvPicPr>
-        <p:blipFill>
-          <a:blip r:embed="rId2" cstate="print"/>
-          <a:srcRect/>
-          <a:stretch>
-            <a:fillRect/>
-          </a:stretch>
-        </p:blipFill>
-        <p:spPr bwMode="auto">
-          <a:xfrm>
-            <a:off x="-36512" y="-45374"/>
-            <a:ext cx="9180512" cy="6930758"/>
-          </a:xfrm>
-          <a:prstGeom prst="rect">
-            <a:avLst/>
-          </a:prstGeom>
-          <a:solidFill>
-            <a:schemeClr val="bg1"/>
-          </a:solidFill>
-          <a:ln w="9525">
-            <a:noFill/>
-            <a:miter lim="800000"/>
-            <a:headEnd/>
-            <a:tailEnd/>
-          </a:ln>
-        </p:spPr>
-      </p:pic>
-      <p:pic>
-        <p:nvPicPr>
-          <p:cNvPr id="8" name="Picture 2"/>
-          <p:cNvPicPr>
-            <a:picLocks noChangeAspect="1" noChangeArrowheads="1"/>
-          </p:cNvPicPr>
-          <p:nvPr/>
-        </p:nvPicPr>
-        <p:blipFill>
-          <a:blip r:embed="rId2" cstate="print"/>
-          <a:srcRect/>
-          <a:stretch>
-            <a:fillRect/>
-          </a:stretch>
-        </p:blipFill>
-        <p:spPr bwMode="auto">
-          <a:xfrm>
-            <a:off x="-5210" y="0"/>
-            <a:ext cx="9144000" cy="6930758"/>
-          </a:xfrm>
-          <a:prstGeom prst="rect">
-            <a:avLst/>
-          </a:prstGeom>
-          <a:noFill/>
-          <a:ln w="9525">
-            <a:noFill/>
-            <a:miter lim="800000"/>
-            <a:headEnd/>
-            <a:tailEnd/>
-          </a:ln>
-        </p:spPr>
-      </p:pic>
-      <p:grpSp>
-        <p:nvGrpSpPr>
-          <p:cNvPr id="15" name="그룹 14"/>
-          <p:cNvGrpSpPr/>
-          <p:nvPr/>
-        </p:nvGrpSpPr>
-        <p:grpSpPr>
-          <a:xfrm>
-            <a:off x="107504" y="116632"/>
-            <a:ext cx="8784008" cy="369332"/>
-            <a:chOff x="107504" y="116632"/>
-            <a:chExt cx="8784008" cy="369332"/>
-          </a:xfrm>
-        </p:grpSpPr>
-        <p:cxnSp>
-          <p:nvCxnSpPr>
-            <p:cNvPr id="17" name="직선 연결선 16"/>
-            <p:cNvCxnSpPr/>
-            <p:nvPr/>
-          </p:nvCxnSpPr>
-          <p:spPr>
-            <a:xfrm>
-              <a:off x="179512" y="476672"/>
-              <a:ext cx="8712000" cy="0"/>
-            </a:xfrm>
-            <a:prstGeom prst="line">
-              <a:avLst/>
-            </a:prstGeom>
-            <a:ln w="19050">
-              <a:solidFill>
-                <a:schemeClr val="tx1">
-                  <a:lumMod val="75000"/>
-                  <a:lumOff val="25000"/>
-                </a:schemeClr>
-              </a:solidFill>
-            </a:ln>
-            <a:scene3d>
-              <a:camera prst="perspectiveFront"/>
-              <a:lightRig rig="threePt" dir="t"/>
-            </a:scene3d>
-          </p:spPr>
-          <p:style>
-            <a:lnRef idx="1">
-              <a:schemeClr val="accent1"/>
-            </a:lnRef>
-            <a:fillRef idx="0">
-              <a:schemeClr val="accent1"/>
-            </a:fillRef>
-            <a:effectRef idx="0">
-              <a:schemeClr val="accent1"/>
-            </a:effectRef>
-            <a:fontRef idx="minor">
-              <a:schemeClr val="tx1"/>
-            </a:fontRef>
-          </p:style>
-        </p:cxnSp>
-        <p:sp>
-          <p:nvSpPr>
-            <p:cNvPr id="18" name="TextBox 17"/>
-            <p:cNvSpPr txBox="1"/>
-            <p:nvPr/>
-          </p:nvSpPr>
-          <p:spPr>
-            <a:xfrm>
-              <a:off x="107504" y="116632"/>
-              <a:ext cx="3456384" cy="369332"/>
-            </a:xfrm>
-            <a:prstGeom prst="rect">
-              <a:avLst/>
-            </a:prstGeom>
-            <a:noFill/>
-          </p:spPr>
-          <p:txBody>
-            <a:bodyPr wrap="square" rtlCol="0">
-              <a:spAutoFit/>
-              <a:scene3d>
-                <a:camera prst="perspectiveFront"/>
-                <a:lightRig rig="threePt" dir="t"/>
-              </a:scene3d>
-            </a:bodyPr>
-            <a:lstStyle/>
-            <a:p>
-              <a:r>
-                <a:rPr lang="en-US" altLang="ko-KR" dirty="0">
-                  <a:solidFill>
-                    <a:schemeClr val="bg1">
-                      <a:lumMod val="50000"/>
-                    </a:schemeClr>
-                  </a:solidFill>
-                  <a:latin typeface="Bebas Neue" pitchFamily="34" charset="0"/>
-                  <a:ea typeface="-윤고딕330" pitchFamily="18" charset="-127"/>
-                </a:rPr>
-                <a:t>PARTICIPATIORY TALK</a:t>
-              </a:r>
-              <a:endParaRPr lang="ko-KR" altLang="en-US" dirty="0">
-                <a:solidFill>
-                  <a:schemeClr val="bg1">
-                    <a:lumMod val="50000"/>
-                  </a:schemeClr>
-                </a:solidFill>
-                <a:latin typeface="Bebas Neue" pitchFamily="34" charset="0"/>
-                <a:ea typeface="-윤고딕330" pitchFamily="18" charset="-127"/>
-              </a:endParaRPr>
-            </a:p>
-          </p:txBody>
-        </p:sp>
-      </p:grpSp>
-      <p:grpSp>
-        <p:nvGrpSpPr>
-          <p:cNvPr id="2" name="그룹 1"/>
-          <p:cNvGrpSpPr/>
-          <p:nvPr/>
-        </p:nvGrpSpPr>
-        <p:grpSpPr>
-          <a:xfrm>
-            <a:off x="899592" y="980728"/>
-            <a:ext cx="7552129" cy="5328592"/>
-            <a:chOff x="899592" y="980728"/>
-            <a:chExt cx="7552129" cy="5328592"/>
-          </a:xfrm>
-        </p:grpSpPr>
-        <p:grpSp>
-          <p:nvGrpSpPr>
-            <p:cNvPr id="6" name="그룹 5"/>
-            <p:cNvGrpSpPr/>
-            <p:nvPr/>
-          </p:nvGrpSpPr>
-          <p:grpSpPr>
-            <a:xfrm>
-              <a:off x="2627784" y="980728"/>
-              <a:ext cx="3807713" cy="5328592"/>
-              <a:chOff x="2708503" y="1052736"/>
-              <a:chExt cx="3807713" cy="5328592"/>
-            </a:xfrm>
-          </p:grpSpPr>
-          <p:sp>
-            <p:nvSpPr>
-              <p:cNvPr id="9" name="TextBox 8"/>
-              <p:cNvSpPr txBox="1"/>
-              <p:nvPr/>
-            </p:nvSpPr>
-            <p:spPr>
-              <a:xfrm>
-                <a:off x="3779912" y="1052736"/>
-                <a:ext cx="1656184" cy="584775"/>
-              </a:xfrm>
-              <a:prstGeom prst="rect">
-                <a:avLst/>
-              </a:prstGeom>
-              <a:noFill/>
-            </p:spPr>
-            <p:txBody>
-              <a:bodyPr wrap="square" rtlCol="0">
-                <a:spAutoFit/>
-                <a:scene3d>
-                  <a:camera prst="perspectiveFront"/>
-                  <a:lightRig rig="threePt" dir="t"/>
-                </a:scene3d>
-              </a:bodyPr>
-              <a:lstStyle/>
-              <a:p>
-                <a:pPr algn="ctr"/>
-                <a:r>
-                  <a:rPr lang="en-US" altLang="ko-KR" sz="3200" dirty="0">
-                    <a:solidFill>
-                      <a:schemeClr val="bg1"/>
-                    </a:solidFill>
-                    <a:latin typeface="Bebas Neue" pitchFamily="34" charset="0"/>
-                    <a:ea typeface="-윤고딕330" pitchFamily="18" charset="-127"/>
-                  </a:rPr>
-                  <a:t>Strength</a:t>
-                </a:r>
-                <a:endParaRPr lang="ko-KR" altLang="en-US" sz="3200" dirty="0">
-                  <a:solidFill>
-                    <a:schemeClr val="bg1"/>
-                  </a:solidFill>
-                  <a:latin typeface="Bebas Neue" pitchFamily="34" charset="0"/>
-                  <a:ea typeface="-윤고딕330" pitchFamily="18" charset="-127"/>
-                </a:endParaRPr>
-              </a:p>
-            </p:txBody>
-          </p:sp>
-          <p:sp>
-            <p:nvSpPr>
-              <p:cNvPr id="11" name="TextBox 10"/>
-              <p:cNvSpPr txBox="1"/>
-              <p:nvPr/>
-            </p:nvSpPr>
-            <p:spPr>
-              <a:xfrm>
-                <a:off x="3563888" y="5796553"/>
-                <a:ext cx="2160240" cy="584775"/>
-              </a:xfrm>
-              <a:prstGeom prst="rect">
-                <a:avLst/>
-              </a:prstGeom>
-              <a:noFill/>
-            </p:spPr>
-            <p:txBody>
-              <a:bodyPr wrap="square" rtlCol="0">
-                <a:spAutoFit/>
-                <a:scene3d>
-                  <a:camera prst="perspectiveFront"/>
-                  <a:lightRig rig="threePt" dir="t"/>
-                </a:scene3d>
-              </a:bodyPr>
-              <a:lstStyle/>
-              <a:p>
-                <a:pPr algn="ctr"/>
-                <a:r>
-                  <a:rPr lang="en-US" altLang="ko-KR" sz="3200" dirty="0">
-                    <a:solidFill>
-                      <a:schemeClr val="bg1"/>
-                    </a:solidFill>
-                    <a:latin typeface="Bebas Neue" pitchFamily="34" charset="0"/>
-                    <a:ea typeface="-윤고딕330" pitchFamily="18" charset="-127"/>
-                  </a:rPr>
-                  <a:t>Opportunity</a:t>
-                </a:r>
-                <a:endParaRPr lang="ko-KR" altLang="en-US" sz="3200" dirty="0">
-                  <a:solidFill>
-                    <a:schemeClr val="bg1"/>
-                  </a:solidFill>
-                  <a:latin typeface="Bebas Neue" pitchFamily="34" charset="0"/>
-                  <a:ea typeface="-윤고딕330" pitchFamily="18" charset="-127"/>
-                </a:endParaRPr>
-              </a:p>
-            </p:txBody>
-          </p:sp>
-          <p:sp>
-            <p:nvSpPr>
-              <p:cNvPr id="3" name="순서도: 논리합 2"/>
-              <p:cNvSpPr/>
-              <p:nvPr/>
-            </p:nvSpPr>
-            <p:spPr>
-              <a:xfrm>
-                <a:off x="2708503" y="1772816"/>
-                <a:ext cx="3807713" cy="3807713"/>
-              </a:xfrm>
-              <a:prstGeom prst="flowChartOr">
-                <a:avLst/>
-              </a:prstGeom>
-              <a:noFill/>
-              <a:ln w="3175">
-                <a:solidFill>
-                  <a:schemeClr val="bg1">
-                    <a:lumMod val="50000"/>
-                    <a:alpha val="18000"/>
-                  </a:schemeClr>
-                </a:solidFill>
-              </a:ln>
-              <a:scene3d>
-                <a:camera prst="perspectiveFront"/>
-                <a:lightRig rig="threePt" dir="t"/>
-              </a:scene3d>
-            </p:spPr>
-            <p:style>
-              <a:lnRef idx="2">
-                <a:schemeClr val="accent1">
-                  <a:shade val="50000"/>
-                </a:schemeClr>
-              </a:lnRef>
-              <a:fillRef idx="1">
-                <a:schemeClr val="accent1"/>
-              </a:fillRef>
-              <a:effectRef idx="0">
-                <a:schemeClr val="accent1"/>
-              </a:effectRef>
-              <a:fontRef idx="minor">
-                <a:schemeClr val="lt1"/>
-              </a:fontRef>
-            </p:style>
-            <p:txBody>
-              <a:bodyPr rtlCol="0" anchor="ctr"/>
-              <a:lstStyle/>
-              <a:p>
-                <a:pPr algn="ctr"/>
-                <a:endParaRPr lang="ko-KR" altLang="en-US"/>
-              </a:p>
-            </p:txBody>
-          </p:sp>
-        </p:grpSp>
-        <p:sp>
-          <p:nvSpPr>
-            <p:cNvPr id="19" name="TextBox 18"/>
-            <p:cNvSpPr txBox="1"/>
-            <p:nvPr/>
-          </p:nvSpPr>
-          <p:spPr>
-            <a:xfrm>
-              <a:off x="6795537" y="3284984"/>
-              <a:ext cx="1656184" cy="584775"/>
-            </a:xfrm>
-            <a:prstGeom prst="rect">
-              <a:avLst/>
-            </a:prstGeom>
-            <a:noFill/>
-          </p:spPr>
-          <p:txBody>
-            <a:bodyPr wrap="square" rtlCol="0">
-              <a:spAutoFit/>
-              <a:scene3d>
-                <a:camera prst="perspectiveFront"/>
-                <a:lightRig rig="threePt" dir="t"/>
-              </a:scene3d>
-            </a:bodyPr>
-            <a:lstStyle/>
-            <a:p>
-              <a:pPr algn="ctr"/>
-              <a:r>
-                <a:rPr lang="en-US" altLang="ko-KR" sz="3200" dirty="0">
-                  <a:solidFill>
-                    <a:schemeClr val="bg1"/>
-                  </a:solidFill>
-                  <a:latin typeface="Bebas Neue" pitchFamily="34" charset="0"/>
-                  <a:ea typeface="-윤고딕330" pitchFamily="18" charset="-127"/>
-                </a:rPr>
-                <a:t>weakness</a:t>
-              </a:r>
-              <a:endParaRPr lang="ko-KR" altLang="en-US" sz="3200" dirty="0">
-                <a:solidFill>
-                  <a:schemeClr val="bg1"/>
-                </a:solidFill>
-                <a:latin typeface="Bebas Neue" pitchFamily="34" charset="0"/>
-                <a:ea typeface="-윤고딕330" pitchFamily="18" charset="-127"/>
-              </a:endParaRPr>
-            </a:p>
-          </p:txBody>
-        </p:sp>
-        <p:sp>
-          <p:nvSpPr>
-            <p:cNvPr id="22" name="TextBox 21"/>
-            <p:cNvSpPr txBox="1"/>
-            <p:nvPr/>
-          </p:nvSpPr>
-          <p:spPr>
-            <a:xfrm>
-              <a:off x="899592" y="3339570"/>
-              <a:ext cx="1656184" cy="584775"/>
-            </a:xfrm>
-            <a:prstGeom prst="rect">
-              <a:avLst/>
-            </a:prstGeom>
-            <a:noFill/>
-          </p:spPr>
-          <p:txBody>
-            <a:bodyPr wrap="square" rtlCol="0">
-              <a:spAutoFit/>
-              <a:scene3d>
-                <a:camera prst="perspectiveFront"/>
-                <a:lightRig rig="threePt" dir="t"/>
-              </a:scene3d>
-            </a:bodyPr>
-            <a:lstStyle/>
-            <a:p>
-              <a:pPr algn="ctr"/>
-              <a:r>
-                <a:rPr lang="en-US" altLang="ko-KR" sz="3200" dirty="0">
-                  <a:solidFill>
-                    <a:schemeClr val="accent1">
-                      <a:lumMod val="40000"/>
-                      <a:lumOff val="60000"/>
-                    </a:schemeClr>
-                  </a:solidFill>
-                  <a:latin typeface="Bebas Neue" pitchFamily="34" charset="0"/>
-                  <a:ea typeface="-윤고딕330" pitchFamily="18" charset="-127"/>
-                </a:rPr>
-                <a:t>threat</a:t>
-              </a:r>
-              <a:endParaRPr lang="ko-KR" altLang="en-US" sz="3200" dirty="0">
-                <a:solidFill>
-                  <a:schemeClr val="accent1">
-                    <a:lumMod val="40000"/>
-                    <a:lumOff val="60000"/>
-                  </a:schemeClr>
-                </a:solidFill>
-                <a:latin typeface="Bebas Neue" pitchFamily="34" charset="0"/>
-                <a:ea typeface="-윤고딕330" pitchFamily="18" charset="-127"/>
-              </a:endParaRPr>
-            </a:p>
-          </p:txBody>
-        </p:sp>
-      </p:grpSp>
-    </p:spTree>
-    <p:extLst>
-      <p:ext uri="{BB962C8B-B14F-4D97-AF65-F5344CB8AC3E}">
-        <p14:creationId xmlns:p14="http://schemas.microsoft.com/office/powerpoint/2010/main" val="1728514837"/>
       </p:ext>
     </p:extLst>
   </p:cSld>

--- a/Dynamic Graphs/Dynamic Graphs.pptx
+++ b/Dynamic Graphs/Dynamic Graphs.pptx
@@ -5,7 +5,7 @@
     <p:sldMasterId id="2147483648" r:id="rId1"/>
   </p:sldMasterIdLst>
   <p:notesMasterIdLst>
-    <p:notesMasterId r:id="rId9"/>
+    <p:notesMasterId r:id="rId11"/>
   </p:notesMasterIdLst>
   <p:sldIdLst>
     <p:sldId id="266" r:id="rId2"/>
@@ -13,21 +13,23 @@
     <p:sldId id="282" r:id="rId4"/>
     <p:sldId id="279" r:id="rId5"/>
     <p:sldId id="284" r:id="rId6"/>
-    <p:sldId id="283" r:id="rId7"/>
-    <p:sldId id="276" r:id="rId8"/>
+    <p:sldId id="286" r:id="rId7"/>
+    <p:sldId id="287" r:id="rId8"/>
+    <p:sldId id="276" r:id="rId9"/>
+    <p:sldId id="285" r:id="rId10"/>
   </p:sldIdLst>
   <p:sldSz cx="9144000" cy="6858000" type="screen4x3"/>
   <p:notesSz cx="6858000" cy="9144000"/>
   <p:embeddedFontLst>
     <p:embeddedFont>
       <p:font typeface="Ebrima" panose="02000000000000000000" pitchFamily="2" charset="0"/>
-      <p:regular r:id="rId10"/>
-      <p:bold r:id="rId11"/>
+      <p:regular r:id="rId12"/>
+      <p:bold r:id="rId13"/>
     </p:embeddedFont>
     <p:embeddedFont>
       <p:font typeface="맑은 고딕" panose="020B0503020000020004" pitchFamily="50" charset="-127"/>
-      <p:regular r:id="rId12"/>
-      <p:bold r:id="rId13"/>
+      <p:regular r:id="rId14"/>
+      <p:bold r:id="rId15"/>
     </p:embeddedFont>
   </p:embeddedFontLst>
   <p:defaultTextStyle>
@@ -729,88 +731,20 @@
           <a:p>
             <a:r>
               <a:rPr lang="ko-KR" altLang="en-US" dirty="0"/>
-              <a:t>이번 프로젝트에서는 아래와 같이 그래프를 구성할 예정</a:t>
+              <a:t>이번 프로젝트에서는 사진 오른쪽의 설명과 같이 </a:t>
             </a:r>
             <a:r>
               <a:rPr lang="en-US" altLang="ko-KR" dirty="0"/>
-              <a:t>:</a:t>
-            </a:r>
-          </a:p>
-          <a:p>
+              <a:t>Graph</a:t>
+            </a:r>
+            <a:r>
+              <a:rPr lang="ko-KR" altLang="en-US" dirty="0"/>
+              <a:t>를 구성할 예정</a:t>
+            </a:r>
             <a:r>
               <a:rPr lang="en-US" altLang="ko-KR" dirty="0"/>
-              <a:t>Node – </a:t>
-            </a:r>
-            <a:r>
-              <a:rPr lang="ko-KR" altLang="en-US" dirty="0"/>
-              <a:t>교차로</a:t>
-            </a:r>
-            <a:endParaRPr lang="en-US" altLang="ko-KR" dirty="0"/>
-          </a:p>
-          <a:p>
-            <a:r>
-              <a:rPr lang="en-US" altLang="ko-KR" dirty="0"/>
-              <a:t>Edge – </a:t>
-            </a:r>
-            <a:r>
-              <a:rPr lang="ko-KR" altLang="en-US" dirty="0"/>
-              <a:t>교차로 사이의 도로</a:t>
-            </a:r>
-            <a:r>
-              <a:rPr lang="en-US" altLang="ko-KR" dirty="0"/>
-              <a:t>(Weight – </a:t>
-            </a:r>
-            <a:r>
-              <a:rPr lang="ko-KR" altLang="en-US" dirty="0"/>
-              <a:t>도로의 길이</a:t>
-            </a:r>
-            <a:r>
-              <a:rPr lang="en-US" altLang="ko-KR" dirty="0"/>
-              <a:t>(</a:t>
-            </a:r>
-            <a:r>
-              <a:rPr lang="ko-KR" altLang="en-US" dirty="0"/>
-              <a:t>거리</a:t>
-            </a:r>
-            <a:r>
-              <a:rPr lang="en-US" altLang="ko-KR" dirty="0"/>
-              <a:t>), </a:t>
-            </a:r>
-            <a:r>
-              <a:rPr lang="ko-KR" altLang="en-US" dirty="0"/>
-              <a:t>해당 도로를 지나는 시위대 인원 수</a:t>
-            </a:r>
-            <a:r>
-              <a:rPr lang="en-US" altLang="ko-KR" dirty="0"/>
-              <a:t>)</a:t>
-            </a:r>
-          </a:p>
-          <a:p>
-            <a:r>
-              <a:rPr lang="en-US" altLang="ko-KR" dirty="0"/>
-              <a:t>Directed Edge – </a:t>
-            </a:r>
-            <a:r>
-              <a:rPr lang="ko-KR" altLang="en-US" dirty="0"/>
-              <a:t>시위대의 행진 방향이 </a:t>
-            </a:r>
-            <a:r>
-              <a:rPr lang="en-US" altLang="ko-KR" dirty="0"/>
-              <a:t>Edge</a:t>
-            </a:r>
-            <a:r>
-              <a:rPr lang="ko-KR" altLang="en-US" dirty="0"/>
-              <a:t>의 방향 결정</a:t>
-            </a:r>
-            <a:r>
-              <a:rPr lang="en-US" altLang="ko-KR" dirty="0"/>
-              <a:t>, </a:t>
-            </a:r>
-            <a:r>
-              <a:rPr lang="ko-KR" altLang="en-US" dirty="0"/>
-              <a:t>왕복하는 경우도 있어 양방향도 가능</a:t>
-            </a:r>
-            <a:endParaRPr lang="en-US" altLang="ko-KR" dirty="0"/>
+              <a:t>.</a:t>
+            </a:r>
           </a:p>
           <a:p>
             <a:endParaRPr lang="en-US" altLang="ko-KR" dirty="0"/>
@@ -1006,80 +940,7 @@
           <a:bodyPr/>
           <a:lstStyle/>
           <a:p>
-            <a:r>
-              <a:rPr lang="ko-KR" altLang="en-US" dirty="0"/>
-              <a:t>위의 자료도 경찰청 홈페이지에서 얻을 수 있는 주요 집회</a:t>
-            </a:r>
-            <a:r>
-              <a:rPr lang="en-US" altLang="ko-KR" dirty="0"/>
-              <a:t>/</a:t>
-            </a:r>
-            <a:r>
-              <a:rPr lang="ko-KR" altLang="en-US" dirty="0"/>
-              <a:t>행진 자료</a:t>
-            </a:r>
-            <a:r>
-              <a:rPr lang="en-US" altLang="ko-KR" dirty="0"/>
-              <a:t>(</a:t>
-            </a:r>
-            <a:r>
-              <a:rPr lang="ko-KR" altLang="en-US" dirty="0"/>
-              <a:t>매일 업데이트</a:t>
-            </a:r>
-            <a:r>
-              <a:rPr lang="en-US" altLang="ko-KR" dirty="0"/>
-              <a:t>)</a:t>
-            </a:r>
-          </a:p>
-          <a:p>
-            <a:r>
-              <a:rPr lang="ko-KR" altLang="en-US" dirty="0"/>
-              <a:t>전 슬라이드에서 보여준 요도표는 </a:t>
-            </a:r>
-            <a:r>
-              <a:rPr lang="en-US" altLang="ko-KR" dirty="0"/>
-              <a:t>Processed Data</a:t>
-            </a:r>
-            <a:r>
-              <a:rPr lang="ko-KR" altLang="en-US" dirty="0"/>
-              <a:t>이고 이건 </a:t>
-            </a:r>
-            <a:r>
-              <a:rPr lang="en-US" altLang="ko-KR" dirty="0"/>
-              <a:t>Raw Data.</a:t>
-            </a:r>
-          </a:p>
-          <a:p>
-            <a:r>
-              <a:rPr lang="en-US" altLang="ko-KR" dirty="0"/>
-              <a:t>Processed Data</a:t>
-            </a:r>
-            <a:r>
-              <a:rPr lang="ko-KR" altLang="en-US" dirty="0"/>
-              <a:t>가 항상 존재하는 것은 아니어서 </a:t>
-            </a:r>
-            <a:r>
-              <a:rPr lang="en-US" altLang="ko-KR" dirty="0"/>
-              <a:t>Raw Data</a:t>
-            </a:r>
-            <a:r>
-              <a:rPr lang="ko-KR" altLang="en-US" dirty="0"/>
-              <a:t>를 직접 활용할 수도 있음</a:t>
-            </a:r>
-            <a:r>
-              <a:rPr lang="en-US" altLang="ko-KR" dirty="0"/>
-              <a:t>.</a:t>
-            </a:r>
-          </a:p>
-          <a:p>
-            <a:r>
-              <a:rPr lang="ko-KR" altLang="en-US" dirty="0"/>
-              <a:t>행진의 경로가 교차로별로 표기 되어있어 데이터 내용은 동일</a:t>
-            </a:r>
-            <a:r>
-              <a:rPr lang="en-US" altLang="ko-KR" dirty="0"/>
-              <a:t>.</a:t>
-            </a:r>
+            <a:endParaRPr lang="en-US" altLang="ko-KR" dirty="0"/>
           </a:p>
         </p:txBody>
       </p:sp>
@@ -1163,80 +1024,7 @@
           <a:bodyPr/>
           <a:lstStyle/>
           <a:p>
-            <a:r>
-              <a:rPr lang="ko-KR" altLang="en-US" dirty="0"/>
-              <a:t>위의 자료도 경찰청 홈페이지에서 얻을 수 있는 주요 집회</a:t>
-            </a:r>
-            <a:r>
-              <a:rPr lang="en-US" altLang="ko-KR" dirty="0"/>
-              <a:t>/</a:t>
-            </a:r>
-            <a:r>
-              <a:rPr lang="ko-KR" altLang="en-US" dirty="0"/>
-              <a:t>행진 자료</a:t>
-            </a:r>
-            <a:r>
-              <a:rPr lang="en-US" altLang="ko-KR" dirty="0"/>
-              <a:t>(</a:t>
-            </a:r>
-            <a:r>
-              <a:rPr lang="ko-KR" altLang="en-US" dirty="0"/>
-              <a:t>매일 업데이트</a:t>
-            </a:r>
-            <a:r>
-              <a:rPr lang="en-US" altLang="ko-KR" dirty="0"/>
-              <a:t>)</a:t>
-            </a:r>
-          </a:p>
-          <a:p>
-            <a:r>
-              <a:rPr lang="ko-KR" altLang="en-US" dirty="0"/>
-              <a:t>전 슬라이드에서 보여준 요도표는 </a:t>
-            </a:r>
-            <a:r>
-              <a:rPr lang="en-US" altLang="ko-KR" dirty="0"/>
-              <a:t>Processed Data</a:t>
-            </a:r>
-            <a:r>
-              <a:rPr lang="ko-KR" altLang="en-US" dirty="0"/>
-              <a:t>이고 이건 </a:t>
-            </a:r>
-            <a:r>
-              <a:rPr lang="en-US" altLang="ko-KR" dirty="0"/>
-              <a:t>Raw Data.</a:t>
-            </a:r>
-          </a:p>
-          <a:p>
-            <a:r>
-              <a:rPr lang="en-US" altLang="ko-KR" dirty="0"/>
-              <a:t>Processed Data</a:t>
-            </a:r>
-            <a:r>
-              <a:rPr lang="ko-KR" altLang="en-US" dirty="0"/>
-              <a:t>가 항상 존재하는 것은 아니어서 </a:t>
-            </a:r>
-            <a:r>
-              <a:rPr lang="en-US" altLang="ko-KR" dirty="0"/>
-              <a:t>Raw Data</a:t>
-            </a:r>
-            <a:r>
-              <a:rPr lang="ko-KR" altLang="en-US" dirty="0"/>
-              <a:t>를 직접 활용할 수도 있음</a:t>
-            </a:r>
-            <a:r>
-              <a:rPr lang="en-US" altLang="ko-KR" dirty="0"/>
-              <a:t>.</a:t>
-            </a:r>
-          </a:p>
-          <a:p>
-            <a:r>
-              <a:rPr lang="ko-KR" altLang="en-US" dirty="0"/>
-              <a:t>행진의 경로가 교차로별로 표기 되어있어 데이터 내용은 동일</a:t>
-            </a:r>
-            <a:r>
-              <a:rPr lang="en-US" altLang="ko-KR" dirty="0"/>
-              <a:t>.</a:t>
-            </a:r>
+            <a:endParaRPr lang="en-US" altLang="ko-KR" dirty="0"/>
           </a:p>
         </p:txBody>
       </p:sp>
@@ -1266,7 +1054,248 @@
     </p:spTree>
     <p:extLst>
       <p:ext uri="{BB962C8B-B14F-4D97-AF65-F5344CB8AC3E}">
-        <p14:creationId xmlns:p14="http://schemas.microsoft.com/office/powerpoint/2010/main" val="1671482937"/>
+        <p14:creationId xmlns:p14="http://schemas.microsoft.com/office/powerpoint/2010/main" val="3959882441"/>
+      </p:ext>
+    </p:extLst>
+  </p:cSld>
+  <p:clrMapOvr>
+    <a:masterClrMapping/>
+  </p:clrMapOvr>
+</p:notes>
+</file>
+
+<file path=ppt/notesSlides/notesSlide6.xml><?xml version="1.0" encoding="utf-8"?>
+<p:notes xmlns:a="http://schemas.openxmlformats.org/drawingml/2006/main" xmlns:r="http://schemas.openxmlformats.org/officeDocument/2006/relationships" xmlns:p="http://schemas.openxmlformats.org/presentationml/2006/main">
+  <p:cSld>
+    <p:spTree>
+      <p:nvGrpSpPr>
+        <p:cNvPr id="1" name=""/>
+        <p:cNvGrpSpPr/>
+        <p:nvPr/>
+      </p:nvGrpSpPr>
+      <p:grpSpPr>
+        <a:xfrm>
+          <a:off x="0" y="0"/>
+          <a:ext cx="0" cy="0"/>
+          <a:chOff x="0" y="0"/>
+          <a:chExt cx="0" cy="0"/>
+        </a:xfrm>
+      </p:grpSpPr>
+      <p:sp>
+        <p:nvSpPr>
+          <p:cNvPr id="2" name="슬라이드 이미지 개체 틀 1"/>
+          <p:cNvSpPr>
+            <a:spLocks noGrp="1" noRot="1" noChangeAspect="1"/>
+          </p:cNvSpPr>
+          <p:nvPr>
+            <p:ph type="sldImg"/>
+          </p:nvPr>
+        </p:nvSpPr>
+        <p:spPr/>
+      </p:sp>
+      <p:sp>
+        <p:nvSpPr>
+          <p:cNvPr id="3" name="슬라이드 노트 개체 틀 2"/>
+          <p:cNvSpPr>
+            <a:spLocks noGrp="1"/>
+          </p:cNvSpPr>
+          <p:nvPr>
+            <p:ph type="body" idx="1"/>
+          </p:nvPr>
+        </p:nvSpPr>
+        <p:spPr/>
+        <p:txBody>
+          <a:bodyPr/>
+          <a:lstStyle/>
+          <a:p>
+            <a:endParaRPr lang="en-US" altLang="ko-KR" dirty="0"/>
+          </a:p>
+        </p:txBody>
+      </p:sp>
+      <p:sp>
+        <p:nvSpPr>
+          <p:cNvPr id="4" name="슬라이드 번호 개체 틀 3"/>
+          <p:cNvSpPr>
+            <a:spLocks noGrp="1"/>
+          </p:cNvSpPr>
+          <p:nvPr>
+            <p:ph type="sldNum" sz="quarter" idx="10"/>
+          </p:nvPr>
+        </p:nvSpPr>
+        <p:spPr/>
+        <p:txBody>
+          <a:bodyPr/>
+          <a:lstStyle/>
+          <a:p>
+            <a:fld id="{0DC1DE66-3386-48AC-A7D3-217B93C56141}" type="slidenum">
+              <a:rPr lang="ko-KR" altLang="en-US" smtClean="0"/>
+              <a:t>7</a:t>
+            </a:fld>
+            <a:endParaRPr lang="ko-KR" altLang="en-US"/>
+          </a:p>
+        </p:txBody>
+      </p:sp>
+    </p:spTree>
+    <p:extLst>
+      <p:ext uri="{BB962C8B-B14F-4D97-AF65-F5344CB8AC3E}">
+        <p14:creationId xmlns:p14="http://schemas.microsoft.com/office/powerpoint/2010/main" val="2651298020"/>
+      </p:ext>
+    </p:extLst>
+  </p:cSld>
+  <p:clrMapOvr>
+    <a:masterClrMapping/>
+  </p:clrMapOvr>
+</p:notes>
+</file>
+
+<file path=ppt/notesSlides/notesSlide7.xml><?xml version="1.0" encoding="utf-8"?>
+<p:notes xmlns:a="http://schemas.openxmlformats.org/drawingml/2006/main" xmlns:r="http://schemas.openxmlformats.org/officeDocument/2006/relationships" xmlns:p="http://schemas.openxmlformats.org/presentationml/2006/main">
+  <p:cSld>
+    <p:spTree>
+      <p:nvGrpSpPr>
+        <p:cNvPr id="1" name=""/>
+        <p:cNvGrpSpPr/>
+        <p:nvPr/>
+      </p:nvGrpSpPr>
+      <p:grpSpPr>
+        <a:xfrm>
+          <a:off x="0" y="0"/>
+          <a:ext cx="0" cy="0"/>
+          <a:chOff x="0" y="0"/>
+          <a:chExt cx="0" cy="0"/>
+        </a:xfrm>
+      </p:grpSpPr>
+      <p:sp>
+        <p:nvSpPr>
+          <p:cNvPr id="2" name="슬라이드 이미지 개체 틀 1"/>
+          <p:cNvSpPr>
+            <a:spLocks noGrp="1" noRot="1" noChangeAspect="1"/>
+          </p:cNvSpPr>
+          <p:nvPr>
+            <p:ph type="sldImg"/>
+          </p:nvPr>
+        </p:nvSpPr>
+        <p:spPr/>
+      </p:sp>
+      <p:sp>
+        <p:nvSpPr>
+          <p:cNvPr id="3" name="슬라이드 노트 개체 틀 2"/>
+          <p:cNvSpPr>
+            <a:spLocks noGrp="1"/>
+          </p:cNvSpPr>
+          <p:nvPr>
+            <p:ph type="body" idx="1"/>
+          </p:nvPr>
+        </p:nvSpPr>
+        <p:spPr/>
+        <p:txBody>
+          <a:bodyPr/>
+          <a:lstStyle/>
+          <a:p>
+            <a:r>
+              <a:rPr lang="ko-KR" altLang="en-US" dirty="0"/>
+              <a:t>위의 자료도 경찰청 홈페이지에서 얻을 수 있는 주요 집회</a:t>
+            </a:r>
+            <a:r>
+              <a:rPr lang="en-US" altLang="ko-KR" dirty="0"/>
+              <a:t>/</a:t>
+            </a:r>
+            <a:r>
+              <a:rPr lang="ko-KR" altLang="en-US" dirty="0"/>
+              <a:t>행진 자료</a:t>
+            </a:r>
+            <a:r>
+              <a:rPr lang="en-US" altLang="ko-KR" dirty="0"/>
+              <a:t>(</a:t>
+            </a:r>
+            <a:r>
+              <a:rPr lang="ko-KR" altLang="en-US" dirty="0"/>
+              <a:t>매일 업데이트</a:t>
+            </a:r>
+            <a:r>
+              <a:rPr lang="en-US" altLang="ko-KR" dirty="0"/>
+              <a:t>)</a:t>
+            </a:r>
+          </a:p>
+          <a:p>
+            <a:r>
+              <a:rPr lang="ko-KR" altLang="en-US" dirty="0"/>
+              <a:t>전 슬라이드에서 보여준 요도표는 </a:t>
+            </a:r>
+            <a:r>
+              <a:rPr lang="en-US" altLang="ko-KR" dirty="0"/>
+              <a:t>Processed Data</a:t>
+            </a:r>
+            <a:r>
+              <a:rPr lang="ko-KR" altLang="en-US" dirty="0"/>
+              <a:t>이고 이건 </a:t>
+            </a:r>
+            <a:r>
+              <a:rPr lang="en-US" altLang="ko-KR" dirty="0"/>
+              <a:t>Raw Data.</a:t>
+            </a:r>
+          </a:p>
+          <a:p>
+            <a:r>
+              <a:rPr lang="en-US" altLang="ko-KR" dirty="0"/>
+              <a:t>Processed Data</a:t>
+            </a:r>
+            <a:r>
+              <a:rPr lang="ko-KR" altLang="en-US" dirty="0"/>
+              <a:t>가 항상 존재하는 것은 아니어서 </a:t>
+            </a:r>
+            <a:r>
+              <a:rPr lang="en-US" altLang="ko-KR" dirty="0"/>
+              <a:t>Raw Data</a:t>
+            </a:r>
+            <a:r>
+              <a:rPr lang="ko-KR" altLang="en-US" dirty="0"/>
+              <a:t>를 직접 활용할 수도 있음</a:t>
+            </a:r>
+            <a:r>
+              <a:rPr lang="en-US" altLang="ko-KR" dirty="0"/>
+              <a:t>.</a:t>
+            </a:r>
+          </a:p>
+          <a:p>
+            <a:r>
+              <a:rPr lang="ko-KR" altLang="en-US" dirty="0"/>
+              <a:t>행진의 경로가 교차로별로 표기 되어있어 데이터 내용은 동일</a:t>
+            </a:r>
+            <a:r>
+              <a:rPr lang="en-US" altLang="ko-KR" dirty="0"/>
+              <a:t>.</a:t>
+            </a:r>
+          </a:p>
+        </p:txBody>
+      </p:sp>
+      <p:sp>
+        <p:nvSpPr>
+          <p:cNvPr id="4" name="슬라이드 번호 개체 틀 3"/>
+          <p:cNvSpPr>
+            <a:spLocks noGrp="1"/>
+          </p:cNvSpPr>
+          <p:nvPr>
+            <p:ph type="sldNum" sz="quarter" idx="10"/>
+          </p:nvPr>
+        </p:nvSpPr>
+        <p:spPr/>
+        <p:txBody>
+          <a:bodyPr/>
+          <a:lstStyle/>
+          <a:p>
+            <a:fld id="{0DC1DE66-3386-48AC-A7D3-217B93C56141}" type="slidenum">
+              <a:rPr lang="ko-KR" altLang="en-US" smtClean="0"/>
+              <a:t>9</a:t>
+            </a:fld>
+            <a:endParaRPr lang="ko-KR" altLang="en-US"/>
+          </a:p>
+        </p:txBody>
+      </p:sp>
+    </p:spTree>
+    <p:extLst>
+      <p:ext uri="{BB962C8B-B14F-4D97-AF65-F5344CB8AC3E}">
+        <p14:creationId xmlns:p14="http://schemas.microsoft.com/office/powerpoint/2010/main" val="109223561"/>
       </p:ext>
     </p:extLst>
   </p:cSld>
@@ -4414,7 +4443,7 @@
                     <a:schemeClr val="bg1"/>
                   </a:solidFill>
                   <a:latin typeface="+mj-lt"/>
-                  <a:ea typeface="08서울남산체 B" pitchFamily="18" charset="-127"/>
+                  <a:ea typeface="맑은 고딕" panose="020B0503020000020004" pitchFamily="50" charset="-127"/>
                 </a:rPr>
                 <a:t>Data Structure Design</a:t>
               </a:r>
@@ -4423,7 +4452,7 @@
                   <a:schemeClr val="bg1"/>
                 </a:solidFill>
                 <a:latin typeface="+mj-lt"/>
-                <a:ea typeface="08서울남산체 B" pitchFamily="18" charset="-127"/>
+                <a:ea typeface="맑은 고딕" panose="020B0503020000020004" pitchFamily="50" charset="-127"/>
               </a:endParaRPr>
             </a:p>
           </p:txBody>
@@ -4464,7 +4493,7 @@
                   </a:schemeClr>
                 </a:solidFill>
                 <a:latin typeface="+mj-lt"/>
-                <a:ea typeface="경기천년바탕 Regular" pitchFamily="18" charset="-127"/>
+                <a:ea typeface="맑은 고딕" panose="020B0503020000020004" pitchFamily="50" charset="-127"/>
               </a:rPr>
               <a:t>Problem Definition and Modeling</a:t>
             </a:r>
@@ -4475,7 +4504,7 @@
                 </a:schemeClr>
               </a:solidFill>
               <a:latin typeface="+mj-lt"/>
-              <a:ea typeface="경기천년바탕 Regular" pitchFamily="18" charset="-127"/>
+              <a:ea typeface="맑은 고딕" panose="020B0503020000020004" pitchFamily="50" charset="-127"/>
             </a:endParaRPr>
           </a:p>
         </p:txBody>
@@ -4515,7 +4544,7 @@
                   </a:schemeClr>
                 </a:solidFill>
                 <a:latin typeface="+mj-lt"/>
-                <a:ea typeface="08서울남산체 B" pitchFamily="18" charset="-127"/>
+                <a:ea typeface="맑은 고딕" panose="020B0503020000020004" pitchFamily="50" charset="-127"/>
                 <a:cs typeface="Ebrima" pitchFamily="2" charset="0"/>
               </a:rPr>
               <a:t>Wonhee</a:t>
@@ -4528,7 +4557,7 @@
                   </a:schemeClr>
                 </a:solidFill>
                 <a:latin typeface="+mj-lt"/>
-                <a:ea typeface="08서울남산체 B" pitchFamily="18" charset="-127"/>
+                <a:ea typeface="맑은 고딕" panose="020B0503020000020004" pitchFamily="50" charset="-127"/>
                 <a:cs typeface="Ebrima" pitchFamily="2" charset="0"/>
               </a:rPr>
               <a:t> Cho</a:t>
@@ -4544,7 +4573,7 @@
                   </a:schemeClr>
                 </a:solidFill>
                 <a:latin typeface="+mj-lt"/>
-                <a:ea typeface="08서울남산체 B" pitchFamily="18" charset="-127"/>
+                <a:ea typeface="맑은 고딕" panose="020B0503020000020004" pitchFamily="50" charset="-127"/>
                 <a:cs typeface="Ebrima" pitchFamily="2" charset="0"/>
               </a:rPr>
               <a:t>Student ID: 20153129</a:t>
@@ -4556,7 +4585,7 @@
                 </a:schemeClr>
               </a:solidFill>
               <a:latin typeface="+mj-lt"/>
-              <a:ea typeface="08서울남산체 B" pitchFamily="18" charset="-127"/>
+              <a:ea typeface="맑은 고딕" panose="020B0503020000020004" pitchFamily="50" charset="-127"/>
               <a:cs typeface="Ebrima" pitchFamily="2" charset="0"/>
             </a:endParaRPr>
           </a:p>
@@ -5173,7 +5202,7 @@
         <p:spPr>
           <a:xfrm>
             <a:off x="6026795" y="1872350"/>
-            <a:ext cx="3117205" cy="4524315"/>
+            <a:ext cx="3143297" cy="4247317"/>
           </a:xfrm>
           <a:prstGeom prst="rect">
             <a:avLst/>
@@ -5261,33 +5290,7 @@
                   <a:schemeClr val="bg1"/>
                 </a:solidFill>
               </a:rPr>
-              <a:t>Road length,</a:t>
-            </a:r>
-          </a:p>
-          <a:p>
-            <a:r>
-              <a:rPr lang="en-US" altLang="ko-KR" dirty="0">
-                <a:solidFill>
-                  <a:schemeClr val="bg1"/>
-                </a:solidFill>
-              </a:rPr>
-              <a:t># of</a:t>
-            </a:r>
-            <a:r>
-              <a:rPr lang="ko-KR" altLang="en-US" dirty="0">
-                <a:solidFill>
-                  <a:schemeClr val="bg1"/>
-                </a:solidFill>
-              </a:rPr>
-              <a:t> </a:t>
-            </a:r>
-            <a:r>
-              <a:rPr lang="en-US" altLang="ko-KR" dirty="0">
-                <a:solidFill>
-                  <a:schemeClr val="bg1"/>
-                </a:solidFill>
-              </a:rPr>
-              <a:t>protesters passing by</a:t>
+              <a:t>Road length</a:t>
             </a:r>
           </a:p>
           <a:p>
@@ -5594,8 +5597,8 @@
         </p:blipFill>
         <p:spPr>
           <a:xfrm>
-            <a:off x="179512" y="1854489"/>
-            <a:ext cx="5921599" cy="4556902"/>
+            <a:off x="179513" y="1854489"/>
+            <a:ext cx="5695384" cy="4382821"/>
           </a:xfrm>
           <a:prstGeom prst="rect">
             <a:avLst/>
@@ -5616,8 +5619,8 @@
         </p:nvSpPr>
         <p:spPr>
           <a:xfrm>
-            <a:off x="1340111" y="6042059"/>
-            <a:ext cx="3600400" cy="369332"/>
+            <a:off x="1297828" y="5867978"/>
+            <a:ext cx="3458753" cy="369332"/>
           </a:xfrm>
           <a:prstGeom prst="rect">
             <a:avLst/>
@@ -5668,8 +5671,8 @@
         </p:nvSpPr>
         <p:spPr>
           <a:xfrm>
-            <a:off x="6101110" y="1879259"/>
-            <a:ext cx="3117205" cy="4524315"/>
+            <a:off x="6014511" y="1852445"/>
+            <a:ext cx="3155581" cy="4247317"/>
           </a:xfrm>
           <a:prstGeom prst="rect">
             <a:avLst/>
@@ -5757,33 +5760,7 @@
                   <a:schemeClr val="bg1"/>
                 </a:solidFill>
               </a:rPr>
-              <a:t>Road length,</a:t>
-            </a:r>
-          </a:p>
-          <a:p>
-            <a:r>
-              <a:rPr lang="en-US" altLang="ko-KR" dirty="0">
-                <a:solidFill>
-                  <a:schemeClr val="bg1"/>
-                </a:solidFill>
-              </a:rPr>
-              <a:t># of</a:t>
-            </a:r>
-            <a:r>
-              <a:rPr lang="ko-KR" altLang="en-US" dirty="0">
-                <a:solidFill>
-                  <a:schemeClr val="bg1"/>
-                </a:solidFill>
-              </a:rPr>
-              <a:t> </a:t>
-            </a:r>
-            <a:r>
-              <a:rPr lang="en-US" altLang="ko-KR" dirty="0">
-                <a:solidFill>
-                  <a:schemeClr val="bg1"/>
-                </a:solidFill>
-              </a:rPr>
-              <a:t>protesters passing by</a:t>
+              <a:t>Road length</a:t>
             </a:r>
           </a:p>
           <a:p>
@@ -6086,7 +6063,7 @@
                   </a:solidFill>
                   <a:latin typeface="+mj-lt"/>
                 </a:rPr>
-                <a:t>(Precondition)</a:t>
+                <a:t>(Precondition &amp; Calculation)</a:t>
               </a:r>
               <a:endParaRPr lang="ko-KR" altLang="en-US" sz="3600" dirty="0">
                 <a:solidFill>
@@ -6112,8 +6089,8 @@
         </p:nvSpPr>
         <p:spPr>
           <a:xfrm>
-            <a:off x="107504" y="2132856"/>
-            <a:ext cx="8784976" cy="3693319"/>
+            <a:off x="251520" y="1844824"/>
+            <a:ext cx="8784976" cy="5909310"/>
           </a:xfrm>
           <a:prstGeom prst="rect">
             <a:avLst/>
@@ -6132,7 +6109,17 @@
                   <a:schemeClr val="bg1"/>
                 </a:solidFill>
               </a:rPr>
-              <a:t>Each protester joins the parade in the interval of 2 seconds.</a:t>
+              <a:t>The parade proceeds in a single row, is not affected by traffic situation and </a:t>
+            </a:r>
+          </a:p>
+          <a:p>
+            <a:r>
+              <a:rPr lang="en-US" altLang="ko-KR" dirty="0">
+                <a:solidFill>
+                  <a:schemeClr val="bg1"/>
+                </a:solidFill>
+              </a:rPr>
+              <a:t>does not stop at any circumstances.</a:t>
             </a:r>
           </a:p>
           <a:p>
@@ -6149,7 +6136,129 @@
                   <a:schemeClr val="bg1"/>
                 </a:solidFill>
               </a:rPr>
-              <a:t>They travel in a single row.</a:t>
+              <a:t>When</a:t>
+            </a:r>
+            <a:r>
+              <a:rPr lang="ko-KR" altLang="en-US" dirty="0">
+                <a:solidFill>
+                  <a:schemeClr val="bg1"/>
+                </a:solidFill>
+              </a:rPr>
+              <a:t> </a:t>
+            </a:r>
+            <a:r>
+              <a:rPr lang="en-US" altLang="ko-KR" dirty="0">
+                <a:solidFill>
+                  <a:schemeClr val="bg1"/>
+                </a:solidFill>
+              </a:rPr>
+              <a:t>the</a:t>
+            </a:r>
+            <a:r>
+              <a:rPr lang="ko-KR" altLang="en-US" dirty="0">
+                <a:solidFill>
+                  <a:schemeClr val="bg1"/>
+                </a:solidFill>
+              </a:rPr>
+              <a:t> </a:t>
+            </a:r>
+            <a:r>
+              <a:rPr lang="en-US" altLang="ko-KR" dirty="0">
+                <a:solidFill>
+                  <a:schemeClr val="bg1"/>
+                </a:solidFill>
+              </a:rPr>
+              <a:t>head</a:t>
+            </a:r>
+            <a:r>
+              <a:rPr lang="ko-KR" altLang="en-US" dirty="0">
+                <a:solidFill>
+                  <a:schemeClr val="bg1"/>
+                </a:solidFill>
+              </a:rPr>
+              <a:t> </a:t>
+            </a:r>
+            <a:r>
+              <a:rPr lang="en-US" altLang="ko-KR" dirty="0">
+                <a:solidFill>
+                  <a:schemeClr val="bg1"/>
+                </a:solidFill>
+              </a:rPr>
+              <a:t>of</a:t>
+            </a:r>
+            <a:r>
+              <a:rPr lang="ko-KR" altLang="en-US" dirty="0">
+                <a:solidFill>
+                  <a:schemeClr val="bg1"/>
+                </a:solidFill>
+              </a:rPr>
+              <a:t> </a:t>
+            </a:r>
+            <a:r>
+              <a:rPr lang="en-US" altLang="ko-KR" dirty="0">
+                <a:solidFill>
+                  <a:schemeClr val="bg1"/>
+                </a:solidFill>
+              </a:rPr>
+              <a:t>the</a:t>
+            </a:r>
+            <a:r>
+              <a:rPr lang="ko-KR" altLang="en-US" dirty="0">
+                <a:solidFill>
+                  <a:schemeClr val="bg1"/>
+                </a:solidFill>
+              </a:rPr>
+              <a:t> </a:t>
+            </a:r>
+            <a:r>
+              <a:rPr lang="en-US" altLang="ko-KR" dirty="0">
+                <a:solidFill>
+                  <a:schemeClr val="bg1"/>
+                </a:solidFill>
+              </a:rPr>
+              <a:t>parade</a:t>
+            </a:r>
+            <a:r>
+              <a:rPr lang="ko-KR" altLang="en-US" dirty="0">
+                <a:solidFill>
+                  <a:schemeClr val="bg1"/>
+                </a:solidFill>
+              </a:rPr>
+              <a:t> </a:t>
+            </a:r>
+            <a:r>
+              <a:rPr lang="en-US" altLang="ko-KR" dirty="0">
+                <a:solidFill>
+                  <a:schemeClr val="bg1"/>
+                </a:solidFill>
+              </a:rPr>
+              <a:t>reaches</a:t>
+            </a:r>
+            <a:r>
+              <a:rPr lang="ko-KR" altLang="en-US" dirty="0">
+                <a:solidFill>
+                  <a:schemeClr val="bg1"/>
+                </a:solidFill>
+              </a:rPr>
+              <a:t> </a:t>
+            </a:r>
+            <a:r>
+              <a:rPr lang="en-US" altLang="ko-KR" dirty="0">
+                <a:solidFill>
+                  <a:schemeClr val="bg1"/>
+                </a:solidFill>
+              </a:rPr>
+              <a:t>the end of current intersection, </a:t>
+            </a:r>
+          </a:p>
+          <a:p>
+            <a:r>
+              <a:rPr lang="en-US" altLang="ko-KR" dirty="0">
+                <a:solidFill>
+                  <a:schemeClr val="bg1"/>
+                </a:solidFill>
+              </a:rPr>
+              <a:t>a new node is created to which the parade proceeds.</a:t>
             </a:r>
           </a:p>
           <a:p>
@@ -6166,7 +6275,17 @@
                   <a:schemeClr val="bg1"/>
                 </a:solidFill>
               </a:rPr>
-              <a:t>The parade is not affected by traffic situation and doesn’t stop at any circumstances.</a:t>
+              <a:t>When the tail of the parade passes the end of current intersection, </a:t>
+            </a:r>
+          </a:p>
+          <a:p>
+            <a:r>
+              <a:rPr lang="en-US" altLang="ko-KR" dirty="0">
+                <a:solidFill>
+                  <a:schemeClr val="bg1"/>
+                </a:solidFill>
+              </a:rPr>
+              <a:t>the corresponding node is deleted from the graph.</a:t>
             </a:r>
           </a:p>
           <a:p>
@@ -6183,49 +6302,17 @@
                   <a:schemeClr val="bg1"/>
                 </a:solidFill>
               </a:rPr>
-              <a:t>Speed of the parade(</a:t>
-            </a:r>
-            <a:r>
-              <a:rPr lang="en-US" altLang="ko-KR" dirty="0" err="1">
+              <a:t>Parade length = Number of protesters * 1meter</a:t>
+            </a:r>
+          </a:p>
+          <a:p>
+            <a:r>
+              <a:rPr lang="en-US" altLang="ko-KR" dirty="0">
                 <a:solidFill>
                   <a:schemeClr val="bg1"/>
                 </a:solidFill>
               </a:rPr>
-              <a:t>mpm</a:t>
-            </a:r>
-            <a:r>
-              <a:rPr lang="en-US" altLang="ko-KR" dirty="0">
-                <a:solidFill>
-                  <a:schemeClr val="bg1"/>
-                </a:solidFill>
-              </a:rPr>
-              <a:t>) = Total route length(meter)/ Total parade time(minute)</a:t>
-            </a:r>
-          </a:p>
-          <a:p>
-            <a:r>
-              <a:rPr lang="en-US" altLang="ko-KR" dirty="0">
-                <a:solidFill>
-                  <a:schemeClr val="bg1"/>
-                </a:solidFill>
-              </a:rPr>
-              <a:t>Ex) Speed =  5km</a:t>
-            </a:r>
-            <a:r>
-              <a:rPr lang="ko-KR" altLang="en-US" dirty="0">
-                <a:solidFill>
-                  <a:schemeClr val="bg1"/>
-                </a:solidFill>
-              </a:rPr>
-              <a:t> </a:t>
-            </a:r>
-            <a:r>
-              <a:rPr lang="en-US" altLang="ko-KR" dirty="0">
-                <a:solidFill>
-                  <a:schemeClr val="bg1"/>
-                </a:solidFill>
-              </a:rPr>
-              <a:t>/ 2h = 5000m / 120m = 41.66mpm</a:t>
+              <a:t>Ex) Parade length = 100 * 1m = 100m</a:t>
             </a:r>
           </a:p>
           <a:p>
@@ -6242,7 +6329,7 @@
                   <a:schemeClr val="bg1"/>
                 </a:solidFill>
               </a:rPr>
-              <a:t>Road length(weight) = straight line distance between intersections(meter)</a:t>
+              <a:t>Road length(weight) = Straight line distance between two intersections(meter)</a:t>
             </a:r>
           </a:p>
           <a:p>
@@ -6252,8 +6339,88 @@
                   <a:schemeClr val="bg1"/>
                 </a:solidFill>
               </a:rPr>
-              <a:t>(Calculated via </a:t>
-            </a:r>
+              <a:t>(Calculated via google earth manually)</a:t>
+            </a:r>
+          </a:p>
+          <a:p>
+            <a:endParaRPr lang="en-US" altLang="ko-KR" dirty="0">
+              <a:solidFill>
+                <a:schemeClr val="bg1"/>
+              </a:solidFill>
+            </a:endParaRPr>
+          </a:p>
+          <a:p>
+            <a:r>
+              <a:rPr lang="en-US" altLang="ko-KR" dirty="0">
+                <a:solidFill>
+                  <a:schemeClr val="bg1"/>
+                </a:solidFill>
+              </a:rPr>
+              <a:t>Parade speed(</a:t>
+            </a:r>
+            <a:r>
+              <a:rPr lang="en-US" altLang="ko-KR" dirty="0" err="1">
+                <a:solidFill>
+                  <a:schemeClr val="bg1"/>
+                </a:solidFill>
+              </a:rPr>
+              <a:t>mpm</a:t>
+            </a:r>
+            <a:r>
+              <a:rPr lang="en-US" altLang="ko-KR" dirty="0">
+                <a:solidFill>
+                  <a:schemeClr val="bg1"/>
+                </a:solidFill>
+              </a:rPr>
+              <a:t>) = Total route length(meter) / Parade time(minute)</a:t>
+            </a:r>
+          </a:p>
+          <a:p>
+            <a:r>
+              <a:rPr lang="en-US" altLang="ko-KR" dirty="0">
+                <a:solidFill>
+                  <a:schemeClr val="bg1"/>
+                </a:solidFill>
+              </a:rPr>
+              <a:t>Ex) Speed =  5km</a:t>
+            </a:r>
+            <a:r>
+              <a:rPr lang="ko-KR" altLang="en-US" dirty="0">
+                <a:solidFill>
+                  <a:schemeClr val="bg1"/>
+                </a:solidFill>
+              </a:rPr>
+              <a:t> </a:t>
+            </a:r>
+            <a:r>
+              <a:rPr lang="en-US" altLang="ko-KR" dirty="0">
+                <a:solidFill>
+                  <a:schemeClr val="bg1"/>
+                </a:solidFill>
+              </a:rPr>
+              <a:t>/ 2h = 5000m / 120m = 41.66mpm</a:t>
+            </a:r>
+          </a:p>
+          <a:p>
+            <a:endParaRPr lang="en-US" altLang="ko-KR" dirty="0">
+              <a:solidFill>
+                <a:schemeClr val="bg1"/>
+              </a:solidFill>
+            </a:endParaRPr>
+          </a:p>
+          <a:p>
+            <a:endParaRPr lang="en-US" altLang="ko-KR" dirty="0">
+              <a:solidFill>
+                <a:schemeClr val="bg1"/>
+              </a:solidFill>
+            </a:endParaRPr>
+          </a:p>
+          <a:p>
+            <a:endParaRPr lang="en-US" altLang="ko-KR" dirty="0">
+              <a:solidFill>
+                <a:schemeClr val="bg1"/>
+              </a:solidFill>
+            </a:endParaRPr>
           </a:p>
           <a:p>
             <a:endParaRPr lang="en-US" altLang="ko-KR" dirty="0">
@@ -6278,6 +6445,252 @@
 </file>
 
 <file path=ppt/slides/slide6.xml><?xml version="1.0" encoding="utf-8"?>
+<p:sld xmlns:a="http://schemas.openxmlformats.org/drawingml/2006/main" xmlns:r="http://schemas.openxmlformats.org/officeDocument/2006/relationships" xmlns:p="http://schemas.openxmlformats.org/presentationml/2006/main">
+  <p:cSld>
+    <p:spTree>
+      <p:nvGrpSpPr>
+        <p:cNvPr id="1" name=""/>
+        <p:cNvGrpSpPr/>
+        <p:nvPr/>
+      </p:nvGrpSpPr>
+      <p:grpSpPr>
+        <a:xfrm>
+          <a:off x="0" y="0"/>
+          <a:ext cx="0" cy="0"/>
+          <a:chOff x="0" y="0"/>
+          <a:chExt cx="0" cy="0"/>
+        </a:xfrm>
+      </p:grpSpPr>
+      <p:pic>
+        <p:nvPicPr>
+          <p:cNvPr id="12" name="Picture 2"/>
+          <p:cNvPicPr>
+            <a:picLocks noChangeAspect="1" noChangeArrowheads="1"/>
+          </p:cNvPicPr>
+          <p:nvPr/>
+        </p:nvPicPr>
+        <p:blipFill>
+          <a:blip r:embed="rId3" cstate="print"/>
+          <a:srcRect/>
+          <a:stretch>
+            <a:fillRect/>
+          </a:stretch>
+        </p:blipFill>
+        <p:spPr bwMode="auto">
+          <a:xfrm>
+            <a:off x="-36512" y="-45374"/>
+            <a:ext cx="9180512" cy="6930758"/>
+          </a:xfrm>
+          <a:prstGeom prst="rect">
+            <a:avLst/>
+          </a:prstGeom>
+          <a:solidFill>
+            <a:schemeClr val="bg1"/>
+          </a:solidFill>
+          <a:ln w="9525">
+            <a:noFill/>
+            <a:miter lim="800000"/>
+            <a:headEnd/>
+            <a:tailEnd/>
+          </a:ln>
+        </p:spPr>
+      </p:pic>
+      <p:pic>
+        <p:nvPicPr>
+          <p:cNvPr id="8" name="Picture 2"/>
+          <p:cNvPicPr>
+            <a:picLocks noChangeAspect="1" noChangeArrowheads="1"/>
+          </p:cNvPicPr>
+          <p:nvPr/>
+        </p:nvPicPr>
+        <p:blipFill>
+          <a:blip r:embed="rId3" cstate="print"/>
+          <a:srcRect/>
+          <a:stretch>
+            <a:fillRect/>
+          </a:stretch>
+        </p:blipFill>
+        <p:spPr bwMode="auto">
+          <a:xfrm>
+            <a:off x="-5210" y="0"/>
+            <a:ext cx="9144000" cy="6930758"/>
+          </a:xfrm>
+          <a:prstGeom prst="rect">
+            <a:avLst/>
+          </a:prstGeom>
+          <a:noFill/>
+          <a:ln w="9525">
+            <a:noFill/>
+            <a:miter lim="800000"/>
+            <a:headEnd/>
+            <a:tailEnd/>
+          </a:ln>
+        </p:spPr>
+      </p:pic>
+      <p:grpSp>
+        <p:nvGrpSpPr>
+          <p:cNvPr id="2" name="그룹 1"/>
+          <p:cNvGrpSpPr/>
+          <p:nvPr/>
+        </p:nvGrpSpPr>
+        <p:grpSpPr>
+          <a:xfrm>
+            <a:off x="467693" y="421838"/>
+            <a:ext cx="8172102" cy="1200329"/>
+            <a:chOff x="3149864" y="428471"/>
+            <a:chExt cx="2835219" cy="1200329"/>
+          </a:xfrm>
+        </p:grpSpPr>
+        <p:cxnSp>
+          <p:nvCxnSpPr>
+            <p:cNvPr id="13" name="직선 연결선 12"/>
+            <p:cNvCxnSpPr/>
+            <p:nvPr/>
+          </p:nvCxnSpPr>
+          <p:spPr>
+            <a:xfrm>
+              <a:off x="3347864" y="1628800"/>
+              <a:ext cx="2448272" cy="0"/>
+            </a:xfrm>
+            <a:prstGeom prst="line">
+              <a:avLst/>
+            </a:prstGeom>
+            <a:ln w="25400">
+              <a:solidFill>
+                <a:schemeClr val="tx1">
+                  <a:lumMod val="65000"/>
+                  <a:lumOff val="35000"/>
+                </a:schemeClr>
+              </a:solidFill>
+            </a:ln>
+            <a:scene3d>
+              <a:camera prst="perspectiveFront"/>
+              <a:lightRig rig="threePt" dir="t"/>
+            </a:scene3d>
+          </p:spPr>
+          <p:style>
+            <a:lnRef idx="1">
+              <a:schemeClr val="accent1"/>
+            </a:lnRef>
+            <a:fillRef idx="0">
+              <a:schemeClr val="accent1"/>
+            </a:fillRef>
+            <a:effectRef idx="0">
+              <a:schemeClr val="accent1"/>
+            </a:effectRef>
+            <a:fontRef idx="minor">
+              <a:schemeClr val="tx1"/>
+            </a:fontRef>
+          </p:style>
+        </p:cxnSp>
+        <p:sp>
+          <p:nvSpPr>
+            <p:cNvPr id="14" name="TextBox 13"/>
+            <p:cNvSpPr txBox="1"/>
+            <p:nvPr/>
+          </p:nvSpPr>
+          <p:spPr>
+            <a:xfrm>
+              <a:off x="3149864" y="428471"/>
+              <a:ext cx="2835219" cy="1200329"/>
+            </a:xfrm>
+            <a:prstGeom prst="rect">
+              <a:avLst/>
+            </a:prstGeom>
+            <a:noFill/>
+          </p:spPr>
+          <p:txBody>
+            <a:bodyPr wrap="square" rtlCol="0">
+              <a:spAutoFit/>
+              <a:scene3d>
+                <a:camera prst="perspectiveFront"/>
+                <a:lightRig rig="threePt" dir="t"/>
+              </a:scene3d>
+            </a:bodyPr>
+            <a:lstStyle/>
+            <a:p>
+              <a:pPr algn="ctr"/>
+              <a:r>
+                <a:rPr lang="en-US" altLang="ko-KR" sz="3600" dirty="0">
+                  <a:solidFill>
+                    <a:schemeClr val="bg1"/>
+                  </a:solidFill>
+                  <a:latin typeface="+mj-lt"/>
+                </a:rPr>
+                <a:t>Graphing</a:t>
+              </a:r>
+              <a:r>
+                <a:rPr lang="ko-KR" altLang="en-US" sz="3600" dirty="0">
+                  <a:solidFill>
+                    <a:schemeClr val="bg1"/>
+                  </a:solidFill>
+                  <a:latin typeface="+mj-lt"/>
+                </a:rPr>
+                <a:t> </a:t>
+              </a:r>
+              <a:r>
+                <a:rPr lang="en-US" altLang="ko-KR" sz="3600" dirty="0">
+                  <a:solidFill>
+                    <a:schemeClr val="bg1"/>
+                  </a:solidFill>
+                  <a:latin typeface="+mj-lt"/>
+                </a:rPr>
+                <a:t>the</a:t>
+              </a:r>
+              <a:r>
+                <a:rPr lang="ko-KR" altLang="en-US" sz="3600" dirty="0">
+                  <a:solidFill>
+                    <a:schemeClr val="bg1"/>
+                  </a:solidFill>
+                  <a:latin typeface="+mj-lt"/>
+                </a:rPr>
+                <a:t> </a:t>
+              </a:r>
+              <a:r>
+                <a:rPr lang="en-US" altLang="ko-KR" sz="3600" dirty="0">
+                  <a:solidFill>
+                    <a:schemeClr val="bg1"/>
+                  </a:solidFill>
+                  <a:latin typeface="+mj-lt"/>
+                </a:rPr>
+                <a:t>Parade Route</a:t>
+              </a:r>
+            </a:p>
+            <a:p>
+              <a:pPr algn="ctr"/>
+              <a:r>
+                <a:rPr lang="en-US" altLang="ko-KR" sz="3600" dirty="0">
+                  <a:solidFill>
+                    <a:schemeClr val="bg1"/>
+                  </a:solidFill>
+                  <a:latin typeface="+mj-lt"/>
+                </a:rPr>
+                <a:t>(Precondition &amp; Calculation Explained)</a:t>
+              </a:r>
+              <a:endParaRPr lang="ko-KR" altLang="en-US" sz="3600" dirty="0">
+                <a:solidFill>
+                  <a:schemeClr val="bg1"/>
+                </a:solidFill>
+                <a:latin typeface="+mj-lt"/>
+              </a:endParaRPr>
+            </a:p>
+          </p:txBody>
+        </p:sp>
+      </p:grpSp>
+    </p:spTree>
+    <p:extLst>
+      <p:ext uri="{BB962C8B-B14F-4D97-AF65-F5344CB8AC3E}">
+        <p14:creationId xmlns:p14="http://schemas.microsoft.com/office/powerpoint/2010/main" val="1554330640"/>
+      </p:ext>
+    </p:extLst>
+  </p:cSld>
+  <p:clrMapOvr>
+    <a:masterClrMapping/>
+  </p:clrMapOvr>
+</p:sld>
+</file>
+
+<file path=ppt/slides/slide7.xml><?xml version="1.0" encoding="utf-8"?>
 <p:sld xmlns:a="http://schemas.openxmlformats.org/drawingml/2006/main" xmlns:r="http://schemas.openxmlformats.org/officeDocument/2006/relationships" xmlns:p="http://schemas.openxmlformats.org/presentationml/2006/main">
   <p:cSld>
     <p:spTree>
@@ -6498,7 +6911,7 @@
                   </a:solidFill>
                   <a:latin typeface="+mj-lt"/>
                 </a:rPr>
-                <a:t>(Calculation)</a:t>
+                <a:t>(Information)</a:t>
               </a:r>
               <a:endParaRPr lang="ko-KR" altLang="en-US" sz="3600" dirty="0">
                 <a:solidFill>
@@ -6524,8 +6937,8 @@
         </p:nvSpPr>
         <p:spPr>
           <a:xfrm>
-            <a:off x="107504" y="2132856"/>
-            <a:ext cx="8784976" cy="646331"/>
+            <a:off x="251520" y="1844824"/>
+            <a:ext cx="8784976" cy="1477328"/>
           </a:xfrm>
           <a:prstGeom prst="rect">
             <a:avLst/>
@@ -6539,12 +6952,28 @@
           <a:lstStyle/>
           <a:p>
             <a:r>
+              <a:rPr lang="ko-KR" altLang="en-US" dirty="0" err="1">
+                <a:solidFill>
+                  <a:schemeClr val="bg1"/>
+                </a:solidFill>
+              </a:rPr>
+              <a:t>차벽</a:t>
+            </a:r>
+            <a:r>
+              <a:rPr lang="ko-KR" altLang="en-US" dirty="0">
+                <a:solidFill>
+                  <a:schemeClr val="bg1"/>
+                </a:solidFill>
+              </a:rPr>
+              <a:t> 예상 사거리</a:t>
+            </a:r>
+            <a:r>
               <a:rPr lang="en-US" altLang="ko-KR" dirty="0">
                 <a:solidFill>
                   <a:schemeClr val="bg1"/>
                 </a:solidFill>
               </a:rPr>
-              <a:t># of protesters passing by the road(edge) = </a:t>
+              <a:t>(Shortest distance)</a:t>
             </a:r>
           </a:p>
           <a:p>
@@ -6554,15 +6983,58 @@
                   <a:schemeClr val="bg1"/>
                 </a:solidFill>
               </a:rPr>
-              <a:t>Speed of protesters * time passed(s) *</a:t>
-            </a:r>
+              <a:t>Communities(</a:t>
+            </a:r>
+            <a:r>
+              <a:rPr lang="ko-KR" altLang="en-US" dirty="0">
+                <a:solidFill>
+                  <a:schemeClr val="bg1"/>
+                </a:solidFill>
+              </a:rPr>
+              <a:t>행진 그래프별</a:t>
+            </a:r>
+            <a:r>
+              <a:rPr lang="en-US" altLang="ko-KR" dirty="0">
+                <a:solidFill>
+                  <a:schemeClr val="bg1"/>
+                </a:solidFill>
+              </a:rPr>
+              <a:t>)</a:t>
+            </a:r>
+          </a:p>
+          <a:p>
+            <a:r>
+              <a:rPr lang="en-US" altLang="ko-KR" dirty="0">
+                <a:solidFill>
+                  <a:schemeClr val="bg1"/>
+                </a:solidFill>
+              </a:rPr>
+              <a:t>Centralities()</a:t>
+            </a:r>
+          </a:p>
+          <a:p>
+            <a:r>
+              <a:rPr lang="en-US" altLang="ko-KR" dirty="0">
+                <a:solidFill>
+                  <a:schemeClr val="bg1"/>
+                </a:solidFill>
+              </a:rPr>
+              <a:t>Component</a:t>
+            </a:r>
+          </a:p>
+          <a:p>
+            <a:endParaRPr lang="en-US" altLang="ko-KR" dirty="0">
+              <a:solidFill>
+                <a:schemeClr val="bg1"/>
+              </a:solidFill>
+            </a:endParaRPr>
           </a:p>
         </p:txBody>
       </p:sp>
     </p:spTree>
     <p:extLst>
       <p:ext uri="{BB962C8B-B14F-4D97-AF65-F5344CB8AC3E}">
-        <p14:creationId xmlns:p14="http://schemas.microsoft.com/office/powerpoint/2010/main" val="978696522"/>
+        <p14:creationId xmlns:p14="http://schemas.microsoft.com/office/powerpoint/2010/main" val="2949615298"/>
       </p:ext>
     </p:extLst>
   </p:cSld>
@@ -6572,7 +7044,7 @@
 </p:sld>
 </file>
 
-<file path=ppt/slides/slide7.xml><?xml version="1.0" encoding="utf-8"?>
+<file path=ppt/slides/slide8.xml><?xml version="1.0" encoding="utf-8"?>
 <p:sld xmlns:a="http://schemas.openxmlformats.org/drawingml/2006/main" xmlns:r="http://schemas.openxmlformats.org/officeDocument/2006/relationships" xmlns:p="http://schemas.openxmlformats.org/presentationml/2006/main">
   <p:cSld>
     <p:bg>
@@ -6765,7 +7237,7 @@
                     <a:schemeClr val="bg1"/>
                   </a:solidFill>
                   <a:latin typeface="+mj-lt"/>
-                  <a:ea typeface="08서울남산체 B" pitchFamily="18" charset="-127"/>
+                  <a:ea typeface="맑은 고딕" panose="020B0503020000020004" pitchFamily="50" charset="-127"/>
                 </a:rPr>
                 <a:t>Q&amp;A</a:t>
               </a:r>
@@ -6783,7 +7255,7 @@
                   <a:schemeClr val="bg1"/>
                 </a:solidFill>
                 <a:latin typeface="+mj-lt"/>
-                <a:ea typeface="08서울남산체 B" pitchFamily="18" charset="-127"/>
+                <a:ea typeface="맑은 고딕" panose="020B0503020000020004" pitchFamily="50" charset="-127"/>
               </a:endParaRPr>
             </a:p>
           </p:txBody>
@@ -6820,22 +7292,18 @@
               <a:rPr lang="en-US" altLang="ko-KR" sz="1200" dirty="0">
                 <a:solidFill>
                   <a:schemeClr val="bg1">
-                    <a:alpha val="85000"/>
+                    <a:alpha val="92000"/>
                   </a:schemeClr>
                 </a:solidFill>
-                <a:latin typeface="+mj-lt"/>
-                <a:ea typeface="경기천년바탕 Regular" pitchFamily="18" charset="-127"/>
               </a:rPr>
-              <a:t>Principles &amp; Methods to go Beyond UX</a:t>
+              <a:t>Problem Definition and Modeling</a:t>
             </a:r>
             <a:endParaRPr lang="ko-KR" altLang="en-US" sz="1200" dirty="0">
               <a:solidFill>
                 <a:schemeClr val="bg1">
-                  <a:alpha val="85000"/>
+                  <a:alpha val="92000"/>
                 </a:schemeClr>
               </a:solidFill>
-              <a:latin typeface="+mj-lt"/>
-              <a:ea typeface="경기천년바탕 Regular" pitchFamily="18" charset="-127"/>
             </a:endParaRPr>
           </a:p>
         </p:txBody>
@@ -6844,6 +7312,198 @@
     <p:extLst>
       <p:ext uri="{BB962C8B-B14F-4D97-AF65-F5344CB8AC3E}">
         <p14:creationId xmlns:p14="http://schemas.microsoft.com/office/powerpoint/2010/main" val="278600116"/>
+      </p:ext>
+    </p:extLst>
+  </p:cSld>
+  <p:clrMapOvr>
+    <a:masterClrMapping/>
+  </p:clrMapOvr>
+</p:sld>
+</file>
+
+<file path=ppt/slides/slide9.xml><?xml version="1.0" encoding="utf-8"?>
+<p:sld xmlns:a="http://schemas.openxmlformats.org/drawingml/2006/main" xmlns:r="http://schemas.openxmlformats.org/officeDocument/2006/relationships" xmlns:p="http://schemas.openxmlformats.org/presentationml/2006/main">
+  <p:cSld>
+    <p:spTree>
+      <p:nvGrpSpPr>
+        <p:cNvPr id="1" name=""/>
+        <p:cNvGrpSpPr/>
+        <p:nvPr/>
+      </p:nvGrpSpPr>
+      <p:grpSpPr>
+        <a:xfrm>
+          <a:off x="0" y="0"/>
+          <a:ext cx="0" cy="0"/>
+          <a:chOff x="0" y="0"/>
+          <a:chExt cx="0" cy="0"/>
+        </a:xfrm>
+      </p:grpSpPr>
+      <p:pic>
+        <p:nvPicPr>
+          <p:cNvPr id="12" name="Picture 2"/>
+          <p:cNvPicPr>
+            <a:picLocks noChangeAspect="1" noChangeArrowheads="1"/>
+          </p:cNvPicPr>
+          <p:nvPr/>
+        </p:nvPicPr>
+        <p:blipFill>
+          <a:blip r:embed="rId3" cstate="print"/>
+          <a:srcRect/>
+          <a:stretch>
+            <a:fillRect/>
+          </a:stretch>
+        </p:blipFill>
+        <p:spPr bwMode="auto">
+          <a:xfrm>
+            <a:off x="-36512" y="-45374"/>
+            <a:ext cx="9180512" cy="6930758"/>
+          </a:xfrm>
+          <a:prstGeom prst="rect">
+            <a:avLst/>
+          </a:prstGeom>
+          <a:solidFill>
+            <a:schemeClr val="bg1"/>
+          </a:solidFill>
+          <a:ln w="9525">
+            <a:noFill/>
+            <a:miter lim="800000"/>
+            <a:headEnd/>
+            <a:tailEnd/>
+          </a:ln>
+        </p:spPr>
+      </p:pic>
+      <p:pic>
+        <p:nvPicPr>
+          <p:cNvPr id="8" name="Picture 2"/>
+          <p:cNvPicPr>
+            <a:picLocks noChangeAspect="1" noChangeArrowheads="1"/>
+          </p:cNvPicPr>
+          <p:nvPr/>
+        </p:nvPicPr>
+        <p:blipFill>
+          <a:blip r:embed="rId3" cstate="print"/>
+          <a:srcRect/>
+          <a:stretch>
+            <a:fillRect/>
+          </a:stretch>
+        </p:blipFill>
+        <p:spPr bwMode="auto">
+          <a:xfrm>
+            <a:off x="-5210" y="0"/>
+            <a:ext cx="9144000" cy="6930758"/>
+          </a:xfrm>
+          <a:prstGeom prst="rect">
+            <a:avLst/>
+          </a:prstGeom>
+          <a:noFill/>
+          <a:ln w="9525">
+            <a:noFill/>
+            <a:miter lim="800000"/>
+            <a:headEnd/>
+            <a:tailEnd/>
+          </a:ln>
+        </p:spPr>
+      </p:pic>
+      <p:grpSp>
+        <p:nvGrpSpPr>
+          <p:cNvPr id="2" name="그룹 1"/>
+          <p:cNvGrpSpPr/>
+          <p:nvPr/>
+        </p:nvGrpSpPr>
+        <p:grpSpPr>
+          <a:xfrm>
+            <a:off x="1038398" y="421838"/>
+            <a:ext cx="7056784" cy="1200329"/>
+            <a:chOff x="3347864" y="428471"/>
+            <a:chExt cx="2448272" cy="1200329"/>
+          </a:xfrm>
+        </p:grpSpPr>
+        <p:cxnSp>
+          <p:nvCxnSpPr>
+            <p:cNvPr id="13" name="직선 연결선 12"/>
+            <p:cNvCxnSpPr/>
+            <p:nvPr/>
+          </p:nvCxnSpPr>
+          <p:spPr>
+            <a:xfrm>
+              <a:off x="3347864" y="1628800"/>
+              <a:ext cx="2448272" cy="0"/>
+            </a:xfrm>
+            <a:prstGeom prst="line">
+              <a:avLst/>
+            </a:prstGeom>
+            <a:ln w="25400">
+              <a:solidFill>
+                <a:schemeClr val="tx1">
+                  <a:lumMod val="65000"/>
+                  <a:lumOff val="35000"/>
+                </a:schemeClr>
+              </a:solidFill>
+            </a:ln>
+            <a:scene3d>
+              <a:camera prst="perspectiveFront"/>
+              <a:lightRig rig="threePt" dir="t"/>
+            </a:scene3d>
+          </p:spPr>
+          <p:style>
+            <a:lnRef idx="1">
+              <a:schemeClr val="accent1"/>
+            </a:lnRef>
+            <a:fillRef idx="0">
+              <a:schemeClr val="accent1"/>
+            </a:fillRef>
+            <a:effectRef idx="0">
+              <a:schemeClr val="accent1"/>
+            </a:effectRef>
+            <a:fontRef idx="minor">
+              <a:schemeClr val="tx1"/>
+            </a:fontRef>
+          </p:style>
+        </p:cxnSp>
+        <p:sp>
+          <p:nvSpPr>
+            <p:cNvPr id="14" name="TextBox 13"/>
+            <p:cNvSpPr txBox="1"/>
+            <p:nvPr/>
+          </p:nvSpPr>
+          <p:spPr>
+            <a:xfrm>
+              <a:off x="3487354" y="428471"/>
+              <a:ext cx="2160240" cy="646331"/>
+            </a:xfrm>
+            <a:prstGeom prst="rect">
+              <a:avLst/>
+            </a:prstGeom>
+            <a:noFill/>
+          </p:spPr>
+          <p:txBody>
+            <a:bodyPr wrap="square" rtlCol="0">
+              <a:spAutoFit/>
+              <a:scene3d>
+                <a:camera prst="perspectiveFront"/>
+                <a:lightRig rig="threePt" dir="t"/>
+              </a:scene3d>
+            </a:bodyPr>
+            <a:lstStyle/>
+            <a:p>
+              <a:pPr algn="ctr"/>
+              <a:r>
+                <a:rPr lang="en-US" altLang="ko-KR" sz="3600" dirty="0">
+                  <a:solidFill>
+                    <a:schemeClr val="bg1"/>
+                  </a:solidFill>
+                  <a:latin typeface="+mj-lt"/>
+                </a:rPr>
+                <a:t>Bibliography</a:t>
+              </a:r>
+            </a:p>
+          </p:txBody>
+        </p:sp>
+      </p:grpSp>
+    </p:spTree>
+    <p:extLst>
+      <p:ext uri="{BB962C8B-B14F-4D97-AF65-F5344CB8AC3E}">
+        <p14:creationId xmlns:p14="http://schemas.microsoft.com/office/powerpoint/2010/main" val="2842756487"/>
       </p:ext>
     </p:extLst>
   </p:cSld>
